--- a/VTS.pptx
+++ b/VTS.pptx
@@ -5,7 +5,7 @@
     <p:sldMasterId id="2147483648" r:id="rId1"/>
   </p:sldMasterIdLst>
   <p:notesMasterIdLst>
-    <p:notesMasterId r:id="rId27"/>
+    <p:notesMasterId r:id="rId26"/>
   </p:notesMasterIdLst>
   <p:sldIdLst>
     <p:sldId id="256" r:id="rId2"/>
@@ -14,25 +14,24 @@
     <p:sldId id="296" r:id="rId5"/>
     <p:sldId id="283" r:id="rId6"/>
     <p:sldId id="297" r:id="rId7"/>
-    <p:sldId id="303" r:id="rId8"/>
-    <p:sldId id="284" r:id="rId9"/>
-    <p:sldId id="285" r:id="rId10"/>
-    <p:sldId id="286" r:id="rId11"/>
-    <p:sldId id="287" r:id="rId12"/>
-    <p:sldId id="289" r:id="rId13"/>
-    <p:sldId id="290" r:id="rId14"/>
-    <p:sldId id="291" r:id="rId15"/>
-    <p:sldId id="292" r:id="rId16"/>
-    <p:sldId id="293" r:id="rId17"/>
-    <p:sldId id="295" r:id="rId18"/>
-    <p:sldId id="263" r:id="rId19"/>
-    <p:sldId id="281" r:id="rId20"/>
-    <p:sldId id="299" r:id="rId21"/>
-    <p:sldId id="300" r:id="rId22"/>
-    <p:sldId id="301" r:id="rId23"/>
-    <p:sldId id="302" r:id="rId24"/>
-    <p:sldId id="294" r:id="rId25"/>
-    <p:sldId id="280" r:id="rId26"/>
+    <p:sldId id="284" r:id="rId8"/>
+    <p:sldId id="285" r:id="rId9"/>
+    <p:sldId id="286" r:id="rId10"/>
+    <p:sldId id="287" r:id="rId11"/>
+    <p:sldId id="289" r:id="rId12"/>
+    <p:sldId id="290" r:id="rId13"/>
+    <p:sldId id="291" r:id="rId14"/>
+    <p:sldId id="292" r:id="rId15"/>
+    <p:sldId id="293" r:id="rId16"/>
+    <p:sldId id="295" r:id="rId17"/>
+    <p:sldId id="263" r:id="rId18"/>
+    <p:sldId id="281" r:id="rId19"/>
+    <p:sldId id="299" r:id="rId20"/>
+    <p:sldId id="300" r:id="rId21"/>
+    <p:sldId id="301" r:id="rId22"/>
+    <p:sldId id="302" r:id="rId23"/>
+    <p:sldId id="294" r:id="rId24"/>
+    <p:sldId id="280" r:id="rId25"/>
   </p:sldIdLst>
   <p:sldSz cx="9144000" cy="6858000" type="screen4x3"/>
   <p:notesSz cx="9144000" cy="6858000"/>
@@ -133,7 +132,7 @@
   </p:defaultTextStyle>
   <p:extLst>
     <p:ext uri="{EFAFB233-063F-42B5-8137-9DF3F51BA10A}">
-      <p15:sldGuideLst xmlns="" xmlns:p15="http://schemas.microsoft.com/office/powerpoint/2012/main">
+      <p15:sldGuideLst xmlns:p15="http://schemas.microsoft.com/office/powerpoint/2012/main" xmlns="">
         <p15:guide id="1" orient="horz" pos="2880">
           <p15:clr>
             <a:srgbClr val="A4A3A4"/>
@@ -233,7 +232,7 @@
             <a:fld id="{0ECEE14B-4E4A-4881-BAC4-21C65736E132}" type="datetimeFigureOut">
               <a:rPr lang="en-IN" smtClean="0"/>
               <a:pPr/>
-              <a:t>15-10-2019</a:t>
+              <a:t>11-12-2019</a:t>
             </a:fld>
             <a:endParaRPr lang="en-IN"/>
           </a:p>
@@ -402,7 +401,7 @@
     </p:spTree>
     <p:extLst>
       <p:ext uri="{BB962C8B-B14F-4D97-AF65-F5344CB8AC3E}">
-        <p14:creationId xmlns="" xmlns:p14="http://schemas.microsoft.com/office/powerpoint/2010/main" val="1408777154"/>
+        <p14:creationId xmlns:p14="http://schemas.microsoft.com/office/powerpoint/2010/main" xmlns="" val="1408777154"/>
       </p:ext>
     </p:extLst>
   </p:cSld>
@@ -646,7 +645,7 @@
             <a:fld id="{1D8BD707-D9CF-40AE-B4C6-C98DA3205C09}" type="datetimeFigureOut">
               <a:rPr lang="en-US"/>
               <a:pPr/>
-              <a:t>10/15/2019</a:t>
+              <a:t>12/11/2019</a:t>
             </a:fld>
             <a:endParaRPr lang="en-US"/>
           </a:p>
@@ -826,7 +825,7 @@
             <a:fld id="{1D8BD707-D9CF-40AE-B4C6-C98DA3205C09}" type="datetimeFigureOut">
               <a:rPr lang="en-US"/>
               <a:pPr/>
-              <a:t>10/15/2019</a:t>
+              <a:t>12/11/2019</a:t>
             </a:fld>
             <a:endParaRPr lang="en-US"/>
           </a:p>
@@ -1043,7 +1042,7 @@
             <a:fld id="{1D8BD707-D9CF-40AE-B4C6-C98DA3205C09}" type="datetimeFigureOut">
               <a:rPr lang="en-US"/>
               <a:pPr/>
-              <a:t>10/15/2019</a:t>
+              <a:t>12/11/2019</a:t>
             </a:fld>
             <a:endParaRPr lang="en-US"/>
           </a:p>
@@ -1194,7 +1193,7 @@
             <a:fld id="{1D8BD707-D9CF-40AE-B4C6-C98DA3205C09}" type="datetimeFigureOut">
               <a:rPr lang="en-US"/>
               <a:pPr/>
-              <a:t>10/15/2019</a:t>
+              <a:t>12/11/2019</a:t>
             </a:fld>
             <a:endParaRPr lang="en-US"/>
           </a:p>
@@ -1316,7 +1315,7 @@
             <a:fld id="{1D8BD707-D9CF-40AE-B4C6-C98DA3205C09}" type="datetimeFigureOut">
               <a:rPr lang="en-US"/>
               <a:pPr/>
-              <a:t>10/15/2019</a:t>
+              <a:t>12/11/2019</a:t>
             </a:fld>
             <a:endParaRPr lang="en-US"/>
           </a:p>
@@ -2077,7 +2076,7 @@
             <a:fld id="{1D8BD707-D9CF-40AE-B4C6-C98DA3205C09}" type="datetimeFigureOut">
               <a:rPr lang="en-US"/>
               <a:pPr/>
-              <a:t>10/15/2019</a:t>
+              <a:t>12/11/2019</a:t>
             </a:fld>
             <a:endParaRPr lang="en-US"/>
           </a:p>
@@ -2390,7 +2389,7 @@
           <p:cNvPr id="16" name="Title 15">
             <a:extLst>
               <a:ext uri="{FF2B5EF4-FFF2-40B4-BE49-F238E27FC236}">
-                <a16:creationId xmlns="" xmlns:a16="http://schemas.microsoft.com/office/drawing/2014/main" id="{FA1A2094-6E9F-4C00-AA5C-619379274270}"/>
+                <a16:creationId xmlns:a16="http://schemas.microsoft.com/office/drawing/2014/main" xmlns="" id="{FA1A2094-6E9F-4C00-AA5C-619379274270}"/>
               </a:ext>
             </a:extLst>
           </p:cNvPr>
@@ -2471,7 +2470,7 @@
           <p:cNvPr id="19" name="Subtitle 18">
             <a:extLst>
               <a:ext uri="{FF2B5EF4-FFF2-40B4-BE49-F238E27FC236}">
-                <a16:creationId xmlns="" xmlns:a16="http://schemas.microsoft.com/office/drawing/2014/main" id="{A09F5B07-60C4-46C9-BFB7-350EBC15B973}"/>
+                <a16:creationId xmlns:a16="http://schemas.microsoft.com/office/drawing/2014/main" xmlns="" id="{A09F5B07-60C4-46C9-BFB7-350EBC15B973}"/>
               </a:ext>
             </a:extLst>
           </p:cNvPr>
@@ -2601,7 +2600,7 @@
           <p:cNvPr id="18" name="Picture 17">
             <a:extLst>
               <a:ext uri="{FF2B5EF4-FFF2-40B4-BE49-F238E27FC236}">
-                <a16:creationId xmlns="" xmlns:a16="http://schemas.microsoft.com/office/drawing/2014/main" id="{93E13476-324A-4299-9287-EF87AA18D50B}"/>
+                <a16:creationId xmlns:a16="http://schemas.microsoft.com/office/drawing/2014/main" xmlns="" id="{93E13476-324A-4299-9287-EF87AA18D50B}"/>
               </a:ext>
             </a:extLst>
           </p:cNvPr>
@@ -2614,7 +2613,7 @@
           <a:blip r:embed="rId2" cstate="print">
             <a:extLst>
               <a:ext uri="{28A0092B-C50C-407E-A947-70E740481C1C}">
-                <a14:useLocalDpi xmlns="" xmlns:a14="http://schemas.microsoft.com/office/drawing/2010/main" val="0"/>
+                <a14:useLocalDpi xmlns:a14="http://schemas.microsoft.com/office/drawing/2010/main" xmlns="" val="0"/>
               </a:ext>
             </a:extLst>
           </a:blip>
@@ -2814,10 +2813,10 @@
       </p:grpSpPr>
       <p:sp>
         <p:nvSpPr>
-          <p:cNvPr id="2" name="Content Placeholder 2">
+          <p:cNvPr id="4" name="Title 1">
             <a:extLst>
               <a:ext uri="{FF2B5EF4-FFF2-40B4-BE49-F238E27FC236}">
-                <a16:creationId xmlns="" xmlns:a16="http://schemas.microsoft.com/office/drawing/2014/main" id="{C8292770-AC20-41A6-B967-6282AA3B4C76}"/>
+                <a16:creationId xmlns:a16="http://schemas.microsoft.com/office/drawing/2014/main" xmlns="" id="{40AF680F-7DD0-4D48-B89E-A3F44B0000EF}"/>
               </a:ext>
             </a:extLst>
           </p:cNvPr>
@@ -2828,8 +2827,8 @@
         </p:nvSpPr>
         <p:spPr>
           <a:xfrm>
-            <a:off x="142844" y="1052736"/>
-            <a:ext cx="8821644" cy="4176464"/>
+            <a:off x="1357290" y="114443"/>
+            <a:ext cx="6929486" cy="742789"/>
           </a:xfrm>
           <a:prstGeom prst="rect">
             <a:avLst/>
@@ -2837,11 +2836,11 @@
         </p:spPr>
         <p:txBody>
           <a:bodyPr>
-            <a:normAutofit/>
+            <a:noAutofit/>
           </a:bodyPr>
           <a:lstStyle/>
           <a:p>
-            <a:pPr marL="0" marR="0" lvl="0" indent="0" algn="just" defTabSz="914400" eaLnBrk="1" fontAlgn="auto" latinLnBrk="0" hangingPunct="1">
+            <a:pPr marL="0" marR="0" lvl="0" indent="0" algn="ctr" defTabSz="914400" eaLnBrk="1" fontAlgn="auto" latinLnBrk="0" hangingPunct="1">
               <a:lnSpc>
                 <a:spcPct val="100000"/>
               </a:lnSpc>
@@ -2853,13 +2852,13 @@
               </a:spcAft>
               <a:buClrTx/>
               <a:buSzTx/>
-              <a:buFont typeface="Wingdings" panose="05000000000000000000" pitchFamily="2" charset="2"/>
-              <a:buChar char="Ø"/>
+              <a:buFontTx/>
+              <a:buNone/>
               <a:tabLst/>
               <a:defRPr/>
             </a:pPr>
             <a:r>
-              <a:rPr kumimoji="0" lang="en-IN" sz="2400" b="0" i="0" u="none" strike="noStrike" kern="0" cap="none" spc="0" normalizeH="0" baseline="0" noProof="0" dirty="0">
+              <a:rPr kumimoji="0" lang="en-US" sz="3600" b="0" i="0" u="none" strike="noStrike" kern="0" cap="none" spc="0" normalizeH="0" baseline="0" noProof="0" dirty="0" smtClean="0">
                 <a:ln>
                   <a:noFill/>
                 </a:ln>
@@ -2870,23 +2869,13 @@
                 <a:uLnTx/>
                 <a:uFillTx/>
                 <a:latin typeface="Arial" panose="020B0604020202020204" pitchFamily="34" charset="0"/>
-                <a:ea typeface="+mn-ea"/>
+                <a:ea typeface="+mj-ea"/>
                 <a:cs typeface="Arial" panose="020B0604020202020204" pitchFamily="34" charset="0"/>
               </a:rPr>
-              <a:t>Because of vehicle detection and recognition in </a:t>
-            </a:r>
-            <a:r>
-              <a:rPr lang="en-IN" sz="2400" kern="0" dirty="0" smtClean="0">
-                <a:solidFill>
-                  <a:sysClr val="windowText" lastClr="000000"/>
-                </a:solidFill>
-                <a:latin typeface="Arial" panose="020B0604020202020204" pitchFamily="34" charset="0"/>
-                <a:cs typeface="Arial" panose="020B0604020202020204" pitchFamily="34" charset="0"/>
-              </a:rPr>
-              <a:t>frames</a:t>
-            </a:r>
-            <a:r>
-              <a:rPr kumimoji="0" lang="en-IN" sz="2400" b="0" i="0" u="none" strike="noStrike" kern="0" cap="none" spc="0" normalizeH="0" baseline="0" noProof="0" dirty="0" smtClean="0">
+              <a:t>Number </a:t>
+            </a:r>
+            <a:r>
+              <a:rPr kumimoji="0" lang="en-US" sz="3600" b="0" i="0" u="none" strike="noStrike" kern="0" cap="none" spc="0" normalizeH="0" baseline="0" noProof="0" dirty="0">
                 <a:ln>
                   <a:noFill/>
                 </a:ln>
@@ -2897,13 +2886,13 @@
                 <a:uLnTx/>
                 <a:uFillTx/>
                 <a:latin typeface="Arial" panose="020B0604020202020204" pitchFamily="34" charset="0"/>
-                <a:ea typeface="+mn-ea"/>
+                <a:ea typeface="+mj-ea"/>
                 <a:cs typeface="Arial" panose="020B0604020202020204" pitchFamily="34" charset="0"/>
               </a:rPr>
-              <a:t>, </a:t>
-            </a:r>
-            <a:r>
-              <a:rPr kumimoji="0" lang="en-IN" sz="2400" b="0" i="0" u="none" strike="noStrike" kern="0" cap="none" spc="0" normalizeH="0" baseline="0" noProof="0" dirty="0">
+              <a:t>Plate </a:t>
+            </a:r>
+            <a:r>
+              <a:rPr kumimoji="0" lang="en-US" sz="3600" b="0" i="0" u="none" strike="noStrike" kern="0" cap="none" spc="0" normalizeH="0" baseline="0" noProof="0" dirty="0" smtClean="0">
                 <a:ln>
                   <a:noFill/>
                 </a:ln>
@@ -2914,65 +2903,12 @@
                 <a:uLnTx/>
                 <a:uFillTx/>
                 <a:latin typeface="Arial" panose="020B0604020202020204" pitchFamily="34" charset="0"/>
-                <a:ea typeface="+mn-ea"/>
+                <a:ea typeface="+mj-ea"/>
                 <a:cs typeface="Arial" panose="020B0604020202020204" pitchFamily="34" charset="0"/>
               </a:rPr>
-              <a:t>cluttered road images, a new vehicle recognition approach is proposed in order to better deal with vehicle variability, illumination conditions, partial occlusions and rotations.</a:t>
-            </a:r>
-          </a:p>
-          <a:p>
-            <a:pPr marL="0" marR="0" lvl="0" indent="0" algn="just" defTabSz="914400" eaLnBrk="1" fontAlgn="auto" latinLnBrk="0" hangingPunct="1">
-              <a:lnSpc>
-                <a:spcPct val="100000"/>
-              </a:lnSpc>
-              <a:spcBef>
-                <a:spcPts val="0"/>
-              </a:spcBef>
-              <a:spcAft>
-                <a:spcPts val="0"/>
-              </a:spcAft>
-              <a:buClrTx/>
-              <a:buSzTx/>
-              <a:buFont typeface="Wingdings" panose="05000000000000000000" pitchFamily="2" charset="2"/>
-              <a:buChar char="Ø"/>
-              <a:tabLst/>
-              <a:defRPr/>
-            </a:pPr>
-            <a:r>
-              <a:rPr kumimoji="0" lang="en-IN" sz="2400" b="0" i="0" u="none" strike="noStrike" kern="0" cap="none" spc="0" normalizeH="0" baseline="0" noProof="0" dirty="0">
-                <a:ln>
-                  <a:noFill/>
-                </a:ln>
-                <a:solidFill>
-                  <a:sysClr val="windowText" lastClr="000000"/>
-                </a:solidFill>
-                <a:effectLst/>
-                <a:uLnTx/>
-                <a:uFillTx/>
-                <a:latin typeface="Arial" panose="020B0604020202020204" pitchFamily="34" charset="0"/>
-                <a:ea typeface="+mn-ea"/>
-                <a:cs typeface="Arial" panose="020B0604020202020204" pitchFamily="34" charset="0"/>
-              </a:rPr>
-              <a:t>The experimental results show that the system can accurately detect and recognize the vehicles on the urban multi-traffic road, while satisfying the real-time requirement</a:t>
-            </a:r>
-            <a:r>
-              <a:rPr kumimoji="0" lang="en-IN" sz="2400" b="0" i="0" u="none" strike="noStrike" kern="0" cap="none" spc="0" normalizeH="0" baseline="0" noProof="0" dirty="0" smtClean="0">
-                <a:ln>
-                  <a:noFill/>
-                </a:ln>
-                <a:solidFill>
-                  <a:sysClr val="windowText" lastClr="000000"/>
-                </a:solidFill>
-                <a:effectLst/>
-                <a:uLnTx/>
-                <a:uFillTx/>
-                <a:latin typeface="Arial" panose="020B0604020202020204" pitchFamily="34" charset="0"/>
-                <a:ea typeface="+mn-ea"/>
-                <a:cs typeface="Arial" panose="020B0604020202020204" pitchFamily="34" charset="0"/>
-              </a:rPr>
-              <a:t>.</a:t>
-            </a:r>
-            <a:endParaRPr kumimoji="0" lang="en-IN" sz="2400" b="0" i="0" u="none" strike="noStrike" kern="0" cap="none" spc="0" normalizeH="0" baseline="0" noProof="0" dirty="0">
+              <a:t>Recognition</a:t>
+            </a:r>
+            <a:endParaRPr kumimoji="0" lang="en-IN" sz="3600" b="0" i="0" u="none" strike="noStrike" kern="0" cap="none" spc="0" normalizeH="0" baseline="0" noProof="0" dirty="0">
               <a:ln>
                 <a:noFill/>
               </a:ln>
@@ -2983,7 +2919,7 @@
               <a:uLnTx/>
               <a:uFillTx/>
               <a:latin typeface="Arial" panose="020B0604020202020204" pitchFamily="34" charset="0"/>
-              <a:ea typeface="+mn-ea"/>
+              <a:ea typeface="+mj-ea"/>
               <a:cs typeface="Arial" panose="020B0604020202020204" pitchFamily="34" charset="0"/>
             </a:endParaRPr>
           </a:p>
@@ -2991,10 +2927,251 @@
       </p:sp>
       <p:sp>
         <p:nvSpPr>
-          <p:cNvPr id="3" name="object 10">
+          <p:cNvPr id="5" name="Content Placeholder 2">
             <a:extLst>
               <a:ext uri="{FF2B5EF4-FFF2-40B4-BE49-F238E27FC236}">
-                <a16:creationId xmlns="" xmlns:a16="http://schemas.microsoft.com/office/drawing/2014/main" id="{349D94DE-7EC2-4018-A2F8-1F172F1F36F1}"/>
+                <a16:creationId xmlns:a16="http://schemas.microsoft.com/office/drawing/2014/main" xmlns="" id="{5DB4C2B4-FB32-4AAB-B1B0-D95339ABD079}"/>
+              </a:ext>
+            </a:extLst>
+          </p:cNvPr>
+          <p:cNvSpPr txBox="1">
+            <a:spLocks/>
+          </p:cNvSpPr>
+          <p:nvPr/>
+        </p:nvSpPr>
+        <p:spPr>
+          <a:xfrm>
+            <a:off x="2195736" y="842999"/>
+            <a:ext cx="5868145" cy="6021289"/>
+          </a:xfrm>
+          <a:prstGeom prst="rect">
+            <a:avLst/>
+          </a:prstGeom>
+        </p:spPr>
+        <p:txBody>
+          <a:bodyPr>
+            <a:noAutofit/>
+          </a:bodyPr>
+          <a:lstStyle/>
+          <a:p>
+            <a:pPr marL="450900" marR="0" lvl="0" indent="0" algn="just" defTabSz="914400" eaLnBrk="1" fontAlgn="auto" latinLnBrk="0" hangingPunct="1">
+              <a:lnSpc>
+                <a:spcPct val="100000"/>
+              </a:lnSpc>
+              <a:spcBef>
+                <a:spcPts val="1417"/>
+              </a:spcBef>
+              <a:spcAft>
+                <a:spcPts val="0"/>
+              </a:spcAft>
+              <a:buClr>
+                <a:srgbClr val="000000"/>
+              </a:buClr>
+              <a:buSzPct val="45000"/>
+              <a:buFont typeface="Wingdings" panose="05000000000000000000" pitchFamily="2" charset="2"/>
+              <a:buChar char="Ø"/>
+              <a:tabLst/>
+              <a:defRPr/>
+            </a:pPr>
+            <a:r>
+              <a:rPr kumimoji="0" lang="en-US" sz="2400" b="0" i="0" u="none" strike="noStrike" kern="0" cap="none" spc="-1" normalizeH="0" baseline="0" noProof="0" dirty="0">
+                <a:ln>
+                  <a:noFill/>
+                </a:ln>
+                <a:solidFill>
+                  <a:srgbClr val="000000"/>
+                </a:solidFill>
+                <a:effectLst/>
+                <a:uLnTx/>
+                <a:uFillTx/>
+                <a:latin typeface="Arial" panose="020B0604020202020204" pitchFamily="34" charset="0"/>
+                <a:ea typeface="+mn-ea"/>
+                <a:cs typeface="Arial" panose="020B0604020202020204" pitchFamily="34" charset="0"/>
+              </a:rPr>
+              <a:t>The first  step i.e. to capture image of vehicle looks very easy but it is quite difficult task to capture image of moving vehicle </a:t>
+            </a:r>
+            <a:r>
+              <a:rPr kumimoji="0" lang="en-US" sz="2400" b="0" i="0" u="none" strike="noStrike" kern="0" cap="none" spc="-1" normalizeH="0" baseline="0" noProof="0" dirty="0" smtClean="0">
+                <a:ln>
+                  <a:noFill/>
+                </a:ln>
+                <a:solidFill>
+                  <a:srgbClr val="000000"/>
+                </a:solidFill>
+                <a:effectLst/>
+                <a:uLnTx/>
+                <a:uFillTx/>
+                <a:latin typeface="Arial" panose="020B0604020202020204" pitchFamily="34" charset="0"/>
+                <a:ea typeface="+mn-ea"/>
+                <a:cs typeface="Arial" panose="020B0604020202020204" pitchFamily="34" charset="0"/>
+              </a:rPr>
+              <a:t>in  </a:t>
+            </a:r>
+            <a:r>
+              <a:rPr kumimoji="0" lang="en-US" sz="2400" b="0" i="0" u="none" strike="noStrike" kern="0" cap="none" spc="-1" normalizeH="0" baseline="0" noProof="0" dirty="0">
+                <a:ln>
+                  <a:noFill/>
+                </a:ln>
+                <a:solidFill>
+                  <a:srgbClr val="000000"/>
+                </a:solidFill>
+                <a:effectLst/>
+                <a:uLnTx/>
+                <a:uFillTx/>
+                <a:latin typeface="Arial" panose="020B0604020202020204" pitchFamily="34" charset="0"/>
+                <a:ea typeface="+mn-ea"/>
+                <a:cs typeface="Arial" panose="020B0604020202020204" pitchFamily="34" charset="0"/>
+              </a:rPr>
+              <a:t>such  a  manner  that  none  of  the component  of  vehicle  especially  the  vehicle  number  plate should  be  missed.  </a:t>
+            </a:r>
+          </a:p>
+          <a:p>
+            <a:pPr marL="450900" marR="0" lvl="0" indent="0" algn="just" defTabSz="914400" eaLnBrk="1" fontAlgn="auto" latinLnBrk="0" hangingPunct="1">
+              <a:lnSpc>
+                <a:spcPct val="100000"/>
+              </a:lnSpc>
+              <a:spcBef>
+                <a:spcPts val="1417"/>
+              </a:spcBef>
+              <a:spcAft>
+                <a:spcPts val="0"/>
+              </a:spcAft>
+              <a:buClr>
+                <a:srgbClr val="000000"/>
+              </a:buClr>
+              <a:buSzPct val="45000"/>
+              <a:buFont typeface="Wingdings" panose="05000000000000000000" pitchFamily="2" charset="2"/>
+              <a:buChar char="Ø"/>
+              <a:tabLst/>
+              <a:defRPr/>
+            </a:pPr>
+            <a:r>
+              <a:rPr kumimoji="0" lang="en-US" sz="2400" b="0" i="0" u="none" strike="noStrike" kern="0" cap="none" spc="-1" normalizeH="0" baseline="0" noProof="0" dirty="0">
+                <a:ln>
+                  <a:noFill/>
+                </a:ln>
+                <a:solidFill>
+                  <a:srgbClr val="000000"/>
+                </a:solidFill>
+                <a:effectLst/>
+                <a:uLnTx/>
+                <a:uFillTx/>
+                <a:latin typeface="Arial" panose="020B0604020202020204" pitchFamily="34" charset="0"/>
+                <a:ea typeface="+mn-ea"/>
+                <a:cs typeface="Arial" panose="020B0604020202020204" pitchFamily="34" charset="0"/>
+              </a:rPr>
+              <a:t>Presently  number  plate  detection  and Recognition  processing  time  is less than  </a:t>
+            </a:r>
+            <a:r>
+              <a:rPr kumimoji="0" lang="en-US" sz="2400" b="0" i="0" u="none" strike="noStrike" kern="0" cap="none" spc="-1" normalizeH="0" baseline="0" noProof="0" dirty="0" smtClean="0">
+                <a:ln>
+                  <a:noFill/>
+                </a:ln>
+                <a:solidFill>
+                  <a:srgbClr val="000000"/>
+                </a:solidFill>
+                <a:effectLst/>
+                <a:uLnTx/>
+                <a:uFillTx/>
+                <a:latin typeface="Arial" panose="020B0604020202020204" pitchFamily="34" charset="0"/>
+                <a:ea typeface="+mn-ea"/>
+                <a:cs typeface="Arial" panose="020B0604020202020204" pitchFamily="34" charset="0"/>
+              </a:rPr>
+              <a:t>50ms </a:t>
+            </a:r>
+            <a:r>
+              <a:rPr kumimoji="0" lang="en-US" sz="2400" b="0" i="0" u="none" strike="noStrike" kern="0" cap="none" spc="-1" normalizeH="0" baseline="0" noProof="0" dirty="0">
+                <a:ln>
+                  <a:noFill/>
+                </a:ln>
+                <a:solidFill>
+                  <a:srgbClr val="000000"/>
+                </a:solidFill>
+                <a:effectLst/>
+                <a:uLnTx/>
+                <a:uFillTx/>
+                <a:latin typeface="Arial" panose="020B0604020202020204" pitchFamily="34" charset="0"/>
+                <a:ea typeface="+mn-ea"/>
+                <a:cs typeface="Arial" panose="020B0604020202020204" pitchFamily="34" charset="0"/>
+              </a:rPr>
+              <a:t>in  many systems. </a:t>
+            </a:r>
+          </a:p>
+          <a:p>
+            <a:pPr marL="450900" marR="0" lvl="0" indent="0" algn="just" defTabSz="914400" eaLnBrk="1" fontAlgn="auto" latinLnBrk="0" hangingPunct="1">
+              <a:lnSpc>
+                <a:spcPct val="100000"/>
+              </a:lnSpc>
+              <a:spcBef>
+                <a:spcPts val="1417"/>
+              </a:spcBef>
+              <a:spcAft>
+                <a:spcPts val="0"/>
+              </a:spcAft>
+              <a:buClr>
+                <a:srgbClr val="000000"/>
+              </a:buClr>
+              <a:buSzPct val="45000"/>
+              <a:buFont typeface="Wingdings" panose="05000000000000000000" pitchFamily="2" charset="2"/>
+              <a:buChar char="Ø"/>
+              <a:tabLst/>
+              <a:defRPr/>
+            </a:pPr>
+            <a:r>
+              <a:rPr kumimoji="0" lang="en-US" sz="2400" b="0" i="0" u="none" strike="noStrike" kern="0" cap="none" spc="-1" normalizeH="0" baseline="0" noProof="0" dirty="0">
+                <a:ln>
+                  <a:noFill/>
+                </a:ln>
+                <a:solidFill>
+                  <a:srgbClr val="000000"/>
+                </a:solidFill>
+                <a:effectLst/>
+                <a:uLnTx/>
+                <a:uFillTx/>
+                <a:latin typeface="Arial" panose="020B0604020202020204" pitchFamily="34" charset="0"/>
+                <a:ea typeface="+mn-ea"/>
+                <a:cs typeface="Arial" panose="020B0604020202020204" pitchFamily="34" charset="0"/>
+              </a:rPr>
+              <a:t>The success of fourth step depends  on how  second and  third  step  are able  to  locate  vehicle  number  plate  and separate  each  character.</a:t>
+            </a:r>
+          </a:p>
+        </p:txBody>
+      </p:sp>
+      <p:pic>
+        <p:nvPicPr>
+          <p:cNvPr id="6" name="Picture 5">
+            <a:extLst>
+              <a:ext uri="{FF2B5EF4-FFF2-40B4-BE49-F238E27FC236}">
+                <a16:creationId xmlns:a16="http://schemas.microsoft.com/office/drawing/2014/main" xmlns="" id="{3809D792-17A8-4EC5-BC71-BF525195DD5A}"/>
+              </a:ext>
+            </a:extLst>
+          </p:cNvPr>
+          <p:cNvPicPr/>
+          <p:nvPr/>
+        </p:nvPicPr>
+        <p:blipFill>
+          <a:blip r:embed="rId2"/>
+          <a:stretch/>
+        </p:blipFill>
+        <p:spPr>
+          <a:xfrm>
+            <a:off x="-252536" y="1196752"/>
+            <a:ext cx="2880321" cy="5213312"/>
+          </a:xfrm>
+          <a:prstGeom prst="rect">
+            <a:avLst/>
+          </a:prstGeom>
+          <a:ln>
+            <a:noFill/>
+          </a:ln>
+        </p:spPr>
+      </p:pic>
+      <p:sp>
+        <p:nvSpPr>
+          <p:cNvPr id="7" name="object 10">
+            <a:extLst>
+              <a:ext uri="{FF2B5EF4-FFF2-40B4-BE49-F238E27FC236}">
+                <a16:creationId xmlns:a16="http://schemas.microsoft.com/office/drawing/2014/main" xmlns="" id="{23ED8E72-18AD-4059-8601-90C02D842221}"/>
               </a:ext>
             </a:extLst>
           </p:cNvPr>
@@ -3003,8 +3180,8 @@
         </p:nvSpPr>
         <p:spPr>
           <a:xfrm>
-            <a:off x="8100392" y="4221088"/>
-            <a:ext cx="1043989" cy="2637086"/>
+            <a:off x="8316416" y="4509120"/>
+            <a:ext cx="827965" cy="2349054"/>
           </a:xfrm>
           <a:custGeom>
             <a:avLst/>
@@ -3114,10 +3291,10 @@
       </p:grpSpPr>
       <p:sp>
         <p:nvSpPr>
-          <p:cNvPr id="4" name="Title 1">
+          <p:cNvPr id="2" name="Title 1">
             <a:extLst>
               <a:ext uri="{FF2B5EF4-FFF2-40B4-BE49-F238E27FC236}">
-                <a16:creationId xmlns="" xmlns:a16="http://schemas.microsoft.com/office/drawing/2014/main" id="{40AF680F-7DD0-4D48-B89E-A3F44B0000EF}"/>
+                <a16:creationId xmlns:a16="http://schemas.microsoft.com/office/drawing/2014/main" xmlns="" id="{61F569BD-0C00-4AB3-87B9-F0A49221D5AC}"/>
               </a:ext>
             </a:extLst>
           </p:cNvPr>
@@ -3128,17 +3305,15 @@
         </p:nvSpPr>
         <p:spPr>
           <a:xfrm>
-            <a:off x="1357290" y="114443"/>
-            <a:ext cx="6929486" cy="742789"/>
+            <a:off x="1500166" y="981300"/>
+            <a:ext cx="5429288" cy="447436"/>
           </a:xfrm>
           <a:prstGeom prst="rect">
             <a:avLst/>
           </a:prstGeom>
         </p:spPr>
         <p:txBody>
-          <a:bodyPr>
-            <a:noAutofit/>
-          </a:bodyPr>
+          <a:bodyPr/>
           <a:lstStyle/>
           <a:p>
             <a:pPr marL="0" marR="0" lvl="0" indent="0" algn="ctr" defTabSz="914400" eaLnBrk="1" fontAlgn="auto" latinLnBrk="0" hangingPunct="1">
@@ -3159,7 +3334,7 @@
               <a:defRPr/>
             </a:pPr>
             <a:r>
-              <a:rPr kumimoji="0" lang="en-US" sz="3600" b="0" i="0" u="none" strike="noStrike" kern="0" cap="none" spc="0" normalizeH="0" baseline="0" noProof="0" dirty="0" smtClean="0">
+              <a:rPr kumimoji="0" lang="en-US" sz="2800" b="1" i="0" u="none" strike="noStrike" kern="0" cap="none" spc="0" normalizeH="0" baseline="0" noProof="0" dirty="0">
                 <a:ln>
                   <a:noFill/>
                 </a:ln>
@@ -3169,14 +3344,14 @@
                 <a:effectLst/>
                 <a:uLnTx/>
                 <a:uFillTx/>
-                <a:latin typeface="Arial" panose="020B0604020202020204" pitchFamily="34" charset="0"/>
+                <a:latin typeface="Times New Roman" pitchFamily="18" charset="0"/>
                 <a:ea typeface="+mj-ea"/>
-                <a:cs typeface="Arial" panose="020B0604020202020204" pitchFamily="34" charset="0"/>
-              </a:rPr>
-              <a:t>Number </a:t>
-            </a:r>
-            <a:r>
-              <a:rPr kumimoji="0" lang="en-US" sz="3600" b="0" i="0" u="none" strike="noStrike" kern="0" cap="none" spc="0" normalizeH="0" baseline="0" noProof="0" dirty="0">
+                <a:cs typeface="Times New Roman" pitchFamily="18" charset="0"/>
+              </a:rPr>
+              <a:t>Object </a:t>
+            </a:r>
+            <a:r>
+              <a:rPr kumimoji="0" lang="en-US" sz="2800" b="1" i="0" u="none" strike="noStrike" kern="0" cap="none" spc="0" normalizeH="0" baseline="0" noProof="0" dirty="0" smtClean="0">
                 <a:ln>
                   <a:noFill/>
                 </a:ln>
@@ -3186,30 +3361,13 @@
                 <a:effectLst/>
                 <a:uLnTx/>
                 <a:uFillTx/>
-                <a:latin typeface="Arial" panose="020B0604020202020204" pitchFamily="34" charset="0"/>
+                <a:latin typeface="Times New Roman" pitchFamily="18" charset="0"/>
                 <a:ea typeface="+mj-ea"/>
-                <a:cs typeface="Arial" panose="020B0604020202020204" pitchFamily="34" charset="0"/>
-              </a:rPr>
-              <a:t>Plate </a:t>
-            </a:r>
-            <a:r>
-              <a:rPr kumimoji="0" lang="en-US" sz="3600" b="0" i="0" u="none" strike="noStrike" kern="0" cap="none" spc="0" normalizeH="0" baseline="0" noProof="0" dirty="0" smtClean="0">
-                <a:ln>
-                  <a:noFill/>
-                </a:ln>
-                <a:solidFill>
-                  <a:sysClr val="windowText" lastClr="000000"/>
-                </a:solidFill>
-                <a:effectLst/>
-                <a:uLnTx/>
-                <a:uFillTx/>
-                <a:latin typeface="Arial" panose="020B0604020202020204" pitchFamily="34" charset="0"/>
-                <a:ea typeface="+mj-ea"/>
-                <a:cs typeface="Arial" panose="020B0604020202020204" pitchFamily="34" charset="0"/>
-              </a:rPr>
-              <a:t>Recognition</a:t>
-            </a:r>
-            <a:endParaRPr kumimoji="0" lang="en-IN" sz="3600" b="0" i="0" u="none" strike="noStrike" kern="0" cap="none" spc="0" normalizeH="0" baseline="0" noProof="0" dirty="0">
+                <a:cs typeface="Times New Roman" pitchFamily="18" charset="0"/>
+              </a:rPr>
+              <a:t>Detection Algorithm</a:t>
+            </a:r>
+            <a:endParaRPr kumimoji="0" lang="en-IN" sz="2400" b="0" i="0" u="none" strike="noStrike" kern="0" cap="none" spc="0" normalizeH="0" baseline="0" noProof="0" dirty="0">
               <a:ln>
                 <a:noFill/>
               </a:ln>
@@ -3219,19 +3377,19 @@
               <a:effectLst/>
               <a:uLnTx/>
               <a:uFillTx/>
-              <a:latin typeface="Arial" panose="020B0604020202020204" pitchFamily="34" charset="0"/>
+              <a:latin typeface="+mj-lt"/>
               <a:ea typeface="+mj-ea"/>
-              <a:cs typeface="Arial" panose="020B0604020202020204" pitchFamily="34" charset="0"/>
+              <a:cs typeface="+mj-cs"/>
             </a:endParaRPr>
           </a:p>
         </p:txBody>
       </p:sp>
       <p:sp>
         <p:nvSpPr>
-          <p:cNvPr id="5" name="Content Placeholder 2">
+          <p:cNvPr id="3" name="Content Placeholder 2">
             <a:extLst>
               <a:ext uri="{FF2B5EF4-FFF2-40B4-BE49-F238E27FC236}">
-                <a16:creationId xmlns="" xmlns:a16="http://schemas.microsoft.com/office/drawing/2014/main" id="{5DB4C2B4-FB32-4AAB-B1B0-D95339ABD079}"/>
+                <a16:creationId xmlns:a16="http://schemas.microsoft.com/office/drawing/2014/main" xmlns="" id="{DD2E6177-E789-414A-B85D-7F0A547EA06C}"/>
               </a:ext>
             </a:extLst>
           </p:cNvPr>
@@ -3242,237 +3400,369 @@
         </p:nvSpPr>
         <p:spPr>
           <a:xfrm>
-            <a:off x="2195736" y="842999"/>
-            <a:ext cx="5868145" cy="6021289"/>
+            <a:off x="571472" y="2071678"/>
+            <a:ext cx="7429552" cy="3367102"/>
           </a:xfrm>
           <a:prstGeom prst="rect">
             <a:avLst/>
           </a:prstGeom>
         </p:spPr>
         <p:txBody>
-          <a:bodyPr>
-            <a:noAutofit/>
-          </a:bodyPr>
+          <a:bodyPr/>
           <a:lstStyle/>
           <a:p>
-            <a:pPr marL="450900" marR="0" lvl="0" indent="0" algn="just" defTabSz="914400" eaLnBrk="1" fontAlgn="auto" latinLnBrk="0" hangingPunct="1">
+            <a:pPr marL="0" marR="0" lvl="0" indent="0" defTabSz="914400" eaLnBrk="1" fontAlgn="auto" latinLnBrk="0" hangingPunct="1">
               <a:lnSpc>
                 <a:spcPct val="100000"/>
               </a:lnSpc>
               <a:spcBef>
-                <a:spcPts val="1417"/>
+                <a:spcPts val="0"/>
               </a:spcBef>
               <a:spcAft>
                 <a:spcPts val="0"/>
               </a:spcAft>
-              <a:buClr>
-                <a:srgbClr val="000000"/>
-              </a:buClr>
-              <a:buSzPct val="45000"/>
-              <a:buFont typeface="Wingdings" panose="05000000000000000000" pitchFamily="2" charset="2"/>
-              <a:buChar char="Ø"/>
+              <a:buClrTx/>
+              <a:buSzTx/>
+              <a:buFontTx/>
+              <a:buNone/>
               <a:tabLst/>
               <a:defRPr/>
             </a:pPr>
             <a:r>
-              <a:rPr kumimoji="0" lang="en-US" sz="2400" b="0" i="0" u="none" strike="noStrike" kern="0" cap="none" spc="-1" normalizeH="0" baseline="0" noProof="0" dirty="0">
+              <a:rPr kumimoji="0" lang="en-US" sz="2000" b="0" i="0" u="none" strike="noStrike" kern="0" cap="none" spc="0" normalizeH="0" baseline="0" noProof="0" dirty="0">
                 <a:ln>
                   <a:noFill/>
                 </a:ln>
                 <a:solidFill>
-                  <a:srgbClr val="000000"/>
+                  <a:sysClr val="windowText" lastClr="000000"/>
                 </a:solidFill>
                 <a:effectLst/>
                 <a:uLnTx/>
                 <a:uFillTx/>
-                <a:latin typeface="Arial" panose="020B0604020202020204" pitchFamily="34" charset="0"/>
-                <a:ea typeface="+mn-ea"/>
-                <a:cs typeface="Arial" panose="020B0604020202020204" pitchFamily="34" charset="0"/>
-              </a:rPr>
-              <a:t>The first  step i.e. to capture image of vehicle looks very easy but it is quite difficult task to capture image of moving vehicle </a:t>
-            </a:r>
-            <a:r>
-              <a:rPr kumimoji="0" lang="en-US" sz="2400" b="0" i="0" u="none" strike="noStrike" kern="0" cap="none" spc="-1" normalizeH="0" baseline="0" noProof="0" dirty="0" smtClean="0">
+                <a:latin typeface="Times New Roman" pitchFamily="18" charset="0"/>
+                <a:cs typeface="Times New Roman" pitchFamily="18" charset="0"/>
+              </a:rPr>
+              <a:t>For </a:t>
+            </a:r>
+            <a:r>
+              <a:rPr kumimoji="0" lang="en-US" sz="2000" b="0" i="0" u="none" strike="noStrike" kern="0" cap="none" spc="0" normalizeH="0" baseline="0" noProof="0" dirty="0" smtClean="0">
                 <a:ln>
                   <a:noFill/>
                 </a:ln>
                 <a:solidFill>
-                  <a:srgbClr val="000000"/>
+                  <a:sysClr val="windowText" lastClr="000000"/>
                 </a:solidFill>
                 <a:effectLst/>
                 <a:uLnTx/>
                 <a:uFillTx/>
-                <a:latin typeface="Arial" panose="020B0604020202020204" pitchFamily="34" charset="0"/>
-                <a:ea typeface="+mn-ea"/>
-                <a:cs typeface="Arial" panose="020B0604020202020204" pitchFamily="34" charset="0"/>
-              </a:rPr>
-              <a:t>in  </a:t>
-            </a:r>
-            <a:r>
-              <a:rPr kumimoji="0" lang="en-US" sz="2400" b="0" i="0" u="none" strike="noStrike" kern="0" cap="none" spc="-1" normalizeH="0" baseline="0" noProof="0" dirty="0">
+                <a:latin typeface="Times New Roman" pitchFamily="18" charset="0"/>
+                <a:cs typeface="Times New Roman" pitchFamily="18" charset="0"/>
+              </a:rPr>
+              <a:t>Object</a:t>
+            </a:r>
+            <a:r>
+              <a:rPr kumimoji="0" lang="en-US" sz="2000" b="0" i="0" u="none" strike="noStrike" kern="0" cap="none" spc="0" normalizeH="0" noProof="0" dirty="0" smtClean="0">
                 <a:ln>
                   <a:noFill/>
                 </a:ln>
                 <a:solidFill>
-                  <a:srgbClr val="000000"/>
+                  <a:sysClr val="windowText" lastClr="000000"/>
                 </a:solidFill>
                 <a:effectLst/>
                 <a:uLnTx/>
                 <a:uFillTx/>
-                <a:latin typeface="Arial" panose="020B0604020202020204" pitchFamily="34" charset="0"/>
-                <a:ea typeface="+mn-ea"/>
-                <a:cs typeface="Arial" panose="020B0604020202020204" pitchFamily="34" charset="0"/>
-              </a:rPr>
-              <a:t>such  a  manner  that  none  of  the component  of  vehicle  especially  the  vehicle  number  plate should  be  missed.  </a:t>
-            </a:r>
-          </a:p>
-          <a:p>
-            <a:pPr marL="450900" marR="0" lvl="0" indent="0" algn="just" defTabSz="914400" eaLnBrk="1" fontAlgn="auto" latinLnBrk="0" hangingPunct="1">
+                <a:latin typeface="Times New Roman" pitchFamily="18" charset="0"/>
+                <a:cs typeface="Times New Roman" pitchFamily="18" charset="0"/>
+              </a:rPr>
+              <a:t> </a:t>
+            </a:r>
+            <a:r>
+              <a:rPr kumimoji="0" lang="en-US" sz="2000" b="0" i="0" u="none" strike="noStrike" kern="0" cap="none" spc="0" normalizeH="0" baseline="0" noProof="0" dirty="0" smtClean="0">
+                <a:ln>
+                  <a:noFill/>
+                </a:ln>
+                <a:solidFill>
+                  <a:sysClr val="windowText" lastClr="000000"/>
+                </a:solidFill>
+                <a:effectLst/>
+                <a:uLnTx/>
+                <a:uFillTx/>
+                <a:latin typeface="Times New Roman" pitchFamily="18" charset="0"/>
+                <a:cs typeface="Times New Roman" pitchFamily="18" charset="0"/>
+              </a:rPr>
+              <a:t>Detection </a:t>
+            </a:r>
+            <a:r>
+              <a:rPr kumimoji="0" lang="en-US" sz="2000" b="0" i="0" u="none" strike="noStrike" kern="0" cap="none" spc="0" normalizeH="0" baseline="0" noProof="0" dirty="0">
+                <a:ln>
+                  <a:noFill/>
+                </a:ln>
+                <a:solidFill>
+                  <a:sysClr val="windowText" lastClr="000000"/>
+                </a:solidFill>
+                <a:effectLst/>
+                <a:uLnTx/>
+                <a:uFillTx/>
+                <a:latin typeface="Times New Roman" pitchFamily="18" charset="0"/>
+                <a:cs typeface="Times New Roman" pitchFamily="18" charset="0"/>
+              </a:rPr>
+              <a:t>there are two algorithm : </a:t>
+            </a:r>
+          </a:p>
+          <a:p>
+            <a:pPr marL="0" marR="0" lvl="0" indent="0" defTabSz="914400" eaLnBrk="1" fontAlgn="auto" latinLnBrk="0" hangingPunct="1">
               <a:lnSpc>
                 <a:spcPct val="100000"/>
               </a:lnSpc>
               <a:spcBef>
-                <a:spcPts val="1417"/>
+                <a:spcPts val="0"/>
               </a:spcBef>
               <a:spcAft>
                 <a:spcPts val="0"/>
               </a:spcAft>
-              <a:buClr>
-                <a:srgbClr val="000000"/>
-              </a:buClr>
-              <a:buSzPct val="45000"/>
-              <a:buFont typeface="Wingdings" panose="05000000000000000000" pitchFamily="2" charset="2"/>
-              <a:buChar char="Ø"/>
+              <a:buClrTx/>
+              <a:buSzTx/>
+              <a:buFont typeface="+mj-lt"/>
+              <a:buAutoNum type="arabicPeriod"/>
               <a:tabLst/>
               <a:defRPr/>
             </a:pPr>
             <a:r>
-              <a:rPr kumimoji="0" lang="en-US" sz="2400" b="0" i="0" u="none" strike="noStrike" kern="0" cap="none" spc="-1" normalizeH="0" baseline="0" noProof="0" dirty="0">
+              <a:rPr kumimoji="0" lang="en-US" sz="2000" b="0" i="0" u="none" strike="noStrike" kern="0" cap="none" spc="0" normalizeH="0" baseline="0" noProof="0" dirty="0">
                 <a:ln>
                   <a:noFill/>
                 </a:ln>
                 <a:solidFill>
-                  <a:srgbClr val="000000"/>
+                  <a:sysClr val="windowText" lastClr="000000"/>
                 </a:solidFill>
                 <a:effectLst/>
                 <a:uLnTx/>
                 <a:uFillTx/>
-                <a:latin typeface="Arial" panose="020B0604020202020204" pitchFamily="34" charset="0"/>
-                <a:ea typeface="+mn-ea"/>
-                <a:cs typeface="Arial" panose="020B0604020202020204" pitchFamily="34" charset="0"/>
-              </a:rPr>
-              <a:t>Presently  number  plate  detection  and Recognition  processing  time  is less than  </a:t>
-            </a:r>
-            <a:r>
-              <a:rPr kumimoji="0" lang="en-US" sz="2400" b="0" i="0" u="none" strike="noStrike" kern="0" cap="none" spc="-1" normalizeH="0" baseline="0" noProof="0" dirty="0" smtClean="0">
+                <a:latin typeface="Times New Roman" pitchFamily="18" charset="0"/>
+                <a:cs typeface="Times New Roman" pitchFamily="18" charset="0"/>
+              </a:rPr>
+              <a:t>Horn-</a:t>
+            </a:r>
+            <a:r>
+              <a:rPr kumimoji="0" lang="en-US" sz="2000" b="0" i="0" u="none" strike="noStrike" kern="0" cap="none" spc="0" normalizeH="0" baseline="0" noProof="0" dirty="0" err="1">
                 <a:ln>
                   <a:noFill/>
                 </a:ln>
                 <a:solidFill>
-                  <a:srgbClr val="000000"/>
+                  <a:sysClr val="windowText" lastClr="000000"/>
                 </a:solidFill>
                 <a:effectLst/>
                 <a:uLnTx/>
                 <a:uFillTx/>
-                <a:latin typeface="Arial" panose="020B0604020202020204" pitchFamily="34" charset="0"/>
-                <a:ea typeface="+mn-ea"/>
-                <a:cs typeface="Arial" panose="020B0604020202020204" pitchFamily="34" charset="0"/>
-              </a:rPr>
-              <a:t>50ms </a:t>
-            </a:r>
-            <a:r>
-              <a:rPr kumimoji="0" lang="en-US" sz="2400" b="0" i="0" u="none" strike="noStrike" kern="0" cap="none" spc="-1" normalizeH="0" baseline="0" noProof="0" dirty="0">
+                <a:latin typeface="Times New Roman" pitchFamily="18" charset="0"/>
+                <a:cs typeface="Times New Roman" pitchFamily="18" charset="0"/>
+              </a:rPr>
+              <a:t>Schunk</a:t>
+            </a:r>
+            <a:r>
+              <a:rPr kumimoji="0" lang="en-US" sz="2000" b="0" i="0" u="none" strike="noStrike" kern="0" cap="none" spc="0" normalizeH="0" baseline="0" noProof="0" dirty="0">
                 <a:ln>
                   <a:noFill/>
                 </a:ln>
                 <a:solidFill>
-                  <a:srgbClr val="000000"/>
+                  <a:sysClr val="windowText" lastClr="000000"/>
                 </a:solidFill>
                 <a:effectLst/>
                 <a:uLnTx/>
                 <a:uFillTx/>
-                <a:latin typeface="Arial" panose="020B0604020202020204" pitchFamily="34" charset="0"/>
-                <a:ea typeface="+mn-ea"/>
-                <a:cs typeface="Arial" panose="020B0604020202020204" pitchFamily="34" charset="0"/>
-              </a:rPr>
-              <a:t>in  many systems. </a:t>
-            </a:r>
-          </a:p>
-          <a:p>
-            <a:pPr marL="450900" marR="0" lvl="0" indent="0" algn="just" defTabSz="914400" eaLnBrk="1" fontAlgn="auto" latinLnBrk="0" hangingPunct="1">
+                <a:latin typeface="Times New Roman" pitchFamily="18" charset="0"/>
+                <a:cs typeface="Times New Roman" pitchFamily="18" charset="0"/>
+              </a:rPr>
+              <a:t> Algorithm</a:t>
+            </a:r>
+          </a:p>
+          <a:p>
+            <a:pPr marL="0" marR="0" lvl="0" indent="0" defTabSz="914400" eaLnBrk="1" fontAlgn="auto" latinLnBrk="0" hangingPunct="1">
               <a:lnSpc>
                 <a:spcPct val="100000"/>
               </a:lnSpc>
               <a:spcBef>
-                <a:spcPts val="1417"/>
+                <a:spcPts val="0"/>
               </a:spcBef>
               <a:spcAft>
                 <a:spcPts val="0"/>
               </a:spcAft>
-              <a:buClr>
-                <a:srgbClr val="000000"/>
-              </a:buClr>
-              <a:buSzPct val="45000"/>
-              <a:buFont typeface="Wingdings" panose="05000000000000000000" pitchFamily="2" charset="2"/>
-              <a:buChar char="Ø"/>
+              <a:buClrTx/>
+              <a:buSzTx/>
+              <a:buFont typeface="+mj-lt"/>
+              <a:buAutoNum type="arabicPeriod"/>
               <a:tabLst/>
               <a:defRPr/>
             </a:pPr>
             <a:r>
-              <a:rPr kumimoji="0" lang="en-US" sz="2400" b="0" i="0" u="none" strike="noStrike" kern="0" cap="none" spc="-1" normalizeH="0" baseline="0" noProof="0" dirty="0">
+              <a:rPr kumimoji="0" lang="en-US" sz="2000" b="0" i="0" u="none" strike="noStrike" kern="0" cap="none" spc="0" normalizeH="0" baseline="0" noProof="0" dirty="0">
                 <a:ln>
                   <a:noFill/>
                 </a:ln>
                 <a:solidFill>
-                  <a:srgbClr val="000000"/>
+                  <a:sysClr val="windowText" lastClr="000000"/>
                 </a:solidFill>
                 <a:effectLst/>
                 <a:uLnTx/>
                 <a:uFillTx/>
-                <a:latin typeface="Arial" panose="020B0604020202020204" pitchFamily="34" charset="0"/>
-                <a:ea typeface="+mn-ea"/>
-                <a:cs typeface="Arial" panose="020B0604020202020204" pitchFamily="34" charset="0"/>
-              </a:rPr>
-              <a:t>The success of fourth step depends  on how  second and  third  step  are able  to  locate  vehicle  number  plate  and separate  each  character.</a:t>
-            </a:r>
+                <a:latin typeface="Times New Roman" pitchFamily="18" charset="0"/>
+                <a:cs typeface="Times New Roman" pitchFamily="18" charset="0"/>
+              </a:rPr>
+              <a:t>Lucas-</a:t>
+            </a:r>
+            <a:r>
+              <a:rPr kumimoji="0" lang="en-US" sz="2000" b="0" i="0" u="none" strike="noStrike" kern="0" cap="none" spc="0" normalizeH="0" baseline="0" noProof="0" dirty="0" err="1">
+                <a:ln>
+                  <a:noFill/>
+                </a:ln>
+                <a:solidFill>
+                  <a:sysClr val="windowText" lastClr="000000"/>
+                </a:solidFill>
+                <a:effectLst/>
+                <a:uLnTx/>
+                <a:uFillTx/>
+                <a:latin typeface="Times New Roman" pitchFamily="18" charset="0"/>
+                <a:cs typeface="Times New Roman" pitchFamily="18" charset="0"/>
+              </a:rPr>
+              <a:t>Kanade</a:t>
+            </a:r>
+            <a:r>
+              <a:rPr kumimoji="0" lang="en-US" sz="2000" b="0" i="0" u="none" strike="noStrike" kern="0" cap="none" spc="0" normalizeH="0" baseline="0" noProof="0" dirty="0">
+                <a:ln>
+                  <a:noFill/>
+                </a:ln>
+                <a:solidFill>
+                  <a:sysClr val="windowText" lastClr="000000"/>
+                </a:solidFill>
+                <a:effectLst/>
+                <a:uLnTx/>
+                <a:uFillTx/>
+                <a:latin typeface="Times New Roman" pitchFamily="18" charset="0"/>
+                <a:cs typeface="Times New Roman" pitchFamily="18" charset="0"/>
+              </a:rPr>
+              <a:t> Algorithm</a:t>
+            </a:r>
+          </a:p>
+          <a:p>
+            <a:pPr marL="0" marR="0" lvl="0" indent="0" defTabSz="914400" eaLnBrk="1" fontAlgn="auto" latinLnBrk="0" hangingPunct="1">
+              <a:lnSpc>
+                <a:spcPct val="100000"/>
+              </a:lnSpc>
+              <a:spcBef>
+                <a:spcPts val="0"/>
+              </a:spcBef>
+              <a:spcAft>
+                <a:spcPts val="0"/>
+              </a:spcAft>
+              <a:buClrTx/>
+              <a:buSzTx/>
+              <a:buFontTx/>
+              <a:buNone/>
+              <a:tabLst/>
+              <a:defRPr/>
+            </a:pPr>
+            <a:r>
+              <a:rPr kumimoji="0" lang="en-US" sz="2000" b="0" i="0" u="none" strike="noStrike" kern="0" cap="none" spc="0" normalizeH="0" baseline="0" noProof="0" dirty="0">
+                <a:ln>
+                  <a:noFill/>
+                </a:ln>
+                <a:solidFill>
+                  <a:sysClr val="windowText" lastClr="000000"/>
+                </a:solidFill>
+                <a:effectLst/>
+                <a:uLnTx/>
+                <a:uFillTx/>
+                <a:latin typeface="Times New Roman" pitchFamily="18" charset="0"/>
+                <a:cs typeface="Times New Roman" pitchFamily="18" charset="0"/>
+              </a:rPr>
+              <a:t>For speed calculation form object detection algorithm first of all we first detect our object than we find its </a:t>
+            </a:r>
+            <a:r>
+              <a:rPr kumimoji="0" lang="en-US" sz="2000" b="0" i="0" u="none" strike="noStrike" kern="0" cap="none" spc="0" normalizeH="0" baseline="0" noProof="0" dirty="0" err="1">
+                <a:ln>
+                  <a:noFill/>
+                </a:ln>
+                <a:solidFill>
+                  <a:sysClr val="windowText" lastClr="000000"/>
+                </a:solidFill>
+                <a:effectLst/>
+                <a:uLnTx/>
+                <a:uFillTx/>
+                <a:latin typeface="Times New Roman" pitchFamily="18" charset="0"/>
+                <a:cs typeface="Times New Roman" pitchFamily="18" charset="0"/>
+              </a:rPr>
+              <a:t>centroid</a:t>
+            </a:r>
+            <a:r>
+              <a:rPr kumimoji="0" lang="en-US" sz="2000" b="0" i="0" u="none" strike="noStrike" kern="0" cap="none" spc="0" normalizeH="0" baseline="0" noProof="0" dirty="0">
+                <a:ln>
+                  <a:noFill/>
+                </a:ln>
+                <a:solidFill>
+                  <a:sysClr val="windowText" lastClr="000000"/>
+                </a:solidFill>
+                <a:effectLst/>
+                <a:uLnTx/>
+                <a:uFillTx/>
+                <a:latin typeface="Times New Roman" pitchFamily="18" charset="0"/>
+                <a:cs typeface="Times New Roman" pitchFamily="18" charset="0"/>
+              </a:rPr>
+              <a:t> point , using two consecutive frame we find difference of pixel using </a:t>
+            </a:r>
+            <a:r>
+              <a:rPr kumimoji="0" lang="en-US" sz="2000" b="0" i="0" u="none" strike="noStrike" kern="0" cap="none" spc="0" normalizeH="0" baseline="0" noProof="0" dirty="0" err="1">
+                <a:ln>
+                  <a:noFill/>
+                </a:ln>
+                <a:solidFill>
+                  <a:sysClr val="windowText" lastClr="000000"/>
+                </a:solidFill>
+                <a:effectLst/>
+                <a:uLnTx/>
+                <a:uFillTx/>
+                <a:latin typeface="Times New Roman" pitchFamily="18" charset="0"/>
+                <a:cs typeface="Times New Roman" pitchFamily="18" charset="0"/>
+              </a:rPr>
+              <a:t>centroid</a:t>
+            </a:r>
+            <a:r>
+              <a:rPr kumimoji="0" lang="en-US" sz="2000" b="0" i="0" u="none" strike="noStrike" kern="0" cap="none" spc="0" normalizeH="0" baseline="0" noProof="0" dirty="0">
+                <a:ln>
+                  <a:noFill/>
+                </a:ln>
+                <a:solidFill>
+                  <a:sysClr val="windowText" lastClr="000000"/>
+                </a:solidFill>
+                <a:effectLst/>
+                <a:uLnTx/>
+                <a:uFillTx/>
+                <a:latin typeface="Times New Roman" pitchFamily="18" charset="0"/>
+                <a:cs typeface="Times New Roman" pitchFamily="18" charset="0"/>
+              </a:rPr>
+              <a:t> point.</a:t>
+            </a:r>
+            <a:endParaRPr kumimoji="0" lang="en-IN" sz="2000" b="0" i="0" u="none" strike="noStrike" kern="0" cap="none" spc="0" normalizeH="0" baseline="0" noProof="0" dirty="0">
+              <a:ln>
+                <a:noFill/>
+              </a:ln>
+              <a:solidFill>
+                <a:sysClr val="windowText" lastClr="000000"/>
+              </a:solidFill>
+              <a:effectLst/>
+              <a:uLnTx/>
+              <a:uFillTx/>
+              <a:latin typeface="Times New Roman" pitchFamily="18" charset="0"/>
+              <a:cs typeface="Times New Roman" pitchFamily="18" charset="0"/>
+            </a:endParaRPr>
           </a:p>
         </p:txBody>
       </p:sp>
-      <p:pic>
-        <p:nvPicPr>
-          <p:cNvPr id="6" name="Picture 5">
+      <p:sp>
+        <p:nvSpPr>
+          <p:cNvPr id="4" name="object 10">
             <a:extLst>
               <a:ext uri="{FF2B5EF4-FFF2-40B4-BE49-F238E27FC236}">
-                <a16:creationId xmlns="" xmlns:a16="http://schemas.microsoft.com/office/drawing/2014/main" id="{3809D792-17A8-4EC5-BC71-BF525195DD5A}"/>
-              </a:ext>
-            </a:extLst>
-          </p:cNvPr>
-          <p:cNvPicPr/>
-          <p:nvPr/>
-        </p:nvPicPr>
-        <p:blipFill>
-          <a:blip r:embed="rId2"/>
-          <a:stretch/>
-        </p:blipFill>
-        <p:spPr>
-          <a:xfrm>
-            <a:off x="-252536" y="1196752"/>
-            <a:ext cx="2880321" cy="5213312"/>
-          </a:xfrm>
-          <a:prstGeom prst="rect">
-            <a:avLst/>
-          </a:prstGeom>
-          <a:ln>
-            <a:noFill/>
-          </a:ln>
-        </p:spPr>
-      </p:pic>
-      <p:sp>
-        <p:nvSpPr>
-          <p:cNvPr id="7" name="object 10">
-            <a:extLst>
-              <a:ext uri="{FF2B5EF4-FFF2-40B4-BE49-F238E27FC236}">
-                <a16:creationId xmlns="" xmlns:a16="http://schemas.microsoft.com/office/drawing/2014/main" id="{23ED8E72-18AD-4059-8601-90C02D842221}"/>
+                <a16:creationId xmlns:a16="http://schemas.microsoft.com/office/drawing/2014/main" xmlns="" id="{86FB2566-5F24-4B32-9BA1-5FBC6BA1061B}"/>
               </a:ext>
             </a:extLst>
           </p:cNvPr>
@@ -3481,8 +3771,8 @@
         </p:nvSpPr>
         <p:spPr>
           <a:xfrm>
-            <a:off x="8316416" y="4509120"/>
-            <a:ext cx="827965" cy="2349054"/>
+            <a:off x="8172400" y="4509120"/>
+            <a:ext cx="971981" cy="2349054"/>
           </a:xfrm>
           <a:custGeom>
             <a:avLst/>
@@ -3595,7 +3885,7 @@
           <p:cNvPr id="2" name="Title 1">
             <a:extLst>
               <a:ext uri="{FF2B5EF4-FFF2-40B4-BE49-F238E27FC236}">
-                <a16:creationId xmlns="" xmlns:a16="http://schemas.microsoft.com/office/drawing/2014/main" id="{61F569BD-0C00-4AB3-87B9-F0A49221D5AC}"/>
+                <a16:creationId xmlns:a16="http://schemas.microsoft.com/office/drawing/2014/main" xmlns="" id="{6B08CFF6-51CD-47A5-A1A7-F31AAB1A8D47}"/>
               </a:ext>
             </a:extLst>
           </p:cNvPr>
@@ -3606,103 +3896,8 @@
         </p:nvSpPr>
         <p:spPr>
           <a:xfrm>
-            <a:off x="1500166" y="981300"/>
-            <a:ext cx="5429288" cy="447436"/>
-          </a:xfrm>
-          <a:prstGeom prst="rect">
-            <a:avLst/>
-          </a:prstGeom>
-        </p:spPr>
-        <p:txBody>
-          <a:bodyPr/>
-          <a:lstStyle/>
-          <a:p>
-            <a:pPr marL="0" marR="0" lvl="0" indent="0" algn="ctr" defTabSz="914400" eaLnBrk="1" fontAlgn="auto" latinLnBrk="0" hangingPunct="1">
-              <a:lnSpc>
-                <a:spcPct val="100000"/>
-              </a:lnSpc>
-              <a:spcBef>
-                <a:spcPts val="0"/>
-              </a:spcBef>
-              <a:spcAft>
-                <a:spcPts val="0"/>
-              </a:spcAft>
-              <a:buClrTx/>
-              <a:buSzTx/>
-              <a:buFontTx/>
-              <a:buNone/>
-              <a:tabLst/>
-              <a:defRPr/>
-            </a:pPr>
-            <a:r>
-              <a:rPr kumimoji="0" lang="en-US" sz="2800" b="1" i="0" u="none" strike="noStrike" kern="0" cap="none" spc="0" normalizeH="0" baseline="0" noProof="0" dirty="0">
-                <a:ln>
-                  <a:noFill/>
-                </a:ln>
-                <a:solidFill>
-                  <a:sysClr val="windowText" lastClr="000000"/>
-                </a:solidFill>
-                <a:effectLst/>
-                <a:uLnTx/>
-                <a:uFillTx/>
-                <a:latin typeface="Times New Roman" pitchFamily="18" charset="0"/>
-                <a:ea typeface="+mj-ea"/>
-                <a:cs typeface="Times New Roman" pitchFamily="18" charset="0"/>
-              </a:rPr>
-              <a:t>Object </a:t>
-            </a:r>
-            <a:r>
-              <a:rPr kumimoji="0" lang="en-US" sz="2800" b="1" i="0" u="none" strike="noStrike" kern="0" cap="none" spc="0" normalizeH="0" baseline="0" noProof="0" dirty="0" smtClean="0">
-                <a:ln>
-                  <a:noFill/>
-                </a:ln>
-                <a:solidFill>
-                  <a:sysClr val="windowText" lastClr="000000"/>
-                </a:solidFill>
-                <a:effectLst/>
-                <a:uLnTx/>
-                <a:uFillTx/>
-                <a:latin typeface="Times New Roman" pitchFamily="18" charset="0"/>
-                <a:ea typeface="+mj-ea"/>
-                <a:cs typeface="Times New Roman" pitchFamily="18" charset="0"/>
-              </a:rPr>
-              <a:t>Detection Algorithm</a:t>
-            </a:r>
-            <a:endParaRPr kumimoji="0" lang="en-IN" sz="2400" b="0" i="0" u="none" strike="noStrike" kern="0" cap="none" spc="0" normalizeH="0" baseline="0" noProof="0" dirty="0">
-              <a:ln>
-                <a:noFill/>
-              </a:ln>
-              <a:solidFill>
-                <a:sysClr val="windowText" lastClr="000000"/>
-              </a:solidFill>
-              <a:effectLst/>
-              <a:uLnTx/>
-              <a:uFillTx/>
-              <a:latin typeface="+mj-lt"/>
-              <a:ea typeface="+mj-ea"/>
-              <a:cs typeface="+mj-cs"/>
-            </a:endParaRPr>
-          </a:p>
-        </p:txBody>
-      </p:sp>
-      <p:sp>
-        <p:nvSpPr>
-          <p:cNvPr id="3" name="Content Placeholder 2">
-            <a:extLst>
-              <a:ext uri="{FF2B5EF4-FFF2-40B4-BE49-F238E27FC236}">
-                <a16:creationId xmlns="" xmlns:a16="http://schemas.microsoft.com/office/drawing/2014/main" id="{DD2E6177-E789-414A-B85D-7F0A547EA06C}"/>
-              </a:ext>
-            </a:extLst>
-          </p:cNvPr>
-          <p:cNvSpPr txBox="1">
-            <a:spLocks/>
-          </p:cNvSpPr>
-          <p:nvPr/>
-        </p:nvSpPr>
-        <p:spPr>
-          <a:xfrm>
-            <a:off x="571472" y="2071678"/>
-            <a:ext cx="7429552" cy="3367102"/>
+            <a:off x="583120" y="624110"/>
+            <a:ext cx="8911687" cy="1280890"/>
           </a:xfrm>
           <a:prstGeom prst="rect">
             <a:avLst/>
@@ -3730,7 +3925,7 @@
               <a:defRPr/>
             </a:pPr>
             <a:r>
-              <a:rPr kumimoji="0" lang="en-US" sz="2000" b="0" i="0" u="none" strike="noStrike" kern="0" cap="none" spc="0" normalizeH="0" baseline="0" noProof="0" dirty="0">
+              <a:rPr kumimoji="0" lang="en-US" sz="1800" b="0" i="0" u="none" strike="noStrike" kern="0" cap="none" spc="0" normalizeH="0" baseline="0" noProof="0">
                 <a:ln>
                   <a:noFill/>
                 </a:ln>
@@ -3740,309 +3935,13 @@
                 <a:effectLst/>
                 <a:uLnTx/>
                 <a:uFillTx/>
-                <a:latin typeface="Times New Roman" pitchFamily="18" charset="0"/>
-                <a:cs typeface="Times New Roman" pitchFamily="18" charset="0"/>
-              </a:rPr>
-              <a:t>For </a:t>
-            </a:r>
-            <a:r>
-              <a:rPr kumimoji="0" lang="en-US" sz="2000" b="0" i="0" u="none" strike="noStrike" kern="0" cap="none" spc="0" normalizeH="0" baseline="0" noProof="0" dirty="0" smtClean="0">
-                <a:ln>
-                  <a:noFill/>
-                </a:ln>
-                <a:solidFill>
-                  <a:sysClr val="windowText" lastClr="000000"/>
-                </a:solidFill>
-                <a:effectLst/>
-                <a:uLnTx/>
-                <a:uFillTx/>
-                <a:latin typeface="Times New Roman" pitchFamily="18" charset="0"/>
-                <a:cs typeface="Times New Roman" pitchFamily="18" charset="0"/>
-              </a:rPr>
-              <a:t>Object</a:t>
-            </a:r>
-            <a:r>
-              <a:rPr kumimoji="0" lang="en-US" sz="2000" b="0" i="0" u="none" strike="noStrike" kern="0" cap="none" spc="0" normalizeH="0" noProof="0" dirty="0" smtClean="0">
-                <a:ln>
-                  <a:noFill/>
-                </a:ln>
-                <a:solidFill>
-                  <a:sysClr val="windowText" lastClr="000000"/>
-                </a:solidFill>
-                <a:effectLst/>
-                <a:uLnTx/>
-                <a:uFillTx/>
-                <a:latin typeface="Times New Roman" pitchFamily="18" charset="0"/>
-                <a:cs typeface="Times New Roman" pitchFamily="18" charset="0"/>
-              </a:rPr>
-              <a:t> </a:t>
-            </a:r>
-            <a:r>
-              <a:rPr kumimoji="0" lang="en-US" sz="2000" b="0" i="0" u="none" strike="noStrike" kern="0" cap="none" spc="0" normalizeH="0" baseline="0" noProof="0" dirty="0" smtClean="0">
-                <a:ln>
-                  <a:noFill/>
-                </a:ln>
-                <a:solidFill>
-                  <a:sysClr val="windowText" lastClr="000000"/>
-                </a:solidFill>
-                <a:effectLst/>
-                <a:uLnTx/>
-                <a:uFillTx/>
-                <a:latin typeface="Times New Roman" pitchFamily="18" charset="0"/>
-                <a:cs typeface="Times New Roman" pitchFamily="18" charset="0"/>
-              </a:rPr>
-              <a:t>Detection </a:t>
-            </a:r>
-            <a:r>
-              <a:rPr kumimoji="0" lang="en-US" sz="2000" b="0" i="0" u="none" strike="noStrike" kern="0" cap="none" spc="0" normalizeH="0" baseline="0" noProof="0" dirty="0">
-                <a:ln>
-                  <a:noFill/>
-                </a:ln>
-                <a:solidFill>
-                  <a:sysClr val="windowText" lastClr="000000"/>
-                </a:solidFill>
-                <a:effectLst/>
-                <a:uLnTx/>
-                <a:uFillTx/>
-                <a:latin typeface="Times New Roman" pitchFamily="18" charset="0"/>
-                <a:cs typeface="Times New Roman" pitchFamily="18" charset="0"/>
-              </a:rPr>
-              <a:t>there are two algorithm : </a:t>
-            </a:r>
-          </a:p>
-          <a:p>
-            <a:pPr marL="0" marR="0" lvl="0" indent="0" defTabSz="914400" eaLnBrk="1" fontAlgn="auto" latinLnBrk="0" hangingPunct="1">
-              <a:lnSpc>
-                <a:spcPct val="100000"/>
-              </a:lnSpc>
-              <a:spcBef>
-                <a:spcPts val="0"/>
-              </a:spcBef>
-              <a:spcAft>
-                <a:spcPts val="0"/>
-              </a:spcAft>
-              <a:buClrTx/>
-              <a:buSzTx/>
-              <a:buFont typeface="+mj-lt"/>
-              <a:buAutoNum type="arabicPeriod"/>
-              <a:tabLst/>
-              <a:defRPr/>
-            </a:pPr>
-            <a:r>
-              <a:rPr kumimoji="0" lang="en-US" sz="2000" b="0" i="0" u="none" strike="noStrike" kern="0" cap="none" spc="0" normalizeH="0" baseline="0" noProof="0" dirty="0">
-                <a:ln>
-                  <a:noFill/>
-                </a:ln>
-                <a:solidFill>
-                  <a:sysClr val="windowText" lastClr="000000"/>
-                </a:solidFill>
-                <a:effectLst/>
-                <a:uLnTx/>
-                <a:uFillTx/>
-                <a:latin typeface="Times New Roman" pitchFamily="18" charset="0"/>
-                <a:cs typeface="Times New Roman" pitchFamily="18" charset="0"/>
-              </a:rPr>
-              <a:t>Horn-</a:t>
-            </a:r>
-            <a:r>
-              <a:rPr kumimoji="0" lang="en-US" sz="2000" b="0" i="0" u="none" strike="noStrike" kern="0" cap="none" spc="0" normalizeH="0" baseline="0" noProof="0" dirty="0" err="1">
-                <a:ln>
-                  <a:noFill/>
-                </a:ln>
-                <a:solidFill>
-                  <a:sysClr val="windowText" lastClr="000000"/>
-                </a:solidFill>
-                <a:effectLst/>
-                <a:uLnTx/>
-                <a:uFillTx/>
-                <a:latin typeface="Times New Roman" pitchFamily="18" charset="0"/>
-                <a:cs typeface="Times New Roman" pitchFamily="18" charset="0"/>
-              </a:rPr>
-              <a:t>Schunk</a:t>
-            </a:r>
-            <a:r>
-              <a:rPr kumimoji="0" lang="en-US" sz="2000" b="0" i="0" u="none" strike="noStrike" kern="0" cap="none" spc="0" normalizeH="0" baseline="0" noProof="0" dirty="0">
-                <a:ln>
-                  <a:noFill/>
-                </a:ln>
-                <a:solidFill>
-                  <a:sysClr val="windowText" lastClr="000000"/>
-                </a:solidFill>
-                <a:effectLst/>
-                <a:uLnTx/>
-                <a:uFillTx/>
-                <a:latin typeface="Times New Roman" pitchFamily="18" charset="0"/>
-                <a:cs typeface="Times New Roman" pitchFamily="18" charset="0"/>
-              </a:rPr>
-              <a:t> Algorithm</a:t>
-            </a:r>
-          </a:p>
-          <a:p>
-            <a:pPr marL="0" marR="0" lvl="0" indent="0" defTabSz="914400" eaLnBrk="1" fontAlgn="auto" latinLnBrk="0" hangingPunct="1">
-              <a:lnSpc>
-                <a:spcPct val="100000"/>
-              </a:lnSpc>
-              <a:spcBef>
-                <a:spcPts val="0"/>
-              </a:spcBef>
-              <a:spcAft>
-                <a:spcPts val="0"/>
-              </a:spcAft>
-              <a:buClrTx/>
-              <a:buSzTx/>
-              <a:buFont typeface="+mj-lt"/>
-              <a:buAutoNum type="arabicPeriod"/>
-              <a:tabLst/>
-              <a:defRPr/>
-            </a:pPr>
-            <a:r>
-              <a:rPr kumimoji="0" lang="en-US" sz="2000" b="0" i="0" u="none" strike="noStrike" kern="0" cap="none" spc="0" normalizeH="0" baseline="0" noProof="0" dirty="0">
-                <a:ln>
-                  <a:noFill/>
-                </a:ln>
-                <a:solidFill>
-                  <a:sysClr val="windowText" lastClr="000000"/>
-                </a:solidFill>
-                <a:effectLst/>
-                <a:uLnTx/>
-                <a:uFillTx/>
-                <a:latin typeface="Times New Roman" pitchFamily="18" charset="0"/>
-                <a:cs typeface="Times New Roman" pitchFamily="18" charset="0"/>
-              </a:rPr>
-              <a:t>Lucas-</a:t>
-            </a:r>
-            <a:r>
-              <a:rPr kumimoji="0" lang="en-US" sz="2000" b="0" i="0" u="none" strike="noStrike" kern="0" cap="none" spc="0" normalizeH="0" baseline="0" noProof="0" dirty="0" err="1">
-                <a:ln>
-                  <a:noFill/>
-                </a:ln>
-                <a:solidFill>
-                  <a:sysClr val="windowText" lastClr="000000"/>
-                </a:solidFill>
-                <a:effectLst/>
-                <a:uLnTx/>
-                <a:uFillTx/>
-                <a:latin typeface="Times New Roman" pitchFamily="18" charset="0"/>
-                <a:cs typeface="Times New Roman" pitchFamily="18" charset="0"/>
-              </a:rPr>
-              <a:t>Kanade</a:t>
-            </a:r>
-            <a:r>
-              <a:rPr kumimoji="0" lang="en-US" sz="2000" b="0" i="0" u="none" strike="noStrike" kern="0" cap="none" spc="0" normalizeH="0" baseline="0" noProof="0" dirty="0">
-                <a:ln>
-                  <a:noFill/>
-                </a:ln>
-                <a:solidFill>
-                  <a:sysClr val="windowText" lastClr="000000"/>
-                </a:solidFill>
-                <a:effectLst/>
-                <a:uLnTx/>
-                <a:uFillTx/>
-                <a:latin typeface="Times New Roman" pitchFamily="18" charset="0"/>
-                <a:cs typeface="Times New Roman" pitchFamily="18" charset="0"/>
-              </a:rPr>
-              <a:t> Algorithm</a:t>
-            </a:r>
-          </a:p>
-          <a:p>
-            <a:pPr marL="0" marR="0" lvl="0" indent="0" defTabSz="914400" eaLnBrk="1" fontAlgn="auto" latinLnBrk="0" hangingPunct="1">
-              <a:lnSpc>
-                <a:spcPct val="100000"/>
-              </a:lnSpc>
-              <a:spcBef>
-                <a:spcPts val="0"/>
-              </a:spcBef>
-              <a:spcAft>
-                <a:spcPts val="0"/>
-              </a:spcAft>
-              <a:buClrTx/>
-              <a:buSzTx/>
-              <a:buFontTx/>
-              <a:buNone/>
-              <a:tabLst/>
-              <a:defRPr/>
-            </a:pPr>
-            <a:r>
-              <a:rPr kumimoji="0" lang="en-US" sz="2000" b="0" i="0" u="none" strike="noStrike" kern="0" cap="none" spc="0" normalizeH="0" baseline="0" noProof="0" dirty="0">
-                <a:ln>
-                  <a:noFill/>
-                </a:ln>
-                <a:solidFill>
-                  <a:sysClr val="windowText" lastClr="000000"/>
-                </a:solidFill>
-                <a:effectLst/>
-                <a:uLnTx/>
-                <a:uFillTx/>
-                <a:latin typeface="Times New Roman" pitchFamily="18" charset="0"/>
-                <a:cs typeface="Times New Roman" pitchFamily="18" charset="0"/>
-              </a:rPr>
-              <a:t>For speed calculation form object detection algorithm first of all we first detect our object than we find its </a:t>
-            </a:r>
-            <a:r>
-              <a:rPr kumimoji="0" lang="en-US" sz="2000" b="0" i="0" u="none" strike="noStrike" kern="0" cap="none" spc="0" normalizeH="0" baseline="0" noProof="0" dirty="0" err="1">
-                <a:ln>
-                  <a:noFill/>
-                </a:ln>
-                <a:solidFill>
-                  <a:sysClr val="windowText" lastClr="000000"/>
-                </a:solidFill>
-                <a:effectLst/>
-                <a:uLnTx/>
-                <a:uFillTx/>
-                <a:latin typeface="Times New Roman" pitchFamily="18" charset="0"/>
-                <a:cs typeface="Times New Roman" pitchFamily="18" charset="0"/>
-              </a:rPr>
-              <a:t>centroid</a:t>
-            </a:r>
-            <a:r>
-              <a:rPr kumimoji="0" lang="en-US" sz="2000" b="0" i="0" u="none" strike="noStrike" kern="0" cap="none" spc="0" normalizeH="0" baseline="0" noProof="0" dirty="0">
-                <a:ln>
-                  <a:noFill/>
-                </a:ln>
-                <a:solidFill>
-                  <a:sysClr val="windowText" lastClr="000000"/>
-                </a:solidFill>
-                <a:effectLst/>
-                <a:uLnTx/>
-                <a:uFillTx/>
-                <a:latin typeface="Times New Roman" pitchFamily="18" charset="0"/>
-                <a:cs typeface="Times New Roman" pitchFamily="18" charset="0"/>
-              </a:rPr>
-              <a:t> point , using two consecutive frame we find difference of pixel using </a:t>
-            </a:r>
-            <a:r>
-              <a:rPr kumimoji="0" lang="en-US" sz="2000" b="0" i="0" u="none" strike="noStrike" kern="0" cap="none" spc="0" normalizeH="0" baseline="0" noProof="0" dirty="0" err="1">
-                <a:ln>
-                  <a:noFill/>
-                </a:ln>
-                <a:solidFill>
-                  <a:sysClr val="windowText" lastClr="000000"/>
-                </a:solidFill>
-                <a:effectLst/>
-                <a:uLnTx/>
-                <a:uFillTx/>
-                <a:latin typeface="Times New Roman" pitchFamily="18" charset="0"/>
-                <a:cs typeface="Times New Roman" pitchFamily="18" charset="0"/>
-              </a:rPr>
-              <a:t>centroid</a:t>
-            </a:r>
-            <a:r>
-              <a:rPr kumimoji="0" lang="en-US" sz="2000" b="0" i="0" u="none" strike="noStrike" kern="0" cap="none" spc="0" normalizeH="0" baseline="0" noProof="0" dirty="0">
-                <a:ln>
-                  <a:noFill/>
-                </a:ln>
-                <a:solidFill>
-                  <a:sysClr val="windowText" lastClr="000000"/>
-                </a:solidFill>
-                <a:effectLst/>
-                <a:uLnTx/>
-                <a:uFillTx/>
-                <a:latin typeface="Times New Roman" pitchFamily="18" charset="0"/>
-                <a:cs typeface="Times New Roman" pitchFamily="18" charset="0"/>
-              </a:rPr>
-              <a:t> point.</a:t>
-            </a:r>
-            <a:endParaRPr kumimoji="0" lang="en-IN" sz="2000" b="0" i="0" u="none" strike="noStrike" kern="0" cap="none" spc="0" normalizeH="0" baseline="0" noProof="0" dirty="0">
+                <a:latin typeface="+mj-lt"/>
+                <a:ea typeface="+mj-ea"/>
+                <a:cs typeface="+mj-cs"/>
+              </a:rPr>
+              <a:t>Horn-Schunk Algorithm</a:t>
+            </a:r>
+            <a:endParaRPr kumimoji="0" lang="en-IN" sz="1800" b="0" i="0" u="none" strike="noStrike" kern="0" cap="none" spc="0" normalizeH="0" baseline="0" noProof="0" dirty="0">
               <a:ln>
                 <a:noFill/>
               </a:ln>
@@ -4052,18 +3951,109 @@
               <a:effectLst/>
               <a:uLnTx/>
               <a:uFillTx/>
-              <a:latin typeface="Times New Roman" pitchFamily="18" charset="0"/>
-              <a:cs typeface="Times New Roman" pitchFamily="18" charset="0"/>
+              <a:latin typeface="+mj-lt"/>
+              <a:ea typeface="+mj-ea"/>
+              <a:cs typeface="+mj-cs"/>
             </a:endParaRPr>
           </a:p>
         </p:txBody>
       </p:sp>
+      <p:pic>
+        <p:nvPicPr>
+          <p:cNvPr id="3" name="Content Placeholder 3">
+            <a:extLst>
+              <a:ext uri="{FF2B5EF4-FFF2-40B4-BE49-F238E27FC236}">
+                <a16:creationId xmlns:a16="http://schemas.microsoft.com/office/drawing/2014/main" xmlns="" id="{4E55AB01-FDC3-4C60-90F0-7D985C18675D}"/>
+              </a:ext>
+            </a:extLst>
+          </p:cNvPr>
+          <p:cNvPicPr>
+            <a:picLocks noChangeAspect="1"/>
+          </p:cNvPicPr>
+          <p:nvPr/>
+        </p:nvPicPr>
+        <p:blipFill>
+          <a:blip r:embed="rId2"/>
+          <a:stretch>
+            <a:fillRect/>
+          </a:stretch>
+        </p:blipFill>
+        <p:spPr>
+          <a:xfrm>
+            <a:off x="285720" y="1716153"/>
+            <a:ext cx="3800475" cy="2162175"/>
+          </a:xfrm>
+          <a:prstGeom prst="rect">
+            <a:avLst/>
+          </a:prstGeom>
+        </p:spPr>
+      </p:pic>
+      <p:pic>
+        <p:nvPicPr>
+          <p:cNvPr id="4" name="Picture 3">
+            <a:extLst>
+              <a:ext uri="{FF2B5EF4-FFF2-40B4-BE49-F238E27FC236}">
+                <a16:creationId xmlns:a16="http://schemas.microsoft.com/office/drawing/2014/main" xmlns="" id="{D41E4D07-1221-496E-A532-64EB11B059C6}"/>
+              </a:ext>
+            </a:extLst>
+          </p:cNvPr>
+          <p:cNvPicPr>
+            <a:picLocks noChangeAspect="1"/>
+          </p:cNvPicPr>
+          <p:nvPr/>
+        </p:nvPicPr>
+        <p:blipFill>
+          <a:blip r:embed="rId3"/>
+          <a:stretch>
+            <a:fillRect/>
+          </a:stretch>
+        </p:blipFill>
+        <p:spPr>
+          <a:xfrm>
+            <a:off x="4278609" y="1687192"/>
+            <a:ext cx="3819525" cy="2143125"/>
+          </a:xfrm>
+          <a:prstGeom prst="rect">
+            <a:avLst/>
+          </a:prstGeom>
+        </p:spPr>
+      </p:pic>
+      <p:pic>
+        <p:nvPicPr>
+          <p:cNvPr id="5" name="Picture 4">
+            <a:extLst>
+              <a:ext uri="{FF2B5EF4-FFF2-40B4-BE49-F238E27FC236}">
+                <a16:creationId xmlns:a16="http://schemas.microsoft.com/office/drawing/2014/main" xmlns="" id="{356A383C-7781-4EDC-BC39-B150645219F4}"/>
+              </a:ext>
+            </a:extLst>
+          </p:cNvPr>
+          <p:cNvPicPr>
+            <a:picLocks noChangeAspect="1"/>
+          </p:cNvPicPr>
+          <p:nvPr/>
+        </p:nvPicPr>
+        <p:blipFill>
+          <a:blip r:embed="rId4"/>
+          <a:stretch>
+            <a:fillRect/>
+          </a:stretch>
+        </p:blipFill>
+        <p:spPr>
+          <a:xfrm>
+            <a:off x="2275463" y="4200034"/>
+            <a:ext cx="3810000" cy="2209800"/>
+          </a:xfrm>
+          <a:prstGeom prst="rect">
+            <a:avLst/>
+          </a:prstGeom>
+        </p:spPr>
+      </p:pic>
       <p:sp>
         <p:nvSpPr>
-          <p:cNvPr id="4" name="object 10">
+          <p:cNvPr id="6" name="object 10">
             <a:extLst>
               <a:ext uri="{FF2B5EF4-FFF2-40B4-BE49-F238E27FC236}">
-                <a16:creationId xmlns="" xmlns:a16="http://schemas.microsoft.com/office/drawing/2014/main" id="{86FB2566-5F24-4B32-9BA1-5FBC6BA1061B}"/>
+                <a16:creationId xmlns:a16="http://schemas.microsoft.com/office/drawing/2014/main" xmlns="" id="{53D953F0-0EB0-4ED7-9B0C-D179632B5CAE}"/>
               </a:ext>
             </a:extLst>
           </p:cNvPr>
@@ -4072,8 +4062,8 @@
         </p:nvSpPr>
         <p:spPr>
           <a:xfrm>
-            <a:off x="8172400" y="4509120"/>
-            <a:ext cx="971981" cy="2349054"/>
+            <a:off x="8244408" y="4221088"/>
+            <a:ext cx="899973" cy="2637086"/>
           </a:xfrm>
           <a:custGeom>
             <a:avLst/>
@@ -4181,90 +4171,12 @@
           <a:chExt cx="0" cy="0"/>
         </a:xfrm>
       </p:grpSpPr>
-      <p:sp>
-        <p:nvSpPr>
-          <p:cNvPr id="2" name="Title 1">
+      <p:pic>
+        <p:nvPicPr>
+          <p:cNvPr id="2" name="Picture 1">
             <a:extLst>
               <a:ext uri="{FF2B5EF4-FFF2-40B4-BE49-F238E27FC236}">
-                <a16:creationId xmlns="" xmlns:a16="http://schemas.microsoft.com/office/drawing/2014/main" id="{6B08CFF6-51CD-47A5-A1A7-F31AAB1A8D47}"/>
-              </a:ext>
-            </a:extLst>
-          </p:cNvPr>
-          <p:cNvSpPr txBox="1">
-            <a:spLocks/>
-          </p:cNvSpPr>
-          <p:nvPr/>
-        </p:nvSpPr>
-        <p:spPr>
-          <a:xfrm>
-            <a:off x="583120" y="624110"/>
-            <a:ext cx="8911687" cy="1280890"/>
-          </a:xfrm>
-          <a:prstGeom prst="rect">
-            <a:avLst/>
-          </a:prstGeom>
-        </p:spPr>
-        <p:txBody>
-          <a:bodyPr/>
-          <a:lstStyle/>
-          <a:p>
-            <a:pPr marL="0" marR="0" lvl="0" indent="0" defTabSz="914400" eaLnBrk="1" fontAlgn="auto" latinLnBrk="0" hangingPunct="1">
-              <a:lnSpc>
-                <a:spcPct val="100000"/>
-              </a:lnSpc>
-              <a:spcBef>
-                <a:spcPts val="0"/>
-              </a:spcBef>
-              <a:spcAft>
-                <a:spcPts val="0"/>
-              </a:spcAft>
-              <a:buClrTx/>
-              <a:buSzTx/>
-              <a:buFontTx/>
-              <a:buNone/>
-              <a:tabLst/>
-              <a:defRPr/>
-            </a:pPr>
-            <a:r>
-              <a:rPr kumimoji="0" lang="en-US" sz="1800" b="0" i="0" u="none" strike="noStrike" kern="0" cap="none" spc="0" normalizeH="0" baseline="0" noProof="0">
-                <a:ln>
-                  <a:noFill/>
-                </a:ln>
-                <a:solidFill>
-                  <a:sysClr val="windowText" lastClr="000000"/>
-                </a:solidFill>
-                <a:effectLst/>
-                <a:uLnTx/>
-                <a:uFillTx/>
-                <a:latin typeface="+mj-lt"/>
-                <a:ea typeface="+mj-ea"/>
-                <a:cs typeface="+mj-cs"/>
-              </a:rPr>
-              <a:t>Horn-Schunk Algorithm</a:t>
-            </a:r>
-            <a:endParaRPr kumimoji="0" lang="en-IN" sz="1800" b="0" i="0" u="none" strike="noStrike" kern="0" cap="none" spc="0" normalizeH="0" baseline="0" noProof="0" dirty="0">
-              <a:ln>
-                <a:noFill/>
-              </a:ln>
-              <a:solidFill>
-                <a:sysClr val="windowText" lastClr="000000"/>
-              </a:solidFill>
-              <a:effectLst/>
-              <a:uLnTx/>
-              <a:uFillTx/>
-              <a:latin typeface="+mj-lt"/>
-              <a:ea typeface="+mj-ea"/>
-              <a:cs typeface="+mj-cs"/>
-            </a:endParaRPr>
-          </a:p>
-        </p:txBody>
-      </p:sp>
-      <p:pic>
-        <p:nvPicPr>
-          <p:cNvPr id="3" name="Content Placeholder 3">
-            <a:extLst>
-              <a:ext uri="{FF2B5EF4-FFF2-40B4-BE49-F238E27FC236}">
-                <a16:creationId xmlns="" xmlns:a16="http://schemas.microsoft.com/office/drawing/2014/main" id="{4E55AB01-FDC3-4C60-90F0-7D985C18675D}"/>
+                <a16:creationId xmlns:a16="http://schemas.microsoft.com/office/drawing/2014/main" xmlns="" id="{04B54BBC-2EC0-40E4-A770-A289993F434D}"/>
               </a:ext>
             </a:extLst>
           </p:cNvPr>
@@ -4281,8 +4193,8 @@
         </p:blipFill>
         <p:spPr>
           <a:xfrm>
-            <a:off x="285720" y="1716153"/>
-            <a:ext cx="3800475" cy="2162175"/>
+            <a:off x="179512" y="142852"/>
+            <a:ext cx="4229100" cy="2971800"/>
           </a:xfrm>
           <a:prstGeom prst="rect">
             <a:avLst/>
@@ -4291,10 +4203,10 @@
       </p:pic>
       <p:pic>
         <p:nvPicPr>
-          <p:cNvPr id="4" name="Picture 3">
+          <p:cNvPr id="3" name="Picture 2">
             <a:extLst>
               <a:ext uri="{FF2B5EF4-FFF2-40B4-BE49-F238E27FC236}">
-                <a16:creationId xmlns="" xmlns:a16="http://schemas.microsoft.com/office/drawing/2014/main" id="{D41E4D07-1221-496E-A532-64EB11B059C6}"/>
+                <a16:creationId xmlns:a16="http://schemas.microsoft.com/office/drawing/2014/main" xmlns="" id="{2E75C7E8-9CA2-4652-8B98-0B7BBD0E4A4B}"/>
               </a:ext>
             </a:extLst>
           </p:cNvPr>
@@ -4311,8 +4223,8 @@
         </p:blipFill>
         <p:spPr>
           <a:xfrm>
-            <a:off x="4278609" y="1687192"/>
-            <a:ext cx="3819525" cy="2143125"/>
+            <a:off x="4644008" y="188640"/>
+            <a:ext cx="4276725" cy="3228975"/>
           </a:xfrm>
           <a:prstGeom prst="rect">
             <a:avLst/>
@@ -4321,10 +4233,10 @@
       </p:pic>
       <p:pic>
         <p:nvPicPr>
-          <p:cNvPr id="5" name="Picture 4">
+          <p:cNvPr id="4" name="Picture 3">
             <a:extLst>
               <a:ext uri="{FF2B5EF4-FFF2-40B4-BE49-F238E27FC236}">
-                <a16:creationId xmlns="" xmlns:a16="http://schemas.microsoft.com/office/drawing/2014/main" id="{356A383C-7781-4EDC-BC39-B150645219F4}"/>
+                <a16:creationId xmlns:a16="http://schemas.microsoft.com/office/drawing/2014/main" xmlns="" id="{455D4492-8980-4A23-B2EB-40D32E38D674}"/>
               </a:ext>
             </a:extLst>
           </p:cNvPr>
@@ -4341,8 +4253,38 @@
         </p:blipFill>
         <p:spPr>
           <a:xfrm>
-            <a:off x="2275463" y="4200034"/>
-            <a:ext cx="3810000" cy="2209800"/>
+            <a:off x="179512" y="3284984"/>
+            <a:ext cx="4076700" cy="3162300"/>
+          </a:xfrm>
+          <a:prstGeom prst="rect">
+            <a:avLst/>
+          </a:prstGeom>
+        </p:spPr>
+      </p:pic>
+      <p:pic>
+        <p:nvPicPr>
+          <p:cNvPr id="5" name="Picture 4">
+            <a:extLst>
+              <a:ext uri="{FF2B5EF4-FFF2-40B4-BE49-F238E27FC236}">
+                <a16:creationId xmlns:a16="http://schemas.microsoft.com/office/drawing/2014/main" xmlns="" id="{89F1A573-A46C-4109-BB33-052CCA13B6AF}"/>
+              </a:ext>
+            </a:extLst>
+          </p:cNvPr>
+          <p:cNvPicPr>
+            <a:picLocks noChangeAspect="1"/>
+          </p:cNvPicPr>
+          <p:nvPr/>
+        </p:nvPicPr>
+        <p:blipFill>
+          <a:blip r:embed="rId5"/>
+          <a:stretch>
+            <a:fillRect/>
+          </a:stretch>
+        </p:blipFill>
+        <p:spPr>
+          <a:xfrm>
+            <a:off x="4932040" y="3573016"/>
+            <a:ext cx="3257550" cy="2981325"/>
           </a:xfrm>
           <a:prstGeom prst="rect">
             <a:avLst/>
@@ -4354,7 +4296,7 @@
           <p:cNvPr id="6" name="object 10">
             <a:extLst>
               <a:ext uri="{FF2B5EF4-FFF2-40B4-BE49-F238E27FC236}">
-                <a16:creationId xmlns="" xmlns:a16="http://schemas.microsoft.com/office/drawing/2014/main" id="{53D953F0-0EB0-4ED7-9B0C-D179632B5CAE}"/>
+                <a16:creationId xmlns:a16="http://schemas.microsoft.com/office/drawing/2014/main" xmlns="" id="{97FD3BD5-4342-47CF-A0AA-5F0EFB8D9F08}"/>
               </a:ext>
             </a:extLst>
           </p:cNvPr>
@@ -4363,8 +4305,8 @@
         </p:nvSpPr>
         <p:spPr>
           <a:xfrm>
-            <a:off x="8244408" y="4221088"/>
-            <a:ext cx="899973" cy="2637086"/>
+            <a:off x="8100392" y="4365104"/>
+            <a:ext cx="1043989" cy="2493070"/>
           </a:xfrm>
           <a:custGeom>
             <a:avLst/>
@@ -4472,12 +4414,90 @@
           <a:chExt cx="0" cy="0"/>
         </a:xfrm>
       </p:grpSpPr>
+      <p:sp>
+        <p:nvSpPr>
+          <p:cNvPr id="2" name="Title 1">
+            <a:extLst>
+              <a:ext uri="{FF2B5EF4-FFF2-40B4-BE49-F238E27FC236}">
+                <a16:creationId xmlns:a16="http://schemas.microsoft.com/office/drawing/2014/main" xmlns="" id="{AECE6E70-70FB-4B32-9DF9-5B2CFC39B8C9}"/>
+              </a:ext>
+            </a:extLst>
+          </p:cNvPr>
+          <p:cNvSpPr txBox="1">
+            <a:spLocks/>
+          </p:cNvSpPr>
+          <p:nvPr/>
+        </p:nvSpPr>
+        <p:spPr>
+          <a:xfrm>
+            <a:off x="498279" y="624110"/>
+            <a:ext cx="8911687" cy="1280890"/>
+          </a:xfrm>
+          <a:prstGeom prst="rect">
+            <a:avLst/>
+          </a:prstGeom>
+        </p:spPr>
+        <p:txBody>
+          <a:bodyPr/>
+          <a:lstStyle/>
+          <a:p>
+            <a:pPr marL="0" marR="0" lvl="0" indent="0" defTabSz="914400" eaLnBrk="1" fontAlgn="auto" latinLnBrk="0" hangingPunct="1">
+              <a:lnSpc>
+                <a:spcPct val="100000"/>
+              </a:lnSpc>
+              <a:spcBef>
+                <a:spcPts val="0"/>
+              </a:spcBef>
+              <a:spcAft>
+                <a:spcPts val="0"/>
+              </a:spcAft>
+              <a:buClrTx/>
+              <a:buSzTx/>
+              <a:buFontTx/>
+              <a:buNone/>
+              <a:tabLst/>
+              <a:defRPr/>
+            </a:pPr>
+            <a:r>
+              <a:rPr kumimoji="0" lang="en-US" sz="1800" b="0" i="0" u="none" strike="noStrike" kern="0" cap="none" spc="0" normalizeH="0" baseline="0" noProof="0">
+                <a:ln>
+                  <a:noFill/>
+                </a:ln>
+                <a:solidFill>
+                  <a:sysClr val="windowText" lastClr="000000"/>
+                </a:solidFill>
+                <a:effectLst/>
+                <a:uLnTx/>
+                <a:uFillTx/>
+                <a:latin typeface="+mj-lt"/>
+                <a:ea typeface="+mj-ea"/>
+                <a:cs typeface="+mj-cs"/>
+              </a:rPr>
+              <a:t>Lucas-Kanade Algorithm</a:t>
+            </a:r>
+            <a:endParaRPr kumimoji="0" lang="en-IN" sz="1800" b="0" i="0" u="none" strike="noStrike" kern="0" cap="none" spc="0" normalizeH="0" baseline="0" noProof="0" dirty="0">
+              <a:ln>
+                <a:noFill/>
+              </a:ln>
+              <a:solidFill>
+                <a:sysClr val="windowText" lastClr="000000"/>
+              </a:solidFill>
+              <a:effectLst/>
+              <a:uLnTx/>
+              <a:uFillTx/>
+              <a:latin typeface="+mj-lt"/>
+              <a:ea typeface="+mj-ea"/>
+              <a:cs typeface="+mj-cs"/>
+            </a:endParaRPr>
+          </a:p>
+        </p:txBody>
+      </p:sp>
       <p:pic>
         <p:nvPicPr>
-          <p:cNvPr id="2" name="Picture 1">
+          <p:cNvPr id="3" name="Content Placeholder 3">
             <a:extLst>
               <a:ext uri="{FF2B5EF4-FFF2-40B4-BE49-F238E27FC236}">
-                <a16:creationId xmlns="" xmlns:a16="http://schemas.microsoft.com/office/drawing/2014/main" id="{04B54BBC-2EC0-40E4-A770-A289993F434D}"/>
+                <a16:creationId xmlns:a16="http://schemas.microsoft.com/office/drawing/2014/main" xmlns="" id="{8570F8D9-D980-4F9F-A3CF-A53AC7E61D70}"/>
               </a:ext>
             </a:extLst>
           </p:cNvPr>
@@ -4494,8 +4514,8 @@
         </p:blipFill>
         <p:spPr>
           <a:xfrm>
-            <a:off x="179512" y="142852"/>
-            <a:ext cx="4229100" cy="2971800"/>
+            <a:off x="5007541" y="2595523"/>
+            <a:ext cx="3819525" cy="2171700"/>
           </a:xfrm>
           <a:prstGeom prst="rect">
             <a:avLst/>
@@ -4504,10 +4524,10 @@
       </p:pic>
       <p:pic>
         <p:nvPicPr>
-          <p:cNvPr id="3" name="Picture 2">
+          <p:cNvPr id="4" name="Content Placeholder 3">
             <a:extLst>
               <a:ext uri="{FF2B5EF4-FFF2-40B4-BE49-F238E27FC236}">
-                <a16:creationId xmlns="" xmlns:a16="http://schemas.microsoft.com/office/drawing/2014/main" id="{2E75C7E8-9CA2-4652-8B98-0B7BBD0E4A4B}"/>
+                <a16:creationId xmlns:a16="http://schemas.microsoft.com/office/drawing/2014/main" xmlns="" id="{B826DA12-3734-42B1-9FF7-7DF52A35E96C}"/>
               </a:ext>
             </a:extLst>
           </p:cNvPr>
@@ -4524,68 +4544,8 @@
         </p:blipFill>
         <p:spPr>
           <a:xfrm>
-            <a:off x="4644008" y="188640"/>
-            <a:ext cx="4276725" cy="3228975"/>
-          </a:xfrm>
-          <a:prstGeom prst="rect">
-            <a:avLst/>
-          </a:prstGeom>
-        </p:spPr>
-      </p:pic>
-      <p:pic>
-        <p:nvPicPr>
-          <p:cNvPr id="4" name="Picture 3">
-            <a:extLst>
-              <a:ext uri="{FF2B5EF4-FFF2-40B4-BE49-F238E27FC236}">
-                <a16:creationId xmlns="" xmlns:a16="http://schemas.microsoft.com/office/drawing/2014/main" id="{455D4492-8980-4A23-B2EB-40D32E38D674}"/>
-              </a:ext>
-            </a:extLst>
-          </p:cNvPr>
-          <p:cNvPicPr>
-            <a:picLocks noChangeAspect="1"/>
-          </p:cNvPicPr>
-          <p:nvPr/>
-        </p:nvPicPr>
-        <p:blipFill>
-          <a:blip r:embed="rId4"/>
-          <a:stretch>
-            <a:fillRect/>
-          </a:stretch>
-        </p:blipFill>
-        <p:spPr>
-          <a:xfrm>
-            <a:off x="179512" y="3284984"/>
-            <a:ext cx="4076700" cy="3162300"/>
-          </a:xfrm>
-          <a:prstGeom prst="rect">
-            <a:avLst/>
-          </a:prstGeom>
-        </p:spPr>
-      </p:pic>
-      <p:pic>
-        <p:nvPicPr>
-          <p:cNvPr id="5" name="Picture 4">
-            <a:extLst>
-              <a:ext uri="{FF2B5EF4-FFF2-40B4-BE49-F238E27FC236}">
-                <a16:creationId xmlns="" xmlns:a16="http://schemas.microsoft.com/office/drawing/2014/main" id="{89F1A573-A46C-4109-BB33-052CCA13B6AF}"/>
-              </a:ext>
-            </a:extLst>
-          </p:cNvPr>
-          <p:cNvPicPr>
-            <a:picLocks noChangeAspect="1"/>
-          </p:cNvPicPr>
-          <p:nvPr/>
-        </p:nvPicPr>
-        <p:blipFill>
-          <a:blip r:embed="rId5"/>
-          <a:stretch>
-            <a:fillRect/>
-          </a:stretch>
-        </p:blipFill>
-        <p:spPr>
-          <a:xfrm>
-            <a:off x="4932040" y="3573016"/>
-            <a:ext cx="3257550" cy="2981325"/>
+            <a:off x="285720" y="2595523"/>
+            <a:ext cx="3800475" cy="2162175"/>
           </a:xfrm>
           <a:prstGeom prst="rect">
             <a:avLst/>
@@ -4594,10 +4554,10 @@
       </p:pic>
       <p:sp>
         <p:nvSpPr>
-          <p:cNvPr id="6" name="object 10">
+          <p:cNvPr id="5" name="object 10">
             <a:extLst>
               <a:ext uri="{FF2B5EF4-FFF2-40B4-BE49-F238E27FC236}">
-                <a16:creationId xmlns="" xmlns:a16="http://schemas.microsoft.com/office/drawing/2014/main" id="{97FD3BD5-4342-47CF-A0AA-5F0EFB8D9F08}"/>
+                <a16:creationId xmlns:a16="http://schemas.microsoft.com/office/drawing/2014/main" xmlns="" id="{96C1A363-6D43-4B7A-968D-D274156F06DF}"/>
               </a:ext>
             </a:extLst>
           </p:cNvPr>
@@ -4606,8 +4566,8 @@
         </p:nvSpPr>
         <p:spPr>
           <a:xfrm>
-            <a:off x="8100392" y="4365104"/>
-            <a:ext cx="1043989" cy="2493070"/>
+            <a:off x="8244408" y="4365104"/>
+            <a:ext cx="899973" cy="2493070"/>
           </a:xfrm>
           <a:custGeom>
             <a:avLst/>
@@ -4720,7 +4680,7 @@
           <p:cNvPr id="2" name="Title 1">
             <a:extLst>
               <a:ext uri="{FF2B5EF4-FFF2-40B4-BE49-F238E27FC236}">
-                <a16:creationId xmlns="" xmlns:a16="http://schemas.microsoft.com/office/drawing/2014/main" id="{AECE6E70-70FB-4B32-9DF9-5B2CFC39B8C9}"/>
+                <a16:creationId xmlns:a16="http://schemas.microsoft.com/office/drawing/2014/main" xmlns="" id="{EED58399-4369-4D3E-AAB7-963C52082D46}"/>
               </a:ext>
             </a:extLst>
           </p:cNvPr>
@@ -4731,8 +4691,86 @@
         </p:nvSpPr>
         <p:spPr>
           <a:xfrm>
-            <a:off x="498279" y="624110"/>
-            <a:ext cx="8911687" cy="1280890"/>
+            <a:off x="798481" y="624110"/>
+            <a:ext cx="6345288" cy="518874"/>
+          </a:xfrm>
+          <a:prstGeom prst="rect">
+            <a:avLst/>
+          </a:prstGeom>
+        </p:spPr>
+        <p:txBody>
+          <a:bodyPr/>
+          <a:lstStyle/>
+          <a:p>
+            <a:pPr marL="0" marR="0" lvl="0" indent="0" algn="ctr" defTabSz="914400" eaLnBrk="1" fontAlgn="auto" latinLnBrk="0" hangingPunct="1">
+              <a:lnSpc>
+                <a:spcPct val="100000"/>
+              </a:lnSpc>
+              <a:spcBef>
+                <a:spcPts val="0"/>
+              </a:spcBef>
+              <a:spcAft>
+                <a:spcPts val="0"/>
+              </a:spcAft>
+              <a:buClrTx/>
+              <a:buSzTx/>
+              <a:buFontTx/>
+              <a:buNone/>
+              <a:tabLst/>
+              <a:defRPr/>
+            </a:pPr>
+            <a:r>
+              <a:rPr kumimoji="0" lang="en-US" sz="2800" b="1" i="0" u="none" strike="noStrike" kern="0" cap="none" spc="0" normalizeH="0" baseline="0" noProof="0" dirty="0">
+                <a:ln>
+                  <a:noFill/>
+                </a:ln>
+                <a:solidFill>
+                  <a:sysClr val="windowText" lastClr="000000"/>
+                </a:solidFill>
+                <a:effectLst/>
+                <a:uLnTx/>
+                <a:uFillTx/>
+                <a:latin typeface="Times New Roman" pitchFamily="18" charset="0"/>
+                <a:ea typeface="+mj-ea"/>
+                <a:cs typeface="Times New Roman" pitchFamily="18" charset="0"/>
+              </a:rPr>
+              <a:t>Differences</a:t>
+            </a:r>
+            <a:endParaRPr kumimoji="0" lang="en-IN" sz="2800" b="1" i="0" u="none" strike="noStrike" kern="0" cap="none" spc="0" normalizeH="0" baseline="0" noProof="0" dirty="0">
+              <a:ln>
+                <a:noFill/>
+              </a:ln>
+              <a:solidFill>
+                <a:sysClr val="windowText" lastClr="000000"/>
+              </a:solidFill>
+              <a:effectLst/>
+              <a:uLnTx/>
+              <a:uFillTx/>
+              <a:latin typeface="Times New Roman" pitchFamily="18" charset="0"/>
+              <a:ea typeface="+mj-ea"/>
+              <a:cs typeface="Times New Roman" pitchFamily="18" charset="0"/>
+            </a:endParaRPr>
+          </a:p>
+        </p:txBody>
+      </p:sp>
+      <p:sp>
+        <p:nvSpPr>
+          <p:cNvPr id="3" name="Text Placeholder 3">
+            <a:extLst>
+              <a:ext uri="{FF2B5EF4-FFF2-40B4-BE49-F238E27FC236}">
+                <a16:creationId xmlns:a16="http://schemas.microsoft.com/office/drawing/2014/main" xmlns="" id="{12A9BEAF-6493-47A6-9B62-9453380455EB}"/>
+              </a:ext>
+            </a:extLst>
+          </p:cNvPr>
+          <p:cNvSpPr txBox="1">
+            <a:spLocks/>
+          </p:cNvSpPr>
+          <p:nvPr/>
+        </p:nvSpPr>
+        <p:spPr>
+          <a:xfrm>
+            <a:off x="635881" y="1812447"/>
+            <a:ext cx="3992732" cy="576262"/>
           </a:xfrm>
           <a:prstGeom prst="rect">
             <a:avLst/>
@@ -4760,7 +4798,7 @@
               <a:defRPr/>
             </a:pPr>
             <a:r>
-              <a:rPr kumimoji="0" lang="en-US" sz="1800" b="0" i="0" u="none" strike="noStrike" kern="0" cap="none" spc="0" normalizeH="0" baseline="0" noProof="0">
+              <a:rPr kumimoji="0" lang="en-US" sz="2400" b="0" i="0" u="none" strike="noStrike" kern="0" cap="none" spc="0" normalizeH="0" baseline="0" noProof="0" dirty="0">
                 <a:ln>
                   <a:noFill/>
                 </a:ln>
@@ -4770,11 +4808,261 @@
                 <a:effectLst/>
                 <a:uLnTx/>
                 <a:uFillTx/>
-                <a:latin typeface="+mj-lt"/>
-                <a:ea typeface="+mj-ea"/>
-                <a:cs typeface="+mj-cs"/>
-              </a:rPr>
-              <a:t>Lucas-Kanade Algorithm</a:t>
+                <a:latin typeface="Arial" pitchFamily="34" charset="0"/>
+                <a:cs typeface="Arial" pitchFamily="34" charset="0"/>
+              </a:rPr>
+              <a:t>Horn </a:t>
+            </a:r>
+            <a:r>
+              <a:rPr kumimoji="0" lang="en-US" sz="2400" b="0" i="0" u="none" strike="noStrike" kern="0" cap="none" spc="0" normalizeH="0" baseline="0" noProof="0" dirty="0" err="1">
+                <a:ln>
+                  <a:noFill/>
+                </a:ln>
+                <a:solidFill>
+                  <a:sysClr val="windowText" lastClr="000000"/>
+                </a:solidFill>
+                <a:effectLst/>
+                <a:uLnTx/>
+                <a:uFillTx/>
+                <a:latin typeface="Arial" pitchFamily="34" charset="0"/>
+                <a:cs typeface="Arial" pitchFamily="34" charset="0"/>
+              </a:rPr>
+              <a:t>Schunk</a:t>
+            </a:r>
+            <a:r>
+              <a:rPr kumimoji="0" lang="en-US" sz="2400" b="0" i="0" u="none" strike="noStrike" kern="0" cap="none" spc="0" normalizeH="0" baseline="0" noProof="0" dirty="0">
+                <a:ln>
+                  <a:noFill/>
+                </a:ln>
+                <a:solidFill>
+                  <a:sysClr val="windowText" lastClr="000000"/>
+                </a:solidFill>
+                <a:effectLst/>
+                <a:uLnTx/>
+                <a:uFillTx/>
+                <a:latin typeface="Arial" pitchFamily="34" charset="0"/>
+                <a:cs typeface="Arial" pitchFamily="34" charset="0"/>
+              </a:rPr>
+              <a:t> Algorithm</a:t>
+            </a:r>
+            <a:endParaRPr kumimoji="0" lang="en-IN" sz="2400" b="0" i="0" u="none" strike="noStrike" kern="0" cap="none" spc="0" normalizeH="0" baseline="0" noProof="0" dirty="0">
+              <a:ln>
+                <a:noFill/>
+              </a:ln>
+              <a:solidFill>
+                <a:sysClr val="windowText" lastClr="000000"/>
+              </a:solidFill>
+              <a:effectLst/>
+              <a:uLnTx/>
+              <a:uFillTx/>
+              <a:latin typeface="Arial" pitchFamily="34" charset="0"/>
+              <a:cs typeface="Arial" pitchFamily="34" charset="0"/>
+            </a:endParaRPr>
+          </a:p>
+        </p:txBody>
+      </p:sp>
+      <p:sp>
+        <p:nvSpPr>
+          <p:cNvPr id="4" name="Content Placeholder 2">
+            <a:extLst>
+              <a:ext uri="{FF2B5EF4-FFF2-40B4-BE49-F238E27FC236}">
+                <a16:creationId xmlns:a16="http://schemas.microsoft.com/office/drawing/2014/main" xmlns="" id="{FC0B0AD4-A14E-4E96-A860-C31D96769FB4}"/>
+              </a:ext>
+            </a:extLst>
+          </p:cNvPr>
+          <p:cNvSpPr txBox="1">
+            <a:spLocks/>
+          </p:cNvSpPr>
+          <p:nvPr/>
+        </p:nvSpPr>
+        <p:spPr>
+          <a:xfrm>
+            <a:off x="285720" y="2388710"/>
+            <a:ext cx="4342893" cy="3354060"/>
+          </a:xfrm>
+          <a:prstGeom prst="rect">
+            <a:avLst/>
+          </a:prstGeom>
+        </p:spPr>
+        <p:txBody>
+          <a:bodyPr/>
+          <a:lstStyle/>
+          <a:p>
+            <a:pPr marL="0" marR="0" lvl="0" indent="0" defTabSz="914400" eaLnBrk="1" fontAlgn="auto" latinLnBrk="0" hangingPunct="1">
+              <a:lnSpc>
+                <a:spcPct val="100000"/>
+              </a:lnSpc>
+              <a:spcBef>
+                <a:spcPts val="0"/>
+              </a:spcBef>
+              <a:spcAft>
+                <a:spcPts val="0"/>
+              </a:spcAft>
+              <a:buClrTx/>
+              <a:buSzTx/>
+              <a:buFontTx/>
+              <a:buNone/>
+              <a:tabLst/>
+              <a:defRPr/>
+            </a:pPr>
+            <a:r>
+              <a:rPr kumimoji="0" lang="en-US" sz="1800" b="0" i="0" u="none" strike="noStrike" kern="0" cap="none" spc="0" normalizeH="0" baseline="0" noProof="0" dirty="0">
+                <a:ln>
+                  <a:noFill/>
+                </a:ln>
+                <a:solidFill>
+                  <a:sysClr val="windowText" lastClr="000000"/>
+                </a:solidFill>
+                <a:effectLst/>
+                <a:uLnTx/>
+                <a:uFillTx/>
+                <a:latin typeface="+mn-lt"/>
+                <a:ea typeface="+mn-ea"/>
+                <a:cs typeface="+mn-cs"/>
+              </a:rPr>
+              <a:t>Horn </a:t>
+            </a:r>
+            <a:r>
+              <a:rPr kumimoji="0" lang="en-US" sz="1800" b="0" i="0" u="none" strike="noStrike" kern="0" cap="none" spc="0" normalizeH="0" baseline="0" noProof="0" dirty="0" err="1">
+                <a:ln>
+                  <a:noFill/>
+                </a:ln>
+                <a:solidFill>
+                  <a:sysClr val="windowText" lastClr="000000"/>
+                </a:solidFill>
+                <a:effectLst/>
+                <a:uLnTx/>
+                <a:uFillTx/>
+                <a:latin typeface="+mn-lt"/>
+                <a:ea typeface="+mn-ea"/>
+                <a:cs typeface="+mn-cs"/>
+              </a:rPr>
+              <a:t>Schunk</a:t>
+            </a:r>
+            <a:r>
+              <a:rPr kumimoji="0" lang="en-US" sz="1800" b="0" i="0" u="none" strike="noStrike" kern="0" cap="none" spc="0" normalizeH="0" baseline="0" noProof="0" dirty="0">
+                <a:ln>
+                  <a:noFill/>
+                </a:ln>
+                <a:solidFill>
+                  <a:sysClr val="windowText" lastClr="000000"/>
+                </a:solidFill>
+                <a:effectLst/>
+                <a:uLnTx/>
+                <a:uFillTx/>
+                <a:latin typeface="+mn-lt"/>
+                <a:ea typeface="+mn-ea"/>
+                <a:cs typeface="+mn-cs"/>
+              </a:rPr>
+              <a:t> algorithm takes more computation time</a:t>
+            </a:r>
+          </a:p>
+          <a:p>
+            <a:pPr marL="0" marR="0" lvl="0" indent="0" defTabSz="914400" eaLnBrk="1" fontAlgn="auto" latinLnBrk="0" hangingPunct="1">
+              <a:lnSpc>
+                <a:spcPct val="100000"/>
+              </a:lnSpc>
+              <a:spcBef>
+                <a:spcPts val="0"/>
+              </a:spcBef>
+              <a:spcAft>
+                <a:spcPts val="0"/>
+              </a:spcAft>
+              <a:buClrTx/>
+              <a:buSzTx/>
+              <a:buFontTx/>
+              <a:buNone/>
+              <a:tabLst/>
+              <a:defRPr/>
+            </a:pPr>
+            <a:r>
+              <a:rPr kumimoji="0" lang="en-US" sz="1800" b="0" i="0" u="none" strike="noStrike" kern="0" cap="none" spc="0" normalizeH="0" baseline="0" noProof="0" dirty="0">
+                <a:ln>
+                  <a:noFill/>
+                </a:ln>
+                <a:solidFill>
+                  <a:sysClr val="windowText" lastClr="000000"/>
+                </a:solidFill>
+                <a:effectLst/>
+                <a:uLnTx/>
+                <a:uFillTx/>
+                <a:latin typeface="+mn-lt"/>
+                <a:ea typeface="+mn-ea"/>
+                <a:cs typeface="+mn-cs"/>
+              </a:rPr>
+              <a:t>Mathematically complex</a:t>
+            </a:r>
+          </a:p>
+          <a:p>
+            <a:pPr marL="0" marR="0" lvl="0" indent="0" defTabSz="914400" eaLnBrk="1" fontAlgn="auto" latinLnBrk="0" hangingPunct="1">
+              <a:lnSpc>
+                <a:spcPct val="100000"/>
+              </a:lnSpc>
+              <a:spcBef>
+                <a:spcPts val="0"/>
+              </a:spcBef>
+              <a:spcAft>
+                <a:spcPts val="0"/>
+              </a:spcAft>
+              <a:buClrTx/>
+              <a:buSzTx/>
+              <a:buFontTx/>
+              <a:buNone/>
+              <a:tabLst/>
+              <a:defRPr/>
+            </a:pPr>
+            <a:r>
+              <a:rPr kumimoji="0" lang="en-US" sz="1800" b="0" i="0" u="none" strike="noStrike" kern="0" cap="none" spc="0" normalizeH="0" baseline="0" noProof="0" dirty="0">
+                <a:ln>
+                  <a:noFill/>
+                </a:ln>
+                <a:solidFill>
+                  <a:sysClr val="windowText" lastClr="000000"/>
+                </a:solidFill>
+                <a:effectLst/>
+                <a:uLnTx/>
+                <a:uFillTx/>
+                <a:latin typeface="+mn-lt"/>
+                <a:ea typeface="+mn-ea"/>
+                <a:cs typeface="+mn-cs"/>
+              </a:rPr>
+              <a:t>Optimize the function based on residuals from the brightness constancy</a:t>
+            </a:r>
+          </a:p>
+          <a:p>
+            <a:pPr marL="0" marR="0" lvl="0" indent="0" defTabSz="914400" eaLnBrk="1" fontAlgn="auto" latinLnBrk="0" hangingPunct="1">
+              <a:lnSpc>
+                <a:spcPct val="100000"/>
+              </a:lnSpc>
+              <a:spcBef>
+                <a:spcPts val="0"/>
+              </a:spcBef>
+              <a:spcAft>
+                <a:spcPts val="0"/>
+              </a:spcAft>
+              <a:buClrTx/>
+              <a:buSzTx/>
+              <a:buFontTx/>
+              <a:buNone/>
+              <a:tabLst/>
+              <a:defRPr/>
+            </a:pPr>
+            <a:r>
+              <a:rPr kumimoji="0" lang="en-US" sz="1800" b="0" i="0" u="none" strike="noStrike" kern="0" cap="none" spc="0" normalizeH="0" baseline="0" noProof="0" dirty="0">
+                <a:ln>
+                  <a:noFill/>
+                </a:ln>
+                <a:solidFill>
+                  <a:sysClr val="windowText" lastClr="000000"/>
+                </a:solidFill>
+                <a:effectLst/>
+                <a:uLnTx/>
+                <a:uFillTx/>
+                <a:latin typeface="+mn-lt"/>
+                <a:ea typeface="+mn-ea"/>
+                <a:cs typeface="+mn-cs"/>
+              </a:rPr>
+              <a:t>It uses gradient constraints equations using global smoothness constraints.</a:t>
             </a:r>
             <a:endParaRPr kumimoji="0" lang="en-IN" sz="1800" b="0" i="0" u="none" strike="noStrike" kern="0" cap="none" spc="0" normalizeH="0" baseline="0" noProof="0" dirty="0">
               <a:ln>
@@ -4786,79 +5074,332 @@
               <a:effectLst/>
               <a:uLnTx/>
               <a:uFillTx/>
-              <a:latin typeface="+mj-lt"/>
-              <a:ea typeface="+mj-ea"/>
-              <a:cs typeface="+mj-cs"/>
+              <a:latin typeface="+mn-lt"/>
+              <a:ea typeface="+mn-ea"/>
+              <a:cs typeface="+mn-cs"/>
             </a:endParaRPr>
           </a:p>
         </p:txBody>
       </p:sp>
-      <p:pic>
-        <p:nvPicPr>
-          <p:cNvPr id="3" name="Content Placeholder 3">
+      <p:sp>
+        <p:nvSpPr>
+          <p:cNvPr id="5" name="Text Placeholder 4">
             <a:extLst>
               <a:ext uri="{FF2B5EF4-FFF2-40B4-BE49-F238E27FC236}">
-                <a16:creationId xmlns="" xmlns:a16="http://schemas.microsoft.com/office/drawing/2014/main" id="{8570F8D9-D980-4F9F-A3CF-A53AC7E61D70}"/>
+                <a16:creationId xmlns:a16="http://schemas.microsoft.com/office/drawing/2014/main" xmlns="" id="{257DB18A-C533-479F-8A56-27C092526D61}"/>
               </a:ext>
             </a:extLst>
           </p:cNvPr>
-          <p:cNvPicPr>
-            <a:picLocks noChangeAspect="1"/>
-          </p:cNvPicPr>
+          <p:cNvSpPr txBox="1">
+            <a:spLocks/>
+          </p:cNvSpPr>
           <p:nvPr/>
-        </p:nvPicPr>
-        <p:blipFill>
-          <a:blip r:embed="rId2"/>
-          <a:stretch>
-            <a:fillRect/>
-          </a:stretch>
-        </p:blipFill>
+        </p:nvSpPr>
         <p:spPr>
           <a:xfrm>
-            <a:off x="5007541" y="2595523"/>
-            <a:ext cx="3819525" cy="2171700"/>
+            <a:off x="5203137" y="1809219"/>
+            <a:ext cx="3999001" cy="576262"/>
           </a:xfrm>
           <a:prstGeom prst="rect">
             <a:avLst/>
           </a:prstGeom>
         </p:spPr>
-      </p:pic>
-      <p:pic>
-        <p:nvPicPr>
-          <p:cNvPr id="4" name="Content Placeholder 3">
+        <p:txBody>
+          <a:bodyPr/>
+          <a:lstStyle/>
+          <a:p>
+            <a:pPr marL="0" marR="0" lvl="0" indent="0" defTabSz="914400" eaLnBrk="1" fontAlgn="auto" latinLnBrk="0" hangingPunct="1">
+              <a:lnSpc>
+                <a:spcPct val="100000"/>
+              </a:lnSpc>
+              <a:spcBef>
+                <a:spcPts val="0"/>
+              </a:spcBef>
+              <a:spcAft>
+                <a:spcPts val="0"/>
+              </a:spcAft>
+              <a:buClrTx/>
+              <a:buSzTx/>
+              <a:buFontTx/>
+              <a:buNone/>
+              <a:tabLst/>
+              <a:defRPr/>
+            </a:pPr>
+            <a:r>
+              <a:rPr kumimoji="0" lang="en-US" sz="2400" b="0" i="0" u="none" strike="noStrike" kern="0" cap="none" spc="0" normalizeH="0" baseline="0" noProof="0" dirty="0">
+                <a:ln>
+                  <a:noFill/>
+                </a:ln>
+                <a:solidFill>
+                  <a:sysClr val="windowText" lastClr="000000"/>
+                </a:solidFill>
+                <a:effectLst/>
+                <a:uLnTx/>
+                <a:uFillTx/>
+                <a:latin typeface="Arial" pitchFamily="34" charset="0"/>
+                <a:cs typeface="Arial" pitchFamily="34" charset="0"/>
+              </a:rPr>
+              <a:t>Lucas </a:t>
+            </a:r>
+            <a:r>
+              <a:rPr kumimoji="0" lang="en-US" sz="2400" b="0" i="0" u="none" strike="noStrike" kern="0" cap="none" spc="0" normalizeH="0" baseline="0" noProof="0" dirty="0" err="1">
+                <a:ln>
+                  <a:noFill/>
+                </a:ln>
+                <a:solidFill>
+                  <a:sysClr val="windowText" lastClr="000000"/>
+                </a:solidFill>
+                <a:effectLst/>
+                <a:uLnTx/>
+                <a:uFillTx/>
+                <a:latin typeface="Arial" pitchFamily="34" charset="0"/>
+                <a:cs typeface="Arial" pitchFamily="34" charset="0"/>
+              </a:rPr>
+              <a:t>kanade</a:t>
+            </a:r>
+            <a:r>
+              <a:rPr kumimoji="0" lang="en-US" sz="2400" b="0" i="0" u="none" strike="noStrike" kern="0" cap="none" spc="0" normalizeH="0" baseline="0" noProof="0" dirty="0">
+                <a:ln>
+                  <a:noFill/>
+                </a:ln>
+                <a:solidFill>
+                  <a:sysClr val="windowText" lastClr="000000"/>
+                </a:solidFill>
+                <a:effectLst/>
+                <a:uLnTx/>
+                <a:uFillTx/>
+                <a:latin typeface="Arial" pitchFamily="34" charset="0"/>
+                <a:cs typeface="Arial" pitchFamily="34" charset="0"/>
+              </a:rPr>
+              <a:t> Algorithm</a:t>
+            </a:r>
+            <a:endParaRPr kumimoji="0" lang="en-IN" sz="2400" b="0" i="0" u="none" strike="noStrike" kern="0" cap="none" spc="0" normalizeH="0" baseline="0" noProof="0" dirty="0">
+              <a:ln>
+                <a:noFill/>
+              </a:ln>
+              <a:solidFill>
+                <a:sysClr val="windowText" lastClr="000000"/>
+              </a:solidFill>
+              <a:effectLst/>
+              <a:uLnTx/>
+              <a:uFillTx/>
+              <a:latin typeface="Arial" pitchFamily="34" charset="0"/>
+              <a:cs typeface="Arial" pitchFamily="34" charset="0"/>
+            </a:endParaRPr>
+          </a:p>
+        </p:txBody>
+      </p:sp>
+      <p:sp>
+        <p:nvSpPr>
+          <p:cNvPr id="6" name="Content Placeholder 5">
             <a:extLst>
               <a:ext uri="{FF2B5EF4-FFF2-40B4-BE49-F238E27FC236}">
-                <a16:creationId xmlns="" xmlns:a16="http://schemas.microsoft.com/office/drawing/2014/main" id="{B826DA12-3734-42B1-9FF7-7DF52A35E96C}"/>
+                <a16:creationId xmlns:a16="http://schemas.microsoft.com/office/drawing/2014/main" xmlns="" id="{3FB1056D-0D4A-4824-8A08-19451A111827}"/>
               </a:ext>
             </a:extLst>
           </p:cNvPr>
-          <p:cNvPicPr>
-            <a:picLocks noChangeAspect="1"/>
-          </p:cNvPicPr>
+          <p:cNvSpPr txBox="1">
+            <a:spLocks/>
+          </p:cNvSpPr>
           <p:nvPr/>
-        </p:nvPicPr>
-        <p:blipFill>
-          <a:blip r:embed="rId3"/>
-          <a:stretch>
-            <a:fillRect/>
-          </a:stretch>
-        </p:blipFill>
+        </p:nvSpPr>
         <p:spPr>
           <a:xfrm>
-            <a:off x="285720" y="2595523"/>
-            <a:ext cx="3800475" cy="2162175"/>
+            <a:off x="4863465" y="2385482"/>
+            <a:ext cx="4338674" cy="3354060"/>
           </a:xfrm>
           <a:prstGeom prst="rect">
             <a:avLst/>
           </a:prstGeom>
         </p:spPr>
-      </p:pic>
+        <p:txBody>
+          <a:bodyPr/>
+          <a:lstStyle/>
+          <a:p>
+            <a:pPr marL="0" marR="0" lvl="0" indent="0" defTabSz="914400" eaLnBrk="1" fontAlgn="auto" latinLnBrk="0" hangingPunct="1">
+              <a:lnSpc>
+                <a:spcPct val="100000"/>
+              </a:lnSpc>
+              <a:spcBef>
+                <a:spcPts val="0"/>
+              </a:spcBef>
+              <a:spcAft>
+                <a:spcPts val="0"/>
+              </a:spcAft>
+              <a:buClrTx/>
+              <a:buSzTx/>
+              <a:buFontTx/>
+              <a:buNone/>
+              <a:tabLst/>
+              <a:defRPr/>
+            </a:pPr>
+            <a:r>
+              <a:rPr kumimoji="0" lang="en-US" sz="1800" b="0" i="0" u="none" strike="noStrike" kern="0" cap="none" spc="0" normalizeH="0" baseline="0" noProof="0" dirty="0">
+                <a:ln>
+                  <a:noFill/>
+                </a:ln>
+                <a:solidFill>
+                  <a:sysClr val="windowText" lastClr="000000"/>
+                </a:solidFill>
+                <a:effectLst/>
+                <a:uLnTx/>
+                <a:uFillTx/>
+                <a:latin typeface="+mn-lt"/>
+                <a:ea typeface="+mn-ea"/>
+                <a:cs typeface="+mn-cs"/>
+              </a:rPr>
+              <a:t>It takes less computational time than horn-Schunk algorithm.</a:t>
+            </a:r>
+          </a:p>
+          <a:p>
+            <a:pPr marL="0" marR="0" lvl="0" indent="0" defTabSz="914400" eaLnBrk="1" fontAlgn="auto" latinLnBrk="0" hangingPunct="1">
+              <a:lnSpc>
+                <a:spcPct val="100000"/>
+              </a:lnSpc>
+              <a:spcBef>
+                <a:spcPts val="0"/>
+              </a:spcBef>
+              <a:spcAft>
+                <a:spcPts val="0"/>
+              </a:spcAft>
+              <a:buClrTx/>
+              <a:buSzTx/>
+              <a:buFontTx/>
+              <a:buNone/>
+              <a:tabLst/>
+              <a:defRPr/>
+            </a:pPr>
+            <a:r>
+              <a:rPr kumimoji="0" lang="en-US" sz="1800" b="0" i="0" u="none" strike="noStrike" kern="0" cap="none" spc="0" normalizeH="0" baseline="0" noProof="0" dirty="0">
+                <a:ln>
+                  <a:noFill/>
+                </a:ln>
+                <a:solidFill>
+                  <a:sysClr val="windowText" lastClr="000000"/>
+                </a:solidFill>
+                <a:effectLst/>
+                <a:uLnTx/>
+                <a:uFillTx/>
+                <a:latin typeface="+mn-lt"/>
+                <a:ea typeface="+mn-ea"/>
+                <a:cs typeface="+mn-cs"/>
+              </a:rPr>
+              <a:t>Uses image patches and windowing methods</a:t>
+            </a:r>
+          </a:p>
+          <a:p>
+            <a:pPr marL="0" marR="0" lvl="0" indent="0" defTabSz="914400" eaLnBrk="1" fontAlgn="auto" latinLnBrk="0" hangingPunct="1">
+              <a:lnSpc>
+                <a:spcPct val="100000"/>
+              </a:lnSpc>
+              <a:spcBef>
+                <a:spcPts val="0"/>
+              </a:spcBef>
+              <a:spcAft>
+                <a:spcPts val="0"/>
+              </a:spcAft>
+              <a:buClrTx/>
+              <a:buSzTx/>
+              <a:buFontTx/>
+              <a:buNone/>
+              <a:tabLst/>
+              <a:defRPr/>
+            </a:pPr>
+            <a:r>
+              <a:rPr kumimoji="0" lang="en-US" sz="1800" b="0" i="0" u="none" strike="noStrike" kern="0" cap="none" spc="0" normalizeH="0" baseline="0" noProof="0" dirty="0">
+                <a:ln>
+                  <a:noFill/>
+                </a:ln>
+                <a:solidFill>
+                  <a:sysClr val="windowText" lastClr="000000"/>
+                </a:solidFill>
+                <a:effectLst/>
+                <a:uLnTx/>
+                <a:uFillTx/>
+                <a:latin typeface="+mn-lt"/>
+                <a:ea typeface="+mn-ea"/>
+                <a:cs typeface="+mn-cs"/>
+              </a:rPr>
+              <a:t>Using least square methods</a:t>
+            </a:r>
+          </a:p>
+          <a:p>
+            <a:pPr marL="0" marR="0" lvl="0" indent="0" defTabSz="914400" eaLnBrk="1" fontAlgn="auto" latinLnBrk="0" hangingPunct="1">
+              <a:lnSpc>
+                <a:spcPct val="100000"/>
+              </a:lnSpc>
+              <a:spcBef>
+                <a:spcPts val="0"/>
+              </a:spcBef>
+              <a:spcAft>
+                <a:spcPts val="0"/>
+              </a:spcAft>
+              <a:buClrTx/>
+              <a:buSzTx/>
+              <a:buFontTx/>
+              <a:buNone/>
+              <a:tabLst/>
+              <a:defRPr/>
+            </a:pPr>
+            <a:r>
+              <a:rPr kumimoji="0" lang="en-US" sz="1800" b="0" i="0" u="none" strike="noStrike" kern="0" cap="none" spc="0" normalizeH="0" baseline="0" noProof="0" dirty="0">
+                <a:ln>
+                  <a:noFill/>
+                </a:ln>
+                <a:solidFill>
+                  <a:sysClr val="windowText" lastClr="000000"/>
+                </a:solidFill>
+                <a:effectLst/>
+                <a:uLnTx/>
+                <a:uFillTx/>
+                <a:latin typeface="+mn-lt"/>
+                <a:ea typeface="+mn-ea"/>
+                <a:cs typeface="+mn-cs"/>
+              </a:rPr>
+              <a:t>Improves the signal strength &amp; reduces noise giving more accurate &amp; relative speed results.</a:t>
+            </a:r>
+          </a:p>
+          <a:p>
+            <a:pPr marL="0" marR="0" lvl="0" indent="0" defTabSz="914400" eaLnBrk="1" fontAlgn="auto" latinLnBrk="0" hangingPunct="1">
+              <a:lnSpc>
+                <a:spcPct val="100000"/>
+              </a:lnSpc>
+              <a:spcBef>
+                <a:spcPts val="0"/>
+              </a:spcBef>
+              <a:spcAft>
+                <a:spcPts val="0"/>
+              </a:spcAft>
+              <a:buClrTx/>
+              <a:buSzTx/>
+              <a:buFontTx/>
+              <a:buNone/>
+              <a:tabLst/>
+              <a:defRPr/>
+            </a:pPr>
+            <a:endParaRPr kumimoji="0" lang="en-IN" sz="1800" b="0" i="0" u="none" strike="noStrike" kern="0" cap="none" spc="0" normalizeH="0" baseline="0" noProof="0" dirty="0">
+              <a:ln>
+                <a:noFill/>
+              </a:ln>
+              <a:solidFill>
+                <a:sysClr val="windowText" lastClr="000000"/>
+              </a:solidFill>
+              <a:effectLst/>
+              <a:uLnTx/>
+              <a:uFillTx/>
+              <a:latin typeface="+mn-lt"/>
+              <a:ea typeface="+mn-ea"/>
+              <a:cs typeface="+mn-cs"/>
+            </a:endParaRPr>
+          </a:p>
+        </p:txBody>
+      </p:sp>
       <p:sp>
         <p:nvSpPr>
-          <p:cNvPr id="5" name="object 10">
+          <p:cNvPr id="7" name="object 10">
             <a:extLst>
               <a:ext uri="{FF2B5EF4-FFF2-40B4-BE49-F238E27FC236}">
-                <a16:creationId xmlns="" xmlns:a16="http://schemas.microsoft.com/office/drawing/2014/main" id="{96C1A363-6D43-4B7A-968D-D274156F06DF}"/>
+                <a16:creationId xmlns:a16="http://schemas.microsoft.com/office/drawing/2014/main" xmlns="" id="{0D82F885-F933-4071-BB99-A0BB3BD95A9F}"/>
               </a:ext>
             </a:extLst>
           </p:cNvPr>
@@ -4867,8 +5408,8 @@
         </p:nvSpPr>
         <p:spPr>
           <a:xfrm>
-            <a:off x="8244408" y="4365104"/>
-            <a:ext cx="899973" cy="2493070"/>
+            <a:off x="8244408" y="4437112"/>
+            <a:ext cx="899973" cy="2421062"/>
           </a:xfrm>
           <a:custGeom>
             <a:avLst/>
@@ -4907,6 +5448,190 @@
           <a:lstStyle/>
           <a:p>
             <a:endParaRPr dirty="0"/>
+          </a:p>
+        </p:txBody>
+      </p:sp>
+      <p:sp>
+        <p:nvSpPr>
+          <p:cNvPr id="8" name="Rectangle 7"/>
+          <p:cNvSpPr/>
+          <p:nvPr/>
+        </p:nvSpPr>
+        <p:spPr>
+          <a:xfrm>
+            <a:off x="285720" y="1643050"/>
+            <a:ext cx="4429156" cy="3500462"/>
+          </a:xfrm>
+          <a:prstGeom prst="rect">
+            <a:avLst/>
+          </a:prstGeom>
+          <a:noFill/>
+          <a:ln>
+            <a:solidFill>
+              <a:schemeClr val="tx1"/>
+            </a:solidFill>
+          </a:ln>
+        </p:spPr>
+        <p:style>
+          <a:lnRef idx="2">
+            <a:schemeClr val="accent1">
+              <a:shade val="50000"/>
+            </a:schemeClr>
+          </a:lnRef>
+          <a:fillRef idx="1">
+            <a:schemeClr val="accent1"/>
+          </a:fillRef>
+          <a:effectRef idx="0">
+            <a:schemeClr val="accent1"/>
+          </a:effectRef>
+          <a:fontRef idx="minor">
+            <a:schemeClr val="lt1"/>
+          </a:fontRef>
+        </p:style>
+        <p:txBody>
+          <a:bodyPr rtlCol="0" anchor="ctr"/>
+          <a:lstStyle/>
+          <a:p>
+            <a:pPr algn="ctr"/>
+            <a:endParaRPr lang="en-IN"/>
+          </a:p>
+        </p:txBody>
+      </p:sp>
+      <p:sp>
+        <p:nvSpPr>
+          <p:cNvPr id="9" name="Rectangle 8"/>
+          <p:cNvSpPr/>
+          <p:nvPr/>
+        </p:nvSpPr>
+        <p:spPr>
+          <a:xfrm>
+            <a:off x="4714876" y="1643050"/>
+            <a:ext cx="4429156" cy="3500462"/>
+          </a:xfrm>
+          <a:prstGeom prst="rect">
+            <a:avLst/>
+          </a:prstGeom>
+          <a:noFill/>
+          <a:ln>
+            <a:solidFill>
+              <a:schemeClr val="tx1"/>
+            </a:solidFill>
+          </a:ln>
+        </p:spPr>
+        <p:style>
+          <a:lnRef idx="2">
+            <a:schemeClr val="accent1">
+              <a:shade val="50000"/>
+            </a:schemeClr>
+          </a:lnRef>
+          <a:fillRef idx="1">
+            <a:schemeClr val="accent1"/>
+          </a:fillRef>
+          <a:effectRef idx="0">
+            <a:schemeClr val="accent1"/>
+          </a:effectRef>
+          <a:fontRef idx="minor">
+            <a:schemeClr val="lt1"/>
+          </a:fontRef>
+        </p:style>
+        <p:txBody>
+          <a:bodyPr rtlCol="0" anchor="ctr"/>
+          <a:lstStyle/>
+          <a:p>
+            <a:pPr algn="ctr"/>
+            <a:endParaRPr lang="en-IN"/>
+          </a:p>
+        </p:txBody>
+      </p:sp>
+      <p:sp>
+        <p:nvSpPr>
+          <p:cNvPr id="10" name="Rectangle 9"/>
+          <p:cNvSpPr/>
+          <p:nvPr/>
+        </p:nvSpPr>
+        <p:spPr>
+          <a:xfrm>
+            <a:off x="285720" y="1643050"/>
+            <a:ext cx="4429156" cy="642942"/>
+          </a:xfrm>
+          <a:prstGeom prst="rect">
+            <a:avLst/>
+          </a:prstGeom>
+          <a:noFill/>
+          <a:ln>
+            <a:solidFill>
+              <a:schemeClr val="tx1"/>
+            </a:solidFill>
+          </a:ln>
+        </p:spPr>
+        <p:style>
+          <a:lnRef idx="2">
+            <a:schemeClr val="accent1">
+              <a:shade val="50000"/>
+            </a:schemeClr>
+          </a:lnRef>
+          <a:fillRef idx="1">
+            <a:schemeClr val="accent1"/>
+          </a:fillRef>
+          <a:effectRef idx="0">
+            <a:schemeClr val="accent1"/>
+          </a:effectRef>
+          <a:fontRef idx="minor">
+            <a:schemeClr val="lt1"/>
+          </a:fontRef>
+        </p:style>
+        <p:txBody>
+          <a:bodyPr rtlCol="0" anchor="ctr"/>
+          <a:lstStyle/>
+          <a:p>
+            <a:pPr algn="ctr"/>
+            <a:endParaRPr lang="en-IN"/>
+          </a:p>
+        </p:txBody>
+      </p:sp>
+      <p:sp>
+        <p:nvSpPr>
+          <p:cNvPr id="11" name="Rectangle 10"/>
+          <p:cNvSpPr/>
+          <p:nvPr/>
+        </p:nvSpPr>
+        <p:spPr>
+          <a:xfrm>
+            <a:off x="4714876" y="1643050"/>
+            <a:ext cx="4429156" cy="642942"/>
+          </a:xfrm>
+          <a:prstGeom prst="rect">
+            <a:avLst/>
+          </a:prstGeom>
+          <a:noFill/>
+          <a:ln>
+            <a:solidFill>
+              <a:schemeClr val="tx1"/>
+            </a:solidFill>
+          </a:ln>
+        </p:spPr>
+        <p:style>
+          <a:lnRef idx="2">
+            <a:schemeClr val="accent1">
+              <a:shade val="50000"/>
+            </a:schemeClr>
+          </a:lnRef>
+          <a:fillRef idx="1">
+            <a:schemeClr val="accent1"/>
+          </a:fillRef>
+          <a:effectRef idx="0">
+            <a:schemeClr val="accent1"/>
+          </a:effectRef>
+          <a:fontRef idx="minor">
+            <a:schemeClr val="lt1"/>
+          </a:fontRef>
+        </p:style>
+        <p:txBody>
+          <a:bodyPr rtlCol="0" anchor="ctr"/>
+          <a:lstStyle/>
+          <a:p>
+            <a:pPr algn="ctr"/>
+            <a:endParaRPr lang="en-IN"/>
           </a:p>
         </p:txBody>
       </p:sp>
@@ -4978,729 +5703,116 @@
       </p:grpSpPr>
       <p:sp>
         <p:nvSpPr>
-          <p:cNvPr id="2" name="Title 1">
-            <a:extLst>
-              <a:ext uri="{FF2B5EF4-FFF2-40B4-BE49-F238E27FC236}">
-                <a16:creationId xmlns="" xmlns:a16="http://schemas.microsoft.com/office/drawing/2014/main" id="{EED58399-4369-4D3E-AAB7-963C52082D46}"/>
-              </a:ext>
-            </a:extLst>
-          </p:cNvPr>
-          <p:cNvSpPr txBox="1">
-            <a:spLocks/>
+          <p:cNvPr id="2" name="Title 1"/>
+          <p:cNvSpPr>
+            <a:spLocks noGrp="1"/>
           </p:cNvSpPr>
-          <p:nvPr/>
+          <p:nvPr>
+            <p:ph type="title"/>
+          </p:nvPr>
         </p:nvSpPr>
         <p:spPr>
           <a:xfrm>
-            <a:off x="798481" y="624110"/>
-            <a:ext cx="6345288" cy="518874"/>
+            <a:off x="571472" y="571480"/>
+            <a:ext cx="1678554" cy="430887"/>
           </a:xfrm>
-          <a:prstGeom prst="rect">
-            <a:avLst/>
-          </a:prstGeom>
         </p:spPr>
         <p:txBody>
           <a:bodyPr/>
           <a:lstStyle/>
           <a:p>
-            <a:pPr marL="0" marR="0" lvl="0" indent="0" algn="ctr" defTabSz="914400" eaLnBrk="1" fontAlgn="auto" latinLnBrk="0" hangingPunct="1">
-              <a:lnSpc>
-                <a:spcPct val="100000"/>
-              </a:lnSpc>
-              <a:spcBef>
-                <a:spcPts val="0"/>
-              </a:spcBef>
-              <a:spcAft>
-                <a:spcPts val="0"/>
-              </a:spcAft>
-              <a:buClrTx/>
-              <a:buSzTx/>
-              <a:buFontTx/>
-              <a:buNone/>
-              <a:tabLst/>
-              <a:defRPr/>
-            </a:pPr>
-            <a:r>
-              <a:rPr kumimoji="0" lang="en-US" sz="2800" b="1" i="0" u="none" strike="noStrike" kern="0" cap="none" spc="0" normalizeH="0" baseline="0" noProof="0" dirty="0">
-                <a:ln>
-                  <a:noFill/>
-                </a:ln>
-                <a:solidFill>
-                  <a:sysClr val="windowText" lastClr="000000"/>
-                </a:solidFill>
-                <a:effectLst/>
-                <a:uLnTx/>
-                <a:uFillTx/>
-                <a:latin typeface="Times New Roman" pitchFamily="18" charset="0"/>
-                <a:ea typeface="+mj-ea"/>
-                <a:cs typeface="Times New Roman" pitchFamily="18" charset="0"/>
-              </a:rPr>
-              <a:t>Differences</a:t>
-            </a:r>
-            <a:endParaRPr kumimoji="0" lang="en-IN" sz="2800" b="1" i="0" u="none" strike="noStrike" kern="0" cap="none" spc="0" normalizeH="0" baseline="0" noProof="0" dirty="0">
-              <a:ln>
-                <a:noFill/>
-              </a:ln>
+            <a:r>
+              <a:rPr lang="en-US" b="0" dirty="0">
+                <a:solidFill>
+                  <a:schemeClr val="tx1"/>
+                </a:solidFill>
+              </a:rPr>
+              <a:t>Searching</a:t>
+            </a:r>
+            <a:endParaRPr lang="en-IN" b="0" dirty="0">
               <a:solidFill>
-                <a:sysClr val="windowText" lastClr="000000"/>
+                <a:schemeClr val="tx1"/>
               </a:solidFill>
-              <a:effectLst/>
-              <a:uLnTx/>
-              <a:uFillTx/>
-              <a:latin typeface="Times New Roman" pitchFamily="18" charset="0"/>
-              <a:ea typeface="+mj-ea"/>
-              <a:cs typeface="Times New Roman" pitchFamily="18" charset="0"/>
             </a:endParaRPr>
           </a:p>
         </p:txBody>
       </p:sp>
       <p:sp>
         <p:nvSpPr>
-          <p:cNvPr id="3" name="Text Placeholder 3">
-            <a:extLst>
-              <a:ext uri="{FF2B5EF4-FFF2-40B4-BE49-F238E27FC236}">
-                <a16:creationId xmlns="" xmlns:a16="http://schemas.microsoft.com/office/drawing/2014/main" id="{12A9BEAF-6493-47A6-9B62-9453380455EB}"/>
-              </a:ext>
-            </a:extLst>
-          </p:cNvPr>
-          <p:cNvSpPr txBox="1">
-            <a:spLocks/>
+          <p:cNvPr id="3" name="Text Placeholder 2"/>
+          <p:cNvSpPr>
+            <a:spLocks noGrp="1"/>
           </p:cNvSpPr>
-          <p:nvPr/>
+          <p:nvPr>
+            <p:ph type="body" idx="1"/>
+          </p:nvPr>
         </p:nvSpPr>
         <p:spPr>
           <a:xfrm>
-            <a:off x="635881" y="1812447"/>
-            <a:ext cx="3992732" cy="576262"/>
+            <a:off x="535939" y="1470405"/>
+            <a:ext cx="8072120" cy="1477328"/>
           </a:xfrm>
-          <a:prstGeom prst="rect">
-            <a:avLst/>
-          </a:prstGeom>
         </p:spPr>
         <p:txBody>
           <a:bodyPr/>
           <a:lstStyle/>
           <a:p>
-            <a:pPr marL="0" marR="0" lvl="0" indent="0" defTabSz="914400" eaLnBrk="1" fontAlgn="auto" latinLnBrk="0" hangingPunct="1">
-              <a:lnSpc>
-                <a:spcPct val="100000"/>
-              </a:lnSpc>
-              <a:spcBef>
-                <a:spcPts val="0"/>
-              </a:spcBef>
-              <a:spcAft>
-                <a:spcPts val="0"/>
-              </a:spcAft>
-              <a:buClrTx/>
-              <a:buSzTx/>
-              <a:buFontTx/>
-              <a:buNone/>
-              <a:tabLst/>
-              <a:defRPr/>
+            <a:pPr>
+              <a:buFont typeface="Arial" pitchFamily="34" charset="0"/>
+              <a:buChar char="•"/>
             </a:pPr>
             <a:r>
-              <a:rPr kumimoji="0" lang="en-US" sz="2400" b="0" i="0" u="none" strike="noStrike" kern="0" cap="none" spc="0" normalizeH="0" baseline="0" noProof="0" dirty="0">
-                <a:ln>
-                  <a:noFill/>
-                </a:ln>
-                <a:solidFill>
-                  <a:sysClr val="windowText" lastClr="000000"/>
-                </a:solidFill>
-                <a:effectLst/>
-                <a:uLnTx/>
-                <a:uFillTx/>
-                <a:latin typeface="Arial" pitchFamily="34" charset="0"/>
-                <a:cs typeface="Arial" pitchFamily="34" charset="0"/>
-              </a:rPr>
-              <a:t>Horn </a:t>
-            </a:r>
-            <a:r>
-              <a:rPr kumimoji="0" lang="en-US" sz="2400" b="0" i="0" u="none" strike="noStrike" kern="0" cap="none" spc="0" normalizeH="0" baseline="0" noProof="0" dirty="0" err="1">
-                <a:ln>
-                  <a:noFill/>
-                </a:ln>
-                <a:solidFill>
-                  <a:sysClr val="windowText" lastClr="000000"/>
-                </a:solidFill>
-                <a:effectLst/>
-                <a:uLnTx/>
-                <a:uFillTx/>
-                <a:latin typeface="Arial" pitchFamily="34" charset="0"/>
-                <a:cs typeface="Arial" pitchFamily="34" charset="0"/>
-              </a:rPr>
-              <a:t>Schunk</a:t>
-            </a:r>
-            <a:r>
-              <a:rPr kumimoji="0" lang="en-US" sz="2400" b="0" i="0" u="none" strike="noStrike" kern="0" cap="none" spc="0" normalizeH="0" baseline="0" noProof="0" dirty="0">
-                <a:ln>
-                  <a:noFill/>
-                </a:ln>
-                <a:solidFill>
-                  <a:sysClr val="windowText" lastClr="000000"/>
-                </a:solidFill>
-                <a:effectLst/>
-                <a:uLnTx/>
-                <a:uFillTx/>
-                <a:latin typeface="Arial" pitchFamily="34" charset="0"/>
-                <a:cs typeface="Arial" pitchFamily="34" charset="0"/>
-              </a:rPr>
-              <a:t> Algorithm</a:t>
-            </a:r>
-            <a:endParaRPr kumimoji="0" lang="en-IN" sz="2400" b="0" i="0" u="none" strike="noStrike" kern="0" cap="none" spc="0" normalizeH="0" baseline="0" noProof="0" dirty="0">
-              <a:ln>
-                <a:noFill/>
-              </a:ln>
-              <a:solidFill>
-                <a:sysClr val="windowText" lastClr="000000"/>
-              </a:solidFill>
-              <a:effectLst/>
-              <a:uLnTx/>
-              <a:uFillTx/>
-              <a:latin typeface="Arial" pitchFamily="34" charset="0"/>
-              <a:cs typeface="Arial" pitchFamily="34" charset="0"/>
-            </a:endParaRPr>
+              <a:rPr lang="en-US" dirty="0"/>
+              <a:t>Searching is dependent on which database we use in our project</a:t>
+            </a:r>
+          </a:p>
+          <a:p>
+            <a:pPr>
+              <a:buFont typeface="Arial" pitchFamily="34" charset="0"/>
+              <a:buChar char="•"/>
+            </a:pPr>
+            <a:r>
+              <a:rPr lang="en-US" dirty="0"/>
+              <a:t>Here we use </a:t>
+            </a:r>
+            <a:r>
+              <a:rPr lang="en-US" dirty="0" err="1"/>
+              <a:t>mysql</a:t>
+            </a:r>
+            <a:r>
+              <a:rPr lang="en-US" dirty="0"/>
+              <a:t> so there are two features of it for searching </a:t>
+            </a:r>
+          </a:p>
+          <a:p>
+            <a:pPr>
+              <a:buFont typeface="Arial" pitchFamily="34" charset="0"/>
+              <a:buChar char="•"/>
+            </a:pPr>
+            <a:r>
+              <a:rPr lang="en-US" dirty="0"/>
+              <a:t>Full-text search function.</a:t>
+            </a:r>
+          </a:p>
+          <a:p>
+            <a:pPr>
+              <a:buFont typeface="Arial" pitchFamily="34" charset="0"/>
+              <a:buChar char="•"/>
+            </a:pPr>
+            <a:r>
+              <a:rPr lang="en-US" dirty="0"/>
+              <a:t>SQL like operator</a:t>
+            </a:r>
+            <a:endParaRPr lang="en-IN" dirty="0"/>
           </a:p>
         </p:txBody>
       </p:sp>
       <p:sp>
         <p:nvSpPr>
-          <p:cNvPr id="4" name="Content Placeholder 2">
+          <p:cNvPr id="4" name="object 10">
             <a:extLst>
               <a:ext uri="{FF2B5EF4-FFF2-40B4-BE49-F238E27FC236}">
-                <a16:creationId xmlns="" xmlns:a16="http://schemas.microsoft.com/office/drawing/2014/main" id="{FC0B0AD4-A14E-4E96-A860-C31D96769FB4}"/>
-              </a:ext>
-            </a:extLst>
-          </p:cNvPr>
-          <p:cNvSpPr txBox="1">
-            <a:spLocks/>
-          </p:cNvSpPr>
-          <p:nvPr/>
-        </p:nvSpPr>
-        <p:spPr>
-          <a:xfrm>
-            <a:off x="285720" y="2388710"/>
-            <a:ext cx="4342893" cy="3354060"/>
-          </a:xfrm>
-          <a:prstGeom prst="rect">
-            <a:avLst/>
-          </a:prstGeom>
-        </p:spPr>
-        <p:txBody>
-          <a:bodyPr/>
-          <a:lstStyle/>
-          <a:p>
-            <a:pPr marL="0" marR="0" lvl="0" indent="0" defTabSz="914400" eaLnBrk="1" fontAlgn="auto" latinLnBrk="0" hangingPunct="1">
-              <a:lnSpc>
-                <a:spcPct val="100000"/>
-              </a:lnSpc>
-              <a:spcBef>
-                <a:spcPts val="0"/>
-              </a:spcBef>
-              <a:spcAft>
-                <a:spcPts val="0"/>
-              </a:spcAft>
-              <a:buClrTx/>
-              <a:buSzTx/>
-              <a:buFontTx/>
-              <a:buNone/>
-              <a:tabLst/>
-              <a:defRPr/>
-            </a:pPr>
-            <a:r>
-              <a:rPr kumimoji="0" lang="en-US" sz="1800" b="0" i="0" u="none" strike="noStrike" kern="0" cap="none" spc="0" normalizeH="0" baseline="0" noProof="0" dirty="0">
-                <a:ln>
-                  <a:noFill/>
-                </a:ln>
-                <a:solidFill>
-                  <a:sysClr val="windowText" lastClr="000000"/>
-                </a:solidFill>
-                <a:effectLst/>
-                <a:uLnTx/>
-                <a:uFillTx/>
-                <a:latin typeface="+mn-lt"/>
-                <a:ea typeface="+mn-ea"/>
-                <a:cs typeface="+mn-cs"/>
-              </a:rPr>
-              <a:t>Horn </a:t>
-            </a:r>
-            <a:r>
-              <a:rPr kumimoji="0" lang="en-US" sz="1800" b="0" i="0" u="none" strike="noStrike" kern="0" cap="none" spc="0" normalizeH="0" baseline="0" noProof="0" dirty="0" err="1">
-                <a:ln>
-                  <a:noFill/>
-                </a:ln>
-                <a:solidFill>
-                  <a:sysClr val="windowText" lastClr="000000"/>
-                </a:solidFill>
-                <a:effectLst/>
-                <a:uLnTx/>
-                <a:uFillTx/>
-                <a:latin typeface="+mn-lt"/>
-                <a:ea typeface="+mn-ea"/>
-                <a:cs typeface="+mn-cs"/>
-              </a:rPr>
-              <a:t>Schunk</a:t>
-            </a:r>
-            <a:r>
-              <a:rPr kumimoji="0" lang="en-US" sz="1800" b="0" i="0" u="none" strike="noStrike" kern="0" cap="none" spc="0" normalizeH="0" baseline="0" noProof="0" dirty="0">
-                <a:ln>
-                  <a:noFill/>
-                </a:ln>
-                <a:solidFill>
-                  <a:sysClr val="windowText" lastClr="000000"/>
-                </a:solidFill>
-                <a:effectLst/>
-                <a:uLnTx/>
-                <a:uFillTx/>
-                <a:latin typeface="+mn-lt"/>
-                <a:ea typeface="+mn-ea"/>
-                <a:cs typeface="+mn-cs"/>
-              </a:rPr>
-              <a:t> algorithm takes more computation time</a:t>
-            </a:r>
-          </a:p>
-          <a:p>
-            <a:pPr marL="0" marR="0" lvl="0" indent="0" defTabSz="914400" eaLnBrk="1" fontAlgn="auto" latinLnBrk="0" hangingPunct="1">
-              <a:lnSpc>
-                <a:spcPct val="100000"/>
-              </a:lnSpc>
-              <a:spcBef>
-                <a:spcPts val="0"/>
-              </a:spcBef>
-              <a:spcAft>
-                <a:spcPts val="0"/>
-              </a:spcAft>
-              <a:buClrTx/>
-              <a:buSzTx/>
-              <a:buFontTx/>
-              <a:buNone/>
-              <a:tabLst/>
-              <a:defRPr/>
-            </a:pPr>
-            <a:r>
-              <a:rPr kumimoji="0" lang="en-US" sz="1800" b="0" i="0" u="none" strike="noStrike" kern="0" cap="none" spc="0" normalizeH="0" baseline="0" noProof="0" dirty="0">
-                <a:ln>
-                  <a:noFill/>
-                </a:ln>
-                <a:solidFill>
-                  <a:sysClr val="windowText" lastClr="000000"/>
-                </a:solidFill>
-                <a:effectLst/>
-                <a:uLnTx/>
-                <a:uFillTx/>
-                <a:latin typeface="+mn-lt"/>
-                <a:ea typeface="+mn-ea"/>
-                <a:cs typeface="+mn-cs"/>
-              </a:rPr>
-              <a:t>Mathematically complex</a:t>
-            </a:r>
-          </a:p>
-          <a:p>
-            <a:pPr marL="0" marR="0" lvl="0" indent="0" defTabSz="914400" eaLnBrk="1" fontAlgn="auto" latinLnBrk="0" hangingPunct="1">
-              <a:lnSpc>
-                <a:spcPct val="100000"/>
-              </a:lnSpc>
-              <a:spcBef>
-                <a:spcPts val="0"/>
-              </a:spcBef>
-              <a:spcAft>
-                <a:spcPts val="0"/>
-              </a:spcAft>
-              <a:buClrTx/>
-              <a:buSzTx/>
-              <a:buFontTx/>
-              <a:buNone/>
-              <a:tabLst/>
-              <a:defRPr/>
-            </a:pPr>
-            <a:r>
-              <a:rPr kumimoji="0" lang="en-US" sz="1800" b="0" i="0" u="none" strike="noStrike" kern="0" cap="none" spc="0" normalizeH="0" baseline="0" noProof="0" dirty="0">
-                <a:ln>
-                  <a:noFill/>
-                </a:ln>
-                <a:solidFill>
-                  <a:sysClr val="windowText" lastClr="000000"/>
-                </a:solidFill>
-                <a:effectLst/>
-                <a:uLnTx/>
-                <a:uFillTx/>
-                <a:latin typeface="+mn-lt"/>
-                <a:ea typeface="+mn-ea"/>
-                <a:cs typeface="+mn-cs"/>
-              </a:rPr>
-              <a:t>Optimize the function based on residuals from the brightness constancy</a:t>
-            </a:r>
-          </a:p>
-          <a:p>
-            <a:pPr marL="0" marR="0" lvl="0" indent="0" defTabSz="914400" eaLnBrk="1" fontAlgn="auto" latinLnBrk="0" hangingPunct="1">
-              <a:lnSpc>
-                <a:spcPct val="100000"/>
-              </a:lnSpc>
-              <a:spcBef>
-                <a:spcPts val="0"/>
-              </a:spcBef>
-              <a:spcAft>
-                <a:spcPts val="0"/>
-              </a:spcAft>
-              <a:buClrTx/>
-              <a:buSzTx/>
-              <a:buFontTx/>
-              <a:buNone/>
-              <a:tabLst/>
-              <a:defRPr/>
-            </a:pPr>
-            <a:r>
-              <a:rPr kumimoji="0" lang="en-US" sz="1800" b="0" i="0" u="none" strike="noStrike" kern="0" cap="none" spc="0" normalizeH="0" baseline="0" noProof="0" dirty="0">
-                <a:ln>
-                  <a:noFill/>
-                </a:ln>
-                <a:solidFill>
-                  <a:sysClr val="windowText" lastClr="000000"/>
-                </a:solidFill>
-                <a:effectLst/>
-                <a:uLnTx/>
-                <a:uFillTx/>
-                <a:latin typeface="+mn-lt"/>
-                <a:ea typeface="+mn-ea"/>
-                <a:cs typeface="+mn-cs"/>
-              </a:rPr>
-              <a:t>It uses gradient constraints equations using global smoothness constraints.</a:t>
-            </a:r>
-            <a:endParaRPr kumimoji="0" lang="en-IN" sz="1800" b="0" i="0" u="none" strike="noStrike" kern="0" cap="none" spc="0" normalizeH="0" baseline="0" noProof="0" dirty="0">
-              <a:ln>
-                <a:noFill/>
-              </a:ln>
-              <a:solidFill>
-                <a:sysClr val="windowText" lastClr="000000"/>
-              </a:solidFill>
-              <a:effectLst/>
-              <a:uLnTx/>
-              <a:uFillTx/>
-              <a:latin typeface="+mn-lt"/>
-              <a:ea typeface="+mn-ea"/>
-              <a:cs typeface="+mn-cs"/>
-            </a:endParaRPr>
-          </a:p>
-        </p:txBody>
-      </p:sp>
-      <p:sp>
-        <p:nvSpPr>
-          <p:cNvPr id="5" name="Text Placeholder 4">
-            <a:extLst>
-              <a:ext uri="{FF2B5EF4-FFF2-40B4-BE49-F238E27FC236}">
-                <a16:creationId xmlns="" xmlns:a16="http://schemas.microsoft.com/office/drawing/2014/main" id="{257DB18A-C533-479F-8A56-27C092526D61}"/>
-              </a:ext>
-            </a:extLst>
-          </p:cNvPr>
-          <p:cNvSpPr txBox="1">
-            <a:spLocks/>
-          </p:cNvSpPr>
-          <p:nvPr/>
-        </p:nvSpPr>
-        <p:spPr>
-          <a:xfrm>
-            <a:off x="5203137" y="1809219"/>
-            <a:ext cx="3999001" cy="576262"/>
-          </a:xfrm>
-          <a:prstGeom prst="rect">
-            <a:avLst/>
-          </a:prstGeom>
-        </p:spPr>
-        <p:txBody>
-          <a:bodyPr/>
-          <a:lstStyle/>
-          <a:p>
-            <a:pPr marL="0" marR="0" lvl="0" indent="0" defTabSz="914400" eaLnBrk="1" fontAlgn="auto" latinLnBrk="0" hangingPunct="1">
-              <a:lnSpc>
-                <a:spcPct val="100000"/>
-              </a:lnSpc>
-              <a:spcBef>
-                <a:spcPts val="0"/>
-              </a:spcBef>
-              <a:spcAft>
-                <a:spcPts val="0"/>
-              </a:spcAft>
-              <a:buClrTx/>
-              <a:buSzTx/>
-              <a:buFontTx/>
-              <a:buNone/>
-              <a:tabLst/>
-              <a:defRPr/>
-            </a:pPr>
-            <a:r>
-              <a:rPr kumimoji="0" lang="en-US" sz="2400" b="0" i="0" u="none" strike="noStrike" kern="0" cap="none" spc="0" normalizeH="0" baseline="0" noProof="0" dirty="0">
-                <a:ln>
-                  <a:noFill/>
-                </a:ln>
-                <a:solidFill>
-                  <a:sysClr val="windowText" lastClr="000000"/>
-                </a:solidFill>
-                <a:effectLst/>
-                <a:uLnTx/>
-                <a:uFillTx/>
-                <a:latin typeface="Arial" pitchFamily="34" charset="0"/>
-                <a:cs typeface="Arial" pitchFamily="34" charset="0"/>
-              </a:rPr>
-              <a:t>Lucas </a:t>
-            </a:r>
-            <a:r>
-              <a:rPr kumimoji="0" lang="en-US" sz="2400" b="0" i="0" u="none" strike="noStrike" kern="0" cap="none" spc="0" normalizeH="0" baseline="0" noProof="0" dirty="0" err="1">
-                <a:ln>
-                  <a:noFill/>
-                </a:ln>
-                <a:solidFill>
-                  <a:sysClr val="windowText" lastClr="000000"/>
-                </a:solidFill>
-                <a:effectLst/>
-                <a:uLnTx/>
-                <a:uFillTx/>
-                <a:latin typeface="Arial" pitchFamily="34" charset="0"/>
-                <a:cs typeface="Arial" pitchFamily="34" charset="0"/>
-              </a:rPr>
-              <a:t>kanade</a:t>
-            </a:r>
-            <a:r>
-              <a:rPr kumimoji="0" lang="en-US" sz="2400" b="0" i="0" u="none" strike="noStrike" kern="0" cap="none" spc="0" normalizeH="0" baseline="0" noProof="0" dirty="0">
-                <a:ln>
-                  <a:noFill/>
-                </a:ln>
-                <a:solidFill>
-                  <a:sysClr val="windowText" lastClr="000000"/>
-                </a:solidFill>
-                <a:effectLst/>
-                <a:uLnTx/>
-                <a:uFillTx/>
-                <a:latin typeface="Arial" pitchFamily="34" charset="0"/>
-                <a:cs typeface="Arial" pitchFamily="34" charset="0"/>
-              </a:rPr>
-              <a:t> Algorithm</a:t>
-            </a:r>
-            <a:endParaRPr kumimoji="0" lang="en-IN" sz="2400" b="0" i="0" u="none" strike="noStrike" kern="0" cap="none" spc="0" normalizeH="0" baseline="0" noProof="0" dirty="0">
-              <a:ln>
-                <a:noFill/>
-              </a:ln>
-              <a:solidFill>
-                <a:sysClr val="windowText" lastClr="000000"/>
-              </a:solidFill>
-              <a:effectLst/>
-              <a:uLnTx/>
-              <a:uFillTx/>
-              <a:latin typeface="Arial" pitchFamily="34" charset="0"/>
-              <a:cs typeface="Arial" pitchFamily="34" charset="0"/>
-            </a:endParaRPr>
-          </a:p>
-        </p:txBody>
-      </p:sp>
-      <p:sp>
-        <p:nvSpPr>
-          <p:cNvPr id="6" name="Content Placeholder 5">
-            <a:extLst>
-              <a:ext uri="{FF2B5EF4-FFF2-40B4-BE49-F238E27FC236}">
-                <a16:creationId xmlns="" xmlns:a16="http://schemas.microsoft.com/office/drawing/2014/main" id="{3FB1056D-0D4A-4824-8A08-19451A111827}"/>
-              </a:ext>
-            </a:extLst>
-          </p:cNvPr>
-          <p:cNvSpPr txBox="1">
-            <a:spLocks/>
-          </p:cNvSpPr>
-          <p:nvPr/>
-        </p:nvSpPr>
-        <p:spPr>
-          <a:xfrm>
-            <a:off x="4863465" y="2385482"/>
-            <a:ext cx="4338674" cy="3354060"/>
-          </a:xfrm>
-          <a:prstGeom prst="rect">
-            <a:avLst/>
-          </a:prstGeom>
-        </p:spPr>
-        <p:txBody>
-          <a:bodyPr/>
-          <a:lstStyle/>
-          <a:p>
-            <a:pPr marL="0" marR="0" lvl="0" indent="0" defTabSz="914400" eaLnBrk="1" fontAlgn="auto" latinLnBrk="0" hangingPunct="1">
-              <a:lnSpc>
-                <a:spcPct val="100000"/>
-              </a:lnSpc>
-              <a:spcBef>
-                <a:spcPts val="0"/>
-              </a:spcBef>
-              <a:spcAft>
-                <a:spcPts val="0"/>
-              </a:spcAft>
-              <a:buClrTx/>
-              <a:buSzTx/>
-              <a:buFontTx/>
-              <a:buNone/>
-              <a:tabLst/>
-              <a:defRPr/>
-            </a:pPr>
-            <a:r>
-              <a:rPr kumimoji="0" lang="en-US" sz="1800" b="0" i="0" u="none" strike="noStrike" kern="0" cap="none" spc="0" normalizeH="0" baseline="0" noProof="0" dirty="0">
-                <a:ln>
-                  <a:noFill/>
-                </a:ln>
-                <a:solidFill>
-                  <a:sysClr val="windowText" lastClr="000000"/>
-                </a:solidFill>
-                <a:effectLst/>
-                <a:uLnTx/>
-                <a:uFillTx/>
-                <a:latin typeface="+mn-lt"/>
-                <a:ea typeface="+mn-ea"/>
-                <a:cs typeface="+mn-cs"/>
-              </a:rPr>
-              <a:t>It takes less computational time than horn-Schunk algorithm.</a:t>
-            </a:r>
-          </a:p>
-          <a:p>
-            <a:pPr marL="0" marR="0" lvl="0" indent="0" defTabSz="914400" eaLnBrk="1" fontAlgn="auto" latinLnBrk="0" hangingPunct="1">
-              <a:lnSpc>
-                <a:spcPct val="100000"/>
-              </a:lnSpc>
-              <a:spcBef>
-                <a:spcPts val="0"/>
-              </a:spcBef>
-              <a:spcAft>
-                <a:spcPts val="0"/>
-              </a:spcAft>
-              <a:buClrTx/>
-              <a:buSzTx/>
-              <a:buFontTx/>
-              <a:buNone/>
-              <a:tabLst/>
-              <a:defRPr/>
-            </a:pPr>
-            <a:r>
-              <a:rPr kumimoji="0" lang="en-US" sz="1800" b="0" i="0" u="none" strike="noStrike" kern="0" cap="none" spc="0" normalizeH="0" baseline="0" noProof="0" dirty="0">
-                <a:ln>
-                  <a:noFill/>
-                </a:ln>
-                <a:solidFill>
-                  <a:sysClr val="windowText" lastClr="000000"/>
-                </a:solidFill>
-                <a:effectLst/>
-                <a:uLnTx/>
-                <a:uFillTx/>
-                <a:latin typeface="+mn-lt"/>
-                <a:ea typeface="+mn-ea"/>
-                <a:cs typeface="+mn-cs"/>
-              </a:rPr>
-              <a:t>Uses image patches and windowing methods</a:t>
-            </a:r>
-          </a:p>
-          <a:p>
-            <a:pPr marL="0" marR="0" lvl="0" indent="0" defTabSz="914400" eaLnBrk="1" fontAlgn="auto" latinLnBrk="0" hangingPunct="1">
-              <a:lnSpc>
-                <a:spcPct val="100000"/>
-              </a:lnSpc>
-              <a:spcBef>
-                <a:spcPts val="0"/>
-              </a:spcBef>
-              <a:spcAft>
-                <a:spcPts val="0"/>
-              </a:spcAft>
-              <a:buClrTx/>
-              <a:buSzTx/>
-              <a:buFontTx/>
-              <a:buNone/>
-              <a:tabLst/>
-              <a:defRPr/>
-            </a:pPr>
-            <a:r>
-              <a:rPr kumimoji="0" lang="en-US" sz="1800" b="0" i="0" u="none" strike="noStrike" kern="0" cap="none" spc="0" normalizeH="0" baseline="0" noProof="0" dirty="0">
-                <a:ln>
-                  <a:noFill/>
-                </a:ln>
-                <a:solidFill>
-                  <a:sysClr val="windowText" lastClr="000000"/>
-                </a:solidFill>
-                <a:effectLst/>
-                <a:uLnTx/>
-                <a:uFillTx/>
-                <a:latin typeface="+mn-lt"/>
-                <a:ea typeface="+mn-ea"/>
-                <a:cs typeface="+mn-cs"/>
-              </a:rPr>
-              <a:t>Using least square methods</a:t>
-            </a:r>
-          </a:p>
-          <a:p>
-            <a:pPr marL="0" marR="0" lvl="0" indent="0" defTabSz="914400" eaLnBrk="1" fontAlgn="auto" latinLnBrk="0" hangingPunct="1">
-              <a:lnSpc>
-                <a:spcPct val="100000"/>
-              </a:lnSpc>
-              <a:spcBef>
-                <a:spcPts val="0"/>
-              </a:spcBef>
-              <a:spcAft>
-                <a:spcPts val="0"/>
-              </a:spcAft>
-              <a:buClrTx/>
-              <a:buSzTx/>
-              <a:buFontTx/>
-              <a:buNone/>
-              <a:tabLst/>
-              <a:defRPr/>
-            </a:pPr>
-            <a:r>
-              <a:rPr kumimoji="0" lang="en-US" sz="1800" b="0" i="0" u="none" strike="noStrike" kern="0" cap="none" spc="0" normalizeH="0" baseline="0" noProof="0" dirty="0">
-                <a:ln>
-                  <a:noFill/>
-                </a:ln>
-                <a:solidFill>
-                  <a:sysClr val="windowText" lastClr="000000"/>
-                </a:solidFill>
-                <a:effectLst/>
-                <a:uLnTx/>
-                <a:uFillTx/>
-                <a:latin typeface="+mn-lt"/>
-                <a:ea typeface="+mn-ea"/>
-                <a:cs typeface="+mn-cs"/>
-              </a:rPr>
-              <a:t>Improves the signal strength &amp; reduces noise giving more accurate &amp; relative speed results.</a:t>
-            </a:r>
-          </a:p>
-          <a:p>
-            <a:pPr marL="0" marR="0" lvl="0" indent="0" defTabSz="914400" eaLnBrk="1" fontAlgn="auto" latinLnBrk="0" hangingPunct="1">
-              <a:lnSpc>
-                <a:spcPct val="100000"/>
-              </a:lnSpc>
-              <a:spcBef>
-                <a:spcPts val="0"/>
-              </a:spcBef>
-              <a:spcAft>
-                <a:spcPts val="0"/>
-              </a:spcAft>
-              <a:buClrTx/>
-              <a:buSzTx/>
-              <a:buFontTx/>
-              <a:buNone/>
-              <a:tabLst/>
-              <a:defRPr/>
-            </a:pPr>
-            <a:endParaRPr kumimoji="0" lang="en-IN" sz="1800" b="0" i="0" u="none" strike="noStrike" kern="0" cap="none" spc="0" normalizeH="0" baseline="0" noProof="0" dirty="0">
-              <a:ln>
-                <a:noFill/>
-              </a:ln>
-              <a:solidFill>
-                <a:sysClr val="windowText" lastClr="000000"/>
-              </a:solidFill>
-              <a:effectLst/>
-              <a:uLnTx/>
-              <a:uFillTx/>
-              <a:latin typeface="+mn-lt"/>
-              <a:ea typeface="+mn-ea"/>
-              <a:cs typeface="+mn-cs"/>
-            </a:endParaRPr>
-          </a:p>
-        </p:txBody>
-      </p:sp>
-      <p:sp>
-        <p:nvSpPr>
-          <p:cNvPr id="7" name="object 10">
-            <a:extLst>
-              <a:ext uri="{FF2B5EF4-FFF2-40B4-BE49-F238E27FC236}">
-                <a16:creationId xmlns="" xmlns:a16="http://schemas.microsoft.com/office/drawing/2014/main" id="{0D82F885-F933-4071-BB99-A0BB3BD95A9F}"/>
+                <a16:creationId xmlns:a16="http://schemas.microsoft.com/office/drawing/2014/main" xmlns="" id="{0B0063F2-753A-472C-B464-8369AC69733B}"/>
               </a:ext>
             </a:extLst>
           </p:cNvPr>
@@ -5709,8 +5821,8 @@
         </p:nvSpPr>
         <p:spPr>
           <a:xfrm>
-            <a:off x="8244408" y="4437112"/>
-            <a:ext cx="899973" cy="2421062"/>
+            <a:off x="8244408" y="4293096"/>
+            <a:ext cx="899973" cy="2565078"/>
           </a:xfrm>
           <a:custGeom>
             <a:avLst/>
@@ -5749,190 +5861,6 @@
           <a:lstStyle/>
           <a:p>
             <a:endParaRPr dirty="0"/>
-          </a:p>
-        </p:txBody>
-      </p:sp>
-      <p:sp>
-        <p:nvSpPr>
-          <p:cNvPr id="8" name="Rectangle 7"/>
-          <p:cNvSpPr/>
-          <p:nvPr/>
-        </p:nvSpPr>
-        <p:spPr>
-          <a:xfrm>
-            <a:off x="285720" y="1643050"/>
-            <a:ext cx="4429156" cy="3500462"/>
-          </a:xfrm>
-          <a:prstGeom prst="rect">
-            <a:avLst/>
-          </a:prstGeom>
-          <a:noFill/>
-          <a:ln>
-            <a:solidFill>
-              <a:schemeClr val="tx1"/>
-            </a:solidFill>
-          </a:ln>
-        </p:spPr>
-        <p:style>
-          <a:lnRef idx="2">
-            <a:schemeClr val="accent1">
-              <a:shade val="50000"/>
-            </a:schemeClr>
-          </a:lnRef>
-          <a:fillRef idx="1">
-            <a:schemeClr val="accent1"/>
-          </a:fillRef>
-          <a:effectRef idx="0">
-            <a:schemeClr val="accent1"/>
-          </a:effectRef>
-          <a:fontRef idx="minor">
-            <a:schemeClr val="lt1"/>
-          </a:fontRef>
-        </p:style>
-        <p:txBody>
-          <a:bodyPr rtlCol="0" anchor="ctr"/>
-          <a:lstStyle/>
-          <a:p>
-            <a:pPr algn="ctr"/>
-            <a:endParaRPr lang="en-IN"/>
-          </a:p>
-        </p:txBody>
-      </p:sp>
-      <p:sp>
-        <p:nvSpPr>
-          <p:cNvPr id="9" name="Rectangle 8"/>
-          <p:cNvSpPr/>
-          <p:nvPr/>
-        </p:nvSpPr>
-        <p:spPr>
-          <a:xfrm>
-            <a:off x="4714876" y="1643050"/>
-            <a:ext cx="4429156" cy="3500462"/>
-          </a:xfrm>
-          <a:prstGeom prst="rect">
-            <a:avLst/>
-          </a:prstGeom>
-          <a:noFill/>
-          <a:ln>
-            <a:solidFill>
-              <a:schemeClr val="tx1"/>
-            </a:solidFill>
-          </a:ln>
-        </p:spPr>
-        <p:style>
-          <a:lnRef idx="2">
-            <a:schemeClr val="accent1">
-              <a:shade val="50000"/>
-            </a:schemeClr>
-          </a:lnRef>
-          <a:fillRef idx="1">
-            <a:schemeClr val="accent1"/>
-          </a:fillRef>
-          <a:effectRef idx="0">
-            <a:schemeClr val="accent1"/>
-          </a:effectRef>
-          <a:fontRef idx="minor">
-            <a:schemeClr val="lt1"/>
-          </a:fontRef>
-        </p:style>
-        <p:txBody>
-          <a:bodyPr rtlCol="0" anchor="ctr"/>
-          <a:lstStyle/>
-          <a:p>
-            <a:pPr algn="ctr"/>
-            <a:endParaRPr lang="en-IN"/>
-          </a:p>
-        </p:txBody>
-      </p:sp>
-      <p:sp>
-        <p:nvSpPr>
-          <p:cNvPr id="10" name="Rectangle 9"/>
-          <p:cNvSpPr/>
-          <p:nvPr/>
-        </p:nvSpPr>
-        <p:spPr>
-          <a:xfrm>
-            <a:off x="285720" y="1643050"/>
-            <a:ext cx="4429156" cy="642942"/>
-          </a:xfrm>
-          <a:prstGeom prst="rect">
-            <a:avLst/>
-          </a:prstGeom>
-          <a:noFill/>
-          <a:ln>
-            <a:solidFill>
-              <a:schemeClr val="tx1"/>
-            </a:solidFill>
-          </a:ln>
-        </p:spPr>
-        <p:style>
-          <a:lnRef idx="2">
-            <a:schemeClr val="accent1">
-              <a:shade val="50000"/>
-            </a:schemeClr>
-          </a:lnRef>
-          <a:fillRef idx="1">
-            <a:schemeClr val="accent1"/>
-          </a:fillRef>
-          <a:effectRef idx="0">
-            <a:schemeClr val="accent1"/>
-          </a:effectRef>
-          <a:fontRef idx="minor">
-            <a:schemeClr val="lt1"/>
-          </a:fontRef>
-        </p:style>
-        <p:txBody>
-          <a:bodyPr rtlCol="0" anchor="ctr"/>
-          <a:lstStyle/>
-          <a:p>
-            <a:pPr algn="ctr"/>
-            <a:endParaRPr lang="en-IN"/>
-          </a:p>
-        </p:txBody>
-      </p:sp>
-      <p:sp>
-        <p:nvSpPr>
-          <p:cNvPr id="11" name="Rectangle 10"/>
-          <p:cNvSpPr/>
-          <p:nvPr/>
-        </p:nvSpPr>
-        <p:spPr>
-          <a:xfrm>
-            <a:off x="4714876" y="1643050"/>
-            <a:ext cx="4429156" cy="642942"/>
-          </a:xfrm>
-          <a:prstGeom prst="rect">
-            <a:avLst/>
-          </a:prstGeom>
-          <a:noFill/>
-          <a:ln>
-            <a:solidFill>
-              <a:schemeClr val="tx1"/>
-            </a:solidFill>
-          </a:ln>
-        </p:spPr>
-        <p:style>
-          <a:lnRef idx="2">
-            <a:schemeClr val="accent1">
-              <a:shade val="50000"/>
-            </a:schemeClr>
-          </a:lnRef>
-          <a:fillRef idx="1">
-            <a:schemeClr val="accent1"/>
-          </a:fillRef>
-          <a:effectRef idx="0">
-            <a:schemeClr val="accent1"/>
-          </a:effectRef>
-          <a:fontRef idx="minor">
-            <a:schemeClr val="lt1"/>
-          </a:fontRef>
-        </p:style>
-        <p:txBody>
-          <a:bodyPr rtlCol="0" anchor="ctr"/>
-          <a:lstStyle/>
-          <a:p>
-            <a:pPr algn="ctr"/>
-            <a:endParaRPr lang="en-IN"/>
           </a:p>
         </p:txBody>
       </p:sp>
@@ -6004,116 +5932,443 @@
       </p:grpSpPr>
       <p:sp>
         <p:nvSpPr>
-          <p:cNvPr id="2" name="Title 1"/>
-          <p:cNvSpPr>
-            <a:spLocks noGrp="1"/>
-          </p:cNvSpPr>
-          <p:nvPr>
-            <p:ph type="title"/>
-          </p:nvPr>
+          <p:cNvPr id="2" name="object 2"/>
+          <p:cNvSpPr txBox="1"/>
+          <p:nvPr/>
         </p:nvSpPr>
         <p:spPr>
           <a:xfrm>
-            <a:off x="571472" y="571480"/>
-            <a:ext cx="1678554" cy="430887"/>
+            <a:off x="928662" y="1414256"/>
+            <a:ext cx="7358114" cy="4458272"/>
           </a:xfrm>
+          <a:prstGeom prst="rect">
+            <a:avLst/>
+          </a:prstGeom>
         </p:spPr>
         <p:txBody>
-          <a:bodyPr/>
+          <a:bodyPr vert="horz" wrap="square" lIns="0" tIns="13335" rIns="0" bIns="0" rtlCol="0">
+            <a:spAutoFit/>
+          </a:bodyPr>
           <a:lstStyle/>
           <a:p>
-            <a:r>
-              <a:rPr lang="en-US" b="0" dirty="0">
-                <a:solidFill>
-                  <a:schemeClr val="tx1"/>
-                </a:solidFill>
-              </a:rPr>
-              <a:t>Searching</a:t>
-            </a:r>
-            <a:endParaRPr lang="en-IN" b="0" dirty="0">
+            <a:pPr marL="355600" marR="5080" indent="-342900">
+              <a:lnSpc>
+                <a:spcPct val="150000"/>
+              </a:lnSpc>
+              <a:spcBef>
+                <a:spcPts val="105"/>
+              </a:spcBef>
+              <a:buClr>
+                <a:srgbClr val="90C225"/>
+              </a:buClr>
+              <a:buSzPct val="79166"/>
+              <a:buFont typeface="Arial"/>
+              <a:buChar char="•"/>
+              <a:tabLst>
+                <a:tab pos="354965" algn="l"/>
+                <a:tab pos="355600" algn="l"/>
+              </a:tabLst>
+            </a:pPr>
+            <a:r>
+              <a:rPr lang="en-IN" sz="2400" b="1" dirty="0">
+                <a:solidFill>
+                  <a:srgbClr val="404040"/>
+                </a:solidFill>
+                <a:latin typeface="Times New Roman"/>
+                <a:cs typeface="Times New Roman"/>
+              </a:rPr>
+              <a:t>Camera </a:t>
+            </a:r>
+            <a:r>
+              <a:rPr lang="en-IN" sz="2400" dirty="0">
+                <a:solidFill>
+                  <a:srgbClr val="404040"/>
+                </a:solidFill>
+                <a:latin typeface="Times New Roman"/>
+                <a:cs typeface="Times New Roman"/>
+              </a:rPr>
+              <a:t>- That take the </a:t>
+            </a:r>
+            <a:r>
+              <a:rPr lang="en-IN" sz="2400" spc="-5" dirty="0">
+                <a:solidFill>
+                  <a:srgbClr val="404040"/>
+                </a:solidFill>
+                <a:latin typeface="Times New Roman"/>
+                <a:cs typeface="Times New Roman"/>
+              </a:rPr>
+              <a:t>images </a:t>
+            </a:r>
+            <a:r>
+              <a:rPr lang="en-IN" sz="2400" dirty="0">
+                <a:solidFill>
+                  <a:srgbClr val="404040"/>
+                </a:solidFill>
+                <a:latin typeface="Times New Roman"/>
+                <a:cs typeface="Times New Roman"/>
+              </a:rPr>
+              <a:t>of the </a:t>
+            </a:r>
+            <a:r>
+              <a:rPr lang="en-IN" sz="2400" dirty="0" smtClean="0">
+                <a:solidFill>
+                  <a:srgbClr val="404040"/>
+                </a:solidFill>
+                <a:latin typeface="Times New Roman"/>
+                <a:cs typeface="Times New Roman"/>
+              </a:rPr>
+              <a:t>vehicles </a:t>
+            </a:r>
+            <a:r>
+              <a:rPr lang="en-IN" sz="2400" dirty="0">
+                <a:solidFill>
+                  <a:srgbClr val="404040"/>
+                </a:solidFill>
+                <a:latin typeface="Times New Roman"/>
+                <a:cs typeface="Times New Roman"/>
+              </a:rPr>
+              <a:t>(front or</a:t>
+            </a:r>
+            <a:r>
+              <a:rPr lang="en-IN" sz="2400" spc="-150" dirty="0">
+                <a:solidFill>
+                  <a:srgbClr val="404040"/>
+                </a:solidFill>
+                <a:latin typeface="Times New Roman"/>
+                <a:cs typeface="Times New Roman"/>
+              </a:rPr>
+              <a:t> </a:t>
+            </a:r>
+            <a:r>
+              <a:rPr lang="en-IN" sz="2400" dirty="0">
+                <a:solidFill>
+                  <a:srgbClr val="404040"/>
+                </a:solidFill>
+                <a:latin typeface="Times New Roman"/>
+                <a:cs typeface="Times New Roman"/>
+              </a:rPr>
+              <a:t>rear  side</a:t>
+            </a:r>
+            <a:r>
+              <a:rPr lang="en-IN" sz="2400" dirty="0" smtClean="0">
+                <a:solidFill>
+                  <a:srgbClr val="404040"/>
+                </a:solidFill>
+                <a:latin typeface="Times New Roman"/>
+                <a:cs typeface="Times New Roman"/>
+              </a:rPr>
+              <a:t>). We use the CCTV cameras which will be located at circles or any other places.</a:t>
+            </a:r>
+            <a:endParaRPr lang="en-US" sz="2400" b="1" spc="-5" dirty="0">
               <a:solidFill>
-                <a:schemeClr val="tx1"/>
+                <a:srgbClr val="404040"/>
               </a:solidFill>
+              <a:latin typeface="Times New Roman"/>
+              <a:cs typeface="Times New Roman"/>
+            </a:endParaRPr>
+          </a:p>
+          <a:p>
+            <a:pPr marL="355600" marR="5080" indent="-342900">
+              <a:lnSpc>
+                <a:spcPct val="150000"/>
+              </a:lnSpc>
+              <a:spcBef>
+                <a:spcPts val="105"/>
+              </a:spcBef>
+              <a:buClr>
+                <a:srgbClr val="90C225"/>
+              </a:buClr>
+              <a:buSzPct val="79166"/>
+              <a:buFont typeface="Arial"/>
+              <a:buChar char="•"/>
+              <a:tabLst>
+                <a:tab pos="354965" algn="l"/>
+                <a:tab pos="355600" algn="l"/>
+              </a:tabLst>
+            </a:pPr>
+            <a:r>
+              <a:rPr sz="2400" b="1" spc="-5">
+                <a:solidFill>
+                  <a:srgbClr val="404040"/>
+                </a:solidFill>
+                <a:latin typeface="Times New Roman"/>
+                <a:cs typeface="Times New Roman"/>
+              </a:rPr>
+              <a:t>Computer </a:t>
+            </a:r>
+            <a:r>
+              <a:rPr lang="en-US" sz="2400" b="1" spc="-5" dirty="0" smtClean="0">
+                <a:solidFill>
+                  <a:srgbClr val="404040"/>
+                </a:solidFill>
+                <a:latin typeface="Times New Roman"/>
+                <a:cs typeface="Times New Roman"/>
+              </a:rPr>
+              <a:t>&amp; Software </a:t>
+            </a:r>
+            <a:r>
+              <a:rPr sz="2400" smtClean="0">
+                <a:solidFill>
+                  <a:srgbClr val="404040"/>
+                </a:solidFill>
+                <a:latin typeface="Times New Roman"/>
+                <a:cs typeface="Times New Roman"/>
+              </a:rPr>
+              <a:t>- </a:t>
+            </a:r>
+            <a:r>
+              <a:rPr lang="en-US" sz="2400" spc="-5" dirty="0">
+                <a:solidFill>
+                  <a:srgbClr val="404040"/>
+                </a:solidFill>
+                <a:latin typeface="Times New Roman"/>
+                <a:cs typeface="Times New Roman"/>
+              </a:rPr>
+              <a:t>N</a:t>
+            </a:r>
+            <a:r>
+              <a:rPr sz="2400" spc="-5">
+                <a:solidFill>
+                  <a:srgbClr val="404040"/>
+                </a:solidFill>
+                <a:latin typeface="Times New Roman"/>
+                <a:cs typeface="Times New Roman"/>
+              </a:rPr>
+              <a:t>ormally </a:t>
+            </a:r>
+            <a:r>
+              <a:rPr sz="2400" dirty="0">
+                <a:solidFill>
+                  <a:srgbClr val="404040"/>
+                </a:solidFill>
+                <a:latin typeface="Times New Roman"/>
+                <a:cs typeface="Times New Roman"/>
+              </a:rPr>
+              <a:t>a PC running </a:t>
+            </a:r>
+            <a:r>
+              <a:rPr sz="2400" spc="-20" dirty="0">
+                <a:solidFill>
+                  <a:srgbClr val="404040"/>
+                </a:solidFill>
+                <a:latin typeface="Times New Roman"/>
+                <a:cs typeface="Times New Roman"/>
+              </a:rPr>
+              <a:t>Windows </a:t>
+            </a:r>
+            <a:r>
+              <a:rPr sz="2400" dirty="0">
+                <a:solidFill>
+                  <a:srgbClr val="404040"/>
+                </a:solidFill>
+                <a:latin typeface="Times New Roman"/>
+                <a:cs typeface="Times New Roman"/>
+              </a:rPr>
+              <a:t>or Linux. It</a:t>
+            </a:r>
+            <a:r>
+              <a:rPr sz="2400" spc="-45" dirty="0">
+                <a:solidFill>
+                  <a:srgbClr val="404040"/>
+                </a:solidFill>
+                <a:latin typeface="Times New Roman"/>
+                <a:cs typeface="Times New Roman"/>
+              </a:rPr>
+              <a:t> </a:t>
+            </a:r>
+            <a:r>
+              <a:rPr sz="2400">
+                <a:solidFill>
+                  <a:srgbClr val="404040"/>
+                </a:solidFill>
+                <a:latin typeface="Times New Roman"/>
+                <a:cs typeface="Times New Roman"/>
+              </a:rPr>
+              <a:t>runs  the</a:t>
+            </a:r>
+            <a:r>
+              <a:rPr sz="2400" spc="-5">
+                <a:solidFill>
+                  <a:srgbClr val="404040"/>
+                </a:solidFill>
+                <a:latin typeface="Times New Roman"/>
+                <a:cs typeface="Times New Roman"/>
+              </a:rPr>
+              <a:t> </a:t>
+            </a:r>
+            <a:r>
+              <a:rPr sz="2400" dirty="0">
+                <a:solidFill>
+                  <a:srgbClr val="404040"/>
+                </a:solidFill>
+                <a:latin typeface="Times New Roman"/>
+                <a:cs typeface="Times New Roman"/>
+              </a:rPr>
+              <a:t>application which controls the </a:t>
+            </a:r>
+            <a:r>
+              <a:rPr sz="2400" spc="-5" dirty="0">
+                <a:solidFill>
+                  <a:srgbClr val="404040"/>
+                </a:solidFill>
+                <a:latin typeface="Times New Roman"/>
+                <a:cs typeface="Times New Roman"/>
+              </a:rPr>
+              <a:t>system</a:t>
+            </a:r>
+            <a:r>
+              <a:rPr sz="2400" spc="-5">
+                <a:solidFill>
+                  <a:srgbClr val="404040"/>
+                </a:solidFill>
+                <a:latin typeface="Times New Roman"/>
+                <a:cs typeface="Times New Roman"/>
+              </a:rPr>
+              <a:t>, </a:t>
+            </a:r>
+            <a:r>
+              <a:rPr lang="en-US" sz="2400" spc="-5" dirty="0" smtClean="0">
+                <a:solidFill>
+                  <a:srgbClr val="404040"/>
+                </a:solidFill>
+                <a:latin typeface="Times New Roman"/>
+                <a:cs typeface="Times New Roman"/>
+              </a:rPr>
+              <a:t>get and </a:t>
+            </a:r>
+            <a:r>
+              <a:rPr sz="2400" spc="-5" smtClean="0">
+                <a:solidFill>
+                  <a:srgbClr val="404040"/>
+                </a:solidFill>
+                <a:latin typeface="Times New Roman"/>
+                <a:cs typeface="Times New Roman"/>
+              </a:rPr>
+              <a:t>reads </a:t>
+            </a:r>
+            <a:r>
+              <a:rPr sz="2400">
+                <a:solidFill>
+                  <a:srgbClr val="404040"/>
+                </a:solidFill>
+                <a:latin typeface="Times New Roman"/>
+                <a:cs typeface="Times New Roman"/>
+              </a:rPr>
+              <a:t>the  </a:t>
+            </a:r>
+            <a:r>
+              <a:rPr lang="en-US" sz="2400" spc="-5" dirty="0" smtClean="0">
+                <a:solidFill>
+                  <a:srgbClr val="404040"/>
+                </a:solidFill>
+                <a:latin typeface="Times New Roman"/>
+                <a:cs typeface="Times New Roman"/>
+              </a:rPr>
+              <a:t>frames</a:t>
+            </a:r>
+            <a:r>
+              <a:rPr sz="2400" spc="-5" smtClean="0">
+                <a:solidFill>
+                  <a:srgbClr val="404040"/>
+                </a:solidFill>
+                <a:latin typeface="Times New Roman"/>
+                <a:cs typeface="Times New Roman"/>
+              </a:rPr>
+              <a:t>, </a:t>
+            </a:r>
+            <a:r>
+              <a:rPr lang="en-US" sz="2400" dirty="0" smtClean="0">
+                <a:solidFill>
+                  <a:srgbClr val="404040"/>
+                </a:solidFill>
+                <a:latin typeface="Times New Roman"/>
+                <a:cs typeface="Times New Roman"/>
+              </a:rPr>
+              <a:t>find number plates from frames , stores data in database </a:t>
+            </a:r>
+            <a:r>
+              <a:rPr sz="2400" smtClean="0">
+                <a:solidFill>
+                  <a:srgbClr val="404040"/>
+                </a:solidFill>
+                <a:latin typeface="Times New Roman"/>
+                <a:cs typeface="Times New Roman"/>
+              </a:rPr>
+              <a:t>and inter</a:t>
+            </a:r>
+            <a:r>
+              <a:rPr lang="en-US" sz="2400" dirty="0" smtClean="0">
+                <a:solidFill>
+                  <a:srgbClr val="404040"/>
+                </a:solidFill>
+                <a:latin typeface="Times New Roman"/>
+                <a:cs typeface="Times New Roman"/>
+              </a:rPr>
+              <a:t>act </a:t>
+            </a:r>
+            <a:r>
+              <a:rPr sz="2400" spc="-5" smtClean="0">
+                <a:solidFill>
+                  <a:srgbClr val="404040"/>
+                </a:solidFill>
+                <a:latin typeface="Times New Roman"/>
+                <a:cs typeface="Times New Roman"/>
+              </a:rPr>
+              <a:t>with  </a:t>
+            </a:r>
+            <a:r>
+              <a:rPr sz="2400" dirty="0">
+                <a:solidFill>
+                  <a:srgbClr val="404040"/>
+                </a:solidFill>
+                <a:latin typeface="Times New Roman"/>
+                <a:cs typeface="Times New Roman"/>
+              </a:rPr>
+              <a:t>other applications and</a:t>
+            </a:r>
+            <a:r>
+              <a:rPr sz="2400" spc="-65" dirty="0">
+                <a:solidFill>
+                  <a:srgbClr val="404040"/>
+                </a:solidFill>
+                <a:latin typeface="Times New Roman"/>
+                <a:cs typeface="Times New Roman"/>
+              </a:rPr>
+              <a:t> </a:t>
+            </a:r>
+            <a:r>
+              <a:rPr sz="2400" spc="-5">
+                <a:solidFill>
+                  <a:srgbClr val="404040"/>
+                </a:solidFill>
+                <a:latin typeface="Times New Roman"/>
+                <a:cs typeface="Times New Roman"/>
+              </a:rPr>
+              <a:t>systems</a:t>
+            </a:r>
+            <a:r>
+              <a:rPr sz="2400" spc="-5" smtClean="0">
+                <a:solidFill>
+                  <a:srgbClr val="404040"/>
+                </a:solidFill>
+                <a:latin typeface="Times New Roman"/>
+                <a:cs typeface="Times New Roman"/>
+              </a:rPr>
+              <a:t>.</a:t>
+            </a:r>
+            <a:endParaRPr sz="2400" dirty="0">
+              <a:latin typeface="Times New Roman"/>
+              <a:cs typeface="Times New Roman"/>
             </a:endParaRPr>
           </a:p>
         </p:txBody>
       </p:sp>
       <p:sp>
         <p:nvSpPr>
-          <p:cNvPr id="3" name="Text Placeholder 2"/>
-          <p:cNvSpPr>
-            <a:spLocks noGrp="1"/>
-          </p:cNvSpPr>
-          <p:nvPr>
-            <p:ph type="body" idx="1"/>
-          </p:nvPr>
-        </p:nvSpPr>
-        <p:spPr>
-          <a:xfrm>
-            <a:off x="535939" y="1470405"/>
-            <a:ext cx="8072120" cy="1477328"/>
-          </a:xfrm>
-        </p:spPr>
-        <p:txBody>
-          <a:bodyPr/>
-          <a:lstStyle/>
-          <a:p>
-            <a:pPr>
-              <a:buFont typeface="Arial" pitchFamily="34" charset="0"/>
-              <a:buChar char="•"/>
-            </a:pPr>
-            <a:r>
-              <a:rPr lang="en-US" dirty="0"/>
-              <a:t>Searching is dependent on which database we use in our project</a:t>
-            </a:r>
-          </a:p>
-          <a:p>
-            <a:pPr>
-              <a:buFont typeface="Arial" pitchFamily="34" charset="0"/>
-              <a:buChar char="•"/>
-            </a:pPr>
-            <a:r>
-              <a:rPr lang="en-US" dirty="0"/>
-              <a:t>Here we use </a:t>
-            </a:r>
-            <a:r>
-              <a:rPr lang="en-US" dirty="0" err="1"/>
-              <a:t>mysql</a:t>
-            </a:r>
-            <a:r>
-              <a:rPr lang="en-US" dirty="0"/>
-              <a:t> so there are two features of it for searching </a:t>
-            </a:r>
-          </a:p>
-          <a:p>
-            <a:pPr>
-              <a:buFont typeface="Arial" pitchFamily="34" charset="0"/>
-              <a:buChar char="•"/>
-            </a:pPr>
-            <a:r>
-              <a:rPr lang="en-US" dirty="0"/>
-              <a:t>Full-text search function.</a:t>
-            </a:r>
-          </a:p>
-          <a:p>
-            <a:pPr>
-              <a:buFont typeface="Arial" pitchFamily="34" charset="0"/>
-              <a:buChar char="•"/>
-            </a:pPr>
-            <a:r>
-              <a:rPr lang="en-US" dirty="0"/>
-              <a:t>SQL like operator</a:t>
-            </a:r>
-            <a:endParaRPr lang="en-IN" dirty="0"/>
-          </a:p>
-        </p:txBody>
-      </p:sp>
-      <p:sp>
-        <p:nvSpPr>
-          <p:cNvPr id="4" name="object 10">
+          <p:cNvPr id="3" name="object 10">
             <a:extLst>
               <a:ext uri="{FF2B5EF4-FFF2-40B4-BE49-F238E27FC236}">
-                <a16:creationId xmlns="" xmlns:a16="http://schemas.microsoft.com/office/drawing/2014/main" id="{0B0063F2-753A-472C-B464-8369AC69733B}"/>
+                <a16:creationId xmlns:a16="http://schemas.microsoft.com/office/drawing/2014/main" xmlns="" id="{728180B7-B6A7-4485-A654-D1F584FFE729}"/>
               </a:ext>
             </a:extLst>
           </p:cNvPr>
@@ -6122,8 +6377,8 @@
         </p:nvSpPr>
         <p:spPr>
           <a:xfrm>
-            <a:off x="8244408" y="4293096"/>
-            <a:ext cx="899973" cy="2565078"/>
+            <a:off x="8172400" y="4437112"/>
+            <a:ext cx="971981" cy="2421062"/>
           </a:xfrm>
           <a:custGeom>
             <a:avLst/>
@@ -6162,6 +6417,80 @@
           <a:lstStyle/>
           <a:p>
             <a:endParaRPr dirty="0"/>
+          </a:p>
+        </p:txBody>
+      </p:sp>
+      <p:sp>
+        <p:nvSpPr>
+          <p:cNvPr id="4" name="object 2"/>
+          <p:cNvSpPr txBox="1">
+            <a:spLocks/>
+          </p:cNvSpPr>
+          <p:nvPr/>
+        </p:nvSpPr>
+        <p:spPr>
+          <a:xfrm>
+            <a:off x="1857356" y="372372"/>
+            <a:ext cx="4271594" cy="535403"/>
+          </a:xfrm>
+          <a:prstGeom prst="rect">
+            <a:avLst/>
+          </a:prstGeom>
+        </p:spPr>
+        <p:txBody>
+          <a:bodyPr vert="horz" wrap="square" lIns="0" tIns="12065" rIns="0" bIns="0" rtlCol="0">
+            <a:spAutoFit/>
+          </a:bodyPr>
+          <a:lstStyle/>
+          <a:p>
+            <a:pPr marL="12700" marR="0" lvl="0" indent="0" algn="ctr" defTabSz="914400" eaLnBrk="1" fontAlgn="auto" latinLnBrk="0" hangingPunct="1">
+              <a:lnSpc>
+                <a:spcPct val="100000"/>
+              </a:lnSpc>
+              <a:spcBef>
+                <a:spcPts val="95"/>
+              </a:spcBef>
+              <a:spcAft>
+                <a:spcPts val="0"/>
+              </a:spcAft>
+              <a:buClrTx/>
+              <a:buSzTx/>
+              <a:buFontTx/>
+              <a:buNone/>
+              <a:tabLst/>
+              <a:defRPr/>
+            </a:pPr>
+            <a:r>
+              <a:rPr kumimoji="0" lang="en-IN" sz="3400" b="1" i="0" u="none" strike="noStrike" kern="0" cap="none" spc="-5" normalizeH="0" baseline="0" noProof="0" dirty="0" smtClean="0">
+                <a:ln>
+                  <a:noFill/>
+                </a:ln>
+                <a:solidFill>
+                  <a:srgbClr val="000000"/>
+                </a:solidFill>
+                <a:effectLst/>
+                <a:uLnTx/>
+                <a:uFillTx/>
+                <a:latin typeface="Times New Roman" pitchFamily="18" charset="0"/>
+                <a:ea typeface="+mj-ea"/>
+                <a:cs typeface="Times New Roman" pitchFamily="18" charset="0"/>
+              </a:rPr>
+              <a:t>Elements</a:t>
+            </a:r>
+            <a:endParaRPr kumimoji="0" lang="en-IN" sz="3400" b="1" i="0" u="none" strike="noStrike" kern="0" cap="none" spc="-10" normalizeH="0" baseline="0" noProof="0" dirty="0">
+              <a:ln>
+                <a:noFill/>
+              </a:ln>
+              <a:solidFill>
+                <a:srgbClr val="000000"/>
+              </a:solidFill>
+              <a:effectLst/>
+              <a:uLnTx/>
+              <a:uFillTx/>
+              <a:latin typeface="Times New Roman" pitchFamily="18" charset="0"/>
+              <a:ea typeface="+mj-ea"/>
+              <a:cs typeface="Times New Roman" pitchFamily="18" charset="0"/>
+            </a:endParaRPr>
           </a:p>
         </p:txBody>
       </p:sp>
@@ -6233,31 +6562,31 @@
       </p:grpSpPr>
       <p:sp>
         <p:nvSpPr>
-          <p:cNvPr id="2" name="object 2"/>
-          <p:cNvSpPr txBox="1"/>
+          <p:cNvPr id="2" name="Rectangle 1"/>
+          <p:cNvSpPr/>
           <p:nvPr/>
         </p:nvSpPr>
         <p:spPr>
           <a:xfrm>
-            <a:off x="928662" y="1414256"/>
-            <a:ext cx="7358114" cy="4458272"/>
+            <a:off x="285720" y="1142984"/>
+            <a:ext cx="6929486" cy="2990562"/>
           </a:xfrm>
           <a:prstGeom prst="rect">
             <a:avLst/>
           </a:prstGeom>
         </p:spPr>
         <p:txBody>
-          <a:bodyPr vert="horz" wrap="square" lIns="0" tIns="13335" rIns="0" bIns="0" rtlCol="0">
+          <a:bodyPr wrap="square">
             <a:spAutoFit/>
           </a:bodyPr>
           <a:lstStyle/>
           <a:p>
-            <a:pPr marL="355600" marR="5080" indent="-342900">
+            <a:pPr marL="355600" marR="251460" indent="-342900">
               <a:lnSpc>
                 <a:spcPct val="150000"/>
               </a:lnSpc>
               <a:spcBef>
-                <a:spcPts val="105"/>
+                <a:spcPts val="994"/>
               </a:spcBef>
               <a:buClr>
                 <a:srgbClr val="90C225"/>
@@ -6271,14 +6600,14 @@
               </a:tabLst>
             </a:pPr>
             <a:r>
-              <a:rPr lang="en-IN" sz="2400" b="1" dirty="0">
+              <a:rPr lang="en-IN" sz="2400" b="1" spc="-5" dirty="0" smtClean="0">
                 <a:solidFill>
                   <a:srgbClr val="404040"/>
                 </a:solidFill>
                 <a:latin typeface="Times New Roman"/>
                 <a:cs typeface="Times New Roman"/>
               </a:rPr>
-              <a:t>Camera </a:t>
+              <a:t>Database </a:t>
             </a:r>
             <a:r>
               <a:rPr lang="en-IN" sz="2400" dirty="0">
@@ -6288,93 +6617,66 @@
                 <a:latin typeface="Times New Roman"/>
                 <a:cs typeface="Times New Roman"/>
               </a:rPr>
-              <a:t>- That take the </a:t>
-            </a:r>
-            <a:r>
-              <a:rPr lang="en-IN" sz="2400" spc="-5" dirty="0">
+              <a:t>- The </a:t>
+            </a:r>
+            <a:r>
+              <a:rPr lang="en-IN" sz="2400" dirty="0" smtClean="0">
                 <a:solidFill>
                   <a:srgbClr val="404040"/>
                 </a:solidFill>
                 <a:latin typeface="Times New Roman"/>
                 <a:cs typeface="Times New Roman"/>
               </a:rPr>
-              <a:t>images </a:t>
-            </a:r>
-            <a:r>
-              <a:rPr lang="en-IN" sz="2400" dirty="0">
+              <a:t>data </a:t>
+            </a:r>
+            <a:r>
+              <a:rPr lang="en-IN" sz="2400" smtClean="0">
                 <a:solidFill>
                   <a:srgbClr val="404040"/>
                 </a:solidFill>
                 <a:latin typeface="Times New Roman"/>
                 <a:cs typeface="Times New Roman"/>
               </a:rPr>
-              <a:t>of the </a:t>
-            </a:r>
-            <a:r>
-              <a:rPr lang="en-IN" sz="2400" dirty="0" smtClean="0">
+              <a:t>stored here. The </a:t>
+            </a:r>
+            <a:r>
+              <a:rPr lang="en-IN" sz="2400" dirty="0">
                 <a:solidFill>
                   <a:srgbClr val="404040"/>
                 </a:solidFill>
                 <a:latin typeface="Times New Roman"/>
                 <a:cs typeface="Times New Roman"/>
               </a:rPr>
-              <a:t>vehicles </a:t>
-            </a:r>
-            <a:r>
-              <a:rPr lang="en-IN" sz="2400" dirty="0">
+              <a:t>data includes the  recognition results and (optionally) the vehicle or</a:t>
+            </a:r>
+            <a:r>
+              <a:rPr lang="en-IN" sz="2400" spc="-175" dirty="0">
                 <a:solidFill>
                   <a:srgbClr val="404040"/>
                 </a:solidFill>
                 <a:latin typeface="Times New Roman"/>
                 <a:cs typeface="Times New Roman"/>
               </a:rPr>
-              <a:t>(front or</a:t>
-            </a:r>
-            <a:r>
-              <a:rPr lang="en-IN" sz="2400" spc="-150" dirty="0">
+              <a:t> </a:t>
+            </a:r>
+            <a:r>
+              <a:rPr lang="en-IN" sz="2400" spc="-5" dirty="0" smtClean="0">
                 <a:solidFill>
                   <a:srgbClr val="404040"/>
                 </a:solidFill>
                 <a:latin typeface="Times New Roman"/>
                 <a:cs typeface="Times New Roman"/>
               </a:rPr>
-              <a:t> </a:t>
-            </a:r>
-            <a:r>
-              <a:rPr lang="en-IN" sz="2400" dirty="0">
-                <a:solidFill>
-                  <a:srgbClr val="404040"/>
-                </a:solidFill>
-                <a:latin typeface="Times New Roman"/>
-                <a:cs typeface="Times New Roman"/>
-              </a:rPr>
-              <a:t>rear  side</a:t>
-            </a:r>
-            <a:r>
-              <a:rPr lang="en-IN" sz="2400" dirty="0" smtClean="0">
-                <a:solidFill>
-                  <a:srgbClr val="404040"/>
-                </a:solidFill>
-                <a:latin typeface="Times New Roman"/>
-                <a:cs typeface="Times New Roman"/>
-              </a:rPr>
-              <a:t>). We use the CCTV cameras which will be located at circles or any other places.</a:t>
-            </a:r>
-            <a:endParaRPr lang="en-US" sz="2400" b="1" spc="-5" dirty="0">
-              <a:solidFill>
-                <a:srgbClr val="404040"/>
-              </a:solidFill>
-              <a:latin typeface="Times New Roman"/>
-              <a:cs typeface="Times New Roman"/>
-            </a:endParaRPr>
-          </a:p>
-          <a:p>
-            <a:pPr marL="355600" marR="5080" indent="-342900">
+              <a:t>driver-face.</a:t>
+            </a:r>
+          </a:p>
+          <a:p>
+            <a:pPr marL="355600" marR="251460" indent="-342900">
               <a:lnSpc>
                 <a:spcPct val="150000"/>
               </a:lnSpc>
               <a:spcBef>
-                <a:spcPts val="105"/>
+                <a:spcPts val="994"/>
               </a:spcBef>
               <a:buClr>
                 <a:srgbClr val="90C225"/>
@@ -6388,286 +6690,26 @@
               </a:tabLst>
             </a:pPr>
             <a:r>
-              <a:rPr sz="2400" b="1" spc="-5">
+              <a:rPr lang="en-US" sz="2400" b="1" spc="-5" dirty="0" smtClean="0">
                 <a:solidFill>
                   <a:srgbClr val="404040"/>
                 </a:solidFill>
                 <a:latin typeface="Times New Roman"/>
                 <a:cs typeface="Times New Roman"/>
               </a:rPr>
-              <a:t>Computer </a:t>
-            </a:r>
-            <a:r>
-              <a:rPr lang="en-US" sz="2400" b="1" spc="-5" dirty="0" smtClean="0">
+              <a:t>Device – </a:t>
+            </a:r>
+            <a:r>
+              <a:rPr lang="en-US" sz="2400" spc="-5" dirty="0" smtClean="0">
                 <a:solidFill>
                   <a:srgbClr val="404040"/>
                 </a:solidFill>
                 <a:latin typeface="Times New Roman"/>
                 <a:cs typeface="Times New Roman"/>
               </a:rPr>
-              <a:t>&amp; Software </a:t>
-            </a:r>
-            <a:r>
-              <a:rPr sz="2400" smtClean="0">
-                <a:solidFill>
-                  <a:srgbClr val="404040"/>
-                </a:solidFill>
-                <a:latin typeface="Times New Roman"/>
-                <a:cs typeface="Times New Roman"/>
-              </a:rPr>
-              <a:t>- </a:t>
-            </a:r>
-            <a:r>
-              <a:rPr lang="en-US" sz="2400" spc="-5" dirty="0">
-                <a:solidFill>
-                  <a:srgbClr val="404040"/>
-                </a:solidFill>
-                <a:latin typeface="Times New Roman"/>
-                <a:cs typeface="Times New Roman"/>
-              </a:rPr>
-              <a:t>N</a:t>
-            </a:r>
-            <a:r>
-              <a:rPr sz="2400" spc="-5">
-                <a:solidFill>
-                  <a:srgbClr val="404040"/>
-                </a:solidFill>
-                <a:latin typeface="Times New Roman"/>
-                <a:cs typeface="Times New Roman"/>
-              </a:rPr>
-              <a:t>ormally </a:t>
-            </a:r>
-            <a:r>
-              <a:rPr sz="2400" dirty="0">
-                <a:solidFill>
-                  <a:srgbClr val="404040"/>
-                </a:solidFill>
-                <a:latin typeface="Times New Roman"/>
-                <a:cs typeface="Times New Roman"/>
-              </a:rPr>
-              <a:t>a PC running </a:t>
-            </a:r>
-            <a:r>
-              <a:rPr sz="2400" spc="-20" dirty="0">
-                <a:solidFill>
-                  <a:srgbClr val="404040"/>
-                </a:solidFill>
-                <a:latin typeface="Times New Roman"/>
-                <a:cs typeface="Times New Roman"/>
-              </a:rPr>
-              <a:t>Windows </a:t>
-            </a:r>
-            <a:r>
-              <a:rPr sz="2400" dirty="0">
-                <a:solidFill>
-                  <a:srgbClr val="404040"/>
-                </a:solidFill>
-                <a:latin typeface="Times New Roman"/>
-                <a:cs typeface="Times New Roman"/>
-              </a:rPr>
-              <a:t>or Linux. It</a:t>
-            </a:r>
-            <a:r>
-              <a:rPr sz="2400" spc="-45" dirty="0">
-                <a:solidFill>
-                  <a:srgbClr val="404040"/>
-                </a:solidFill>
-                <a:latin typeface="Times New Roman"/>
-                <a:cs typeface="Times New Roman"/>
-              </a:rPr>
-              <a:t> </a:t>
-            </a:r>
-            <a:r>
-              <a:rPr sz="2400">
-                <a:solidFill>
-                  <a:srgbClr val="404040"/>
-                </a:solidFill>
-                <a:latin typeface="Times New Roman"/>
-                <a:cs typeface="Times New Roman"/>
-              </a:rPr>
-              <a:t>runs  the</a:t>
-            </a:r>
-            <a:r>
-              <a:rPr sz="2400" spc="-5">
-                <a:solidFill>
-                  <a:srgbClr val="404040"/>
-                </a:solidFill>
-                <a:latin typeface="Times New Roman"/>
-                <a:cs typeface="Times New Roman"/>
-              </a:rPr>
-              <a:t> </a:t>
-            </a:r>
-            <a:r>
-              <a:rPr sz="2400" dirty="0">
-                <a:solidFill>
-                  <a:srgbClr val="404040"/>
-                </a:solidFill>
-                <a:latin typeface="Times New Roman"/>
-                <a:cs typeface="Times New Roman"/>
-              </a:rPr>
-              <a:t>application which controls the </a:t>
-            </a:r>
-            <a:r>
-              <a:rPr sz="2400" spc="-5" dirty="0">
-                <a:solidFill>
-                  <a:srgbClr val="404040"/>
-                </a:solidFill>
-                <a:latin typeface="Times New Roman"/>
-                <a:cs typeface="Times New Roman"/>
-              </a:rPr>
-              <a:t>system</a:t>
-            </a:r>
-            <a:r>
-              <a:rPr sz="2400" spc="-5">
-                <a:solidFill>
-                  <a:srgbClr val="404040"/>
-                </a:solidFill>
-                <a:latin typeface="Times New Roman"/>
-                <a:cs typeface="Times New Roman"/>
-              </a:rPr>
-              <a:t>, </a:t>
-            </a:r>
-            <a:r>
-              <a:rPr lang="en-US" sz="2400" spc="-5" dirty="0" smtClean="0">
-                <a:solidFill>
-                  <a:srgbClr val="404040"/>
-                </a:solidFill>
-                <a:latin typeface="Times New Roman"/>
-                <a:cs typeface="Times New Roman"/>
-              </a:rPr>
-              <a:t>get and </a:t>
-            </a:r>
-            <a:r>
-              <a:rPr sz="2400" spc="-5" smtClean="0">
-                <a:solidFill>
-                  <a:srgbClr val="404040"/>
-                </a:solidFill>
-                <a:latin typeface="Times New Roman"/>
-                <a:cs typeface="Times New Roman"/>
-              </a:rPr>
-              <a:t>reads </a:t>
-            </a:r>
-            <a:r>
-              <a:rPr sz="2400">
-                <a:solidFill>
-                  <a:srgbClr val="404040"/>
-                </a:solidFill>
-                <a:latin typeface="Times New Roman"/>
-                <a:cs typeface="Times New Roman"/>
-              </a:rPr>
-              <a:t>the  </a:t>
-            </a:r>
-            <a:r>
-              <a:rPr lang="en-US" sz="2400" spc="-5" dirty="0" smtClean="0">
-                <a:solidFill>
-                  <a:srgbClr val="404040"/>
-                </a:solidFill>
-                <a:latin typeface="Times New Roman"/>
-                <a:cs typeface="Times New Roman"/>
-              </a:rPr>
-              <a:t>frames</a:t>
-            </a:r>
-            <a:r>
-              <a:rPr sz="2400" spc="-5" smtClean="0">
-                <a:solidFill>
-                  <a:srgbClr val="404040"/>
-                </a:solidFill>
-                <a:latin typeface="Times New Roman"/>
-                <a:cs typeface="Times New Roman"/>
-              </a:rPr>
-              <a:t>, </a:t>
-            </a:r>
-            <a:r>
-              <a:rPr lang="en-US" sz="2400" dirty="0" smtClean="0">
-                <a:solidFill>
-                  <a:srgbClr val="404040"/>
-                </a:solidFill>
-                <a:latin typeface="Times New Roman"/>
-                <a:cs typeface="Times New Roman"/>
-              </a:rPr>
-              <a:t>find </a:t>
-            </a:r>
-            <a:r>
-              <a:rPr lang="en-US" sz="2400" dirty="0" smtClean="0">
-                <a:solidFill>
-                  <a:srgbClr val="404040"/>
-                </a:solidFill>
-                <a:latin typeface="Times New Roman"/>
-                <a:cs typeface="Times New Roman"/>
-              </a:rPr>
-              <a:t>number plates from frames , stores data in database </a:t>
-            </a:r>
-            <a:r>
-              <a:rPr sz="2400" smtClean="0">
-                <a:solidFill>
-                  <a:srgbClr val="404040"/>
-                </a:solidFill>
-                <a:latin typeface="Times New Roman"/>
-                <a:cs typeface="Times New Roman"/>
-              </a:rPr>
-              <a:t>and inter</a:t>
-            </a:r>
-            <a:r>
-              <a:rPr lang="en-US" sz="2400" dirty="0" smtClean="0">
-                <a:solidFill>
-                  <a:srgbClr val="404040"/>
-                </a:solidFill>
-                <a:latin typeface="Times New Roman"/>
-                <a:cs typeface="Times New Roman"/>
-              </a:rPr>
-              <a:t>act </a:t>
-            </a:r>
-            <a:r>
-              <a:rPr sz="2400" spc="-5" smtClean="0">
-                <a:solidFill>
-                  <a:srgbClr val="404040"/>
-                </a:solidFill>
-                <a:latin typeface="Times New Roman"/>
-                <a:cs typeface="Times New Roman"/>
-              </a:rPr>
-              <a:t>with  </a:t>
-            </a:r>
-            <a:r>
-              <a:rPr sz="2400" dirty="0">
-                <a:solidFill>
-                  <a:srgbClr val="404040"/>
-                </a:solidFill>
-                <a:latin typeface="Times New Roman"/>
-                <a:cs typeface="Times New Roman"/>
-              </a:rPr>
-              <a:t>other applications and</a:t>
-            </a:r>
-            <a:r>
-              <a:rPr sz="2400" spc="-65" dirty="0">
-                <a:solidFill>
-                  <a:srgbClr val="404040"/>
-                </a:solidFill>
-                <a:latin typeface="Times New Roman"/>
-                <a:cs typeface="Times New Roman"/>
-              </a:rPr>
-              <a:t> </a:t>
-            </a:r>
-            <a:r>
-              <a:rPr sz="2400" spc="-5">
-                <a:solidFill>
-                  <a:srgbClr val="404040"/>
-                </a:solidFill>
-                <a:latin typeface="Times New Roman"/>
-                <a:cs typeface="Times New Roman"/>
-              </a:rPr>
-              <a:t>systems</a:t>
-            </a:r>
-            <a:r>
-              <a:rPr sz="2400" spc="-5" smtClean="0">
-                <a:solidFill>
-                  <a:srgbClr val="404040"/>
-                </a:solidFill>
-                <a:latin typeface="Times New Roman"/>
-                <a:cs typeface="Times New Roman"/>
-              </a:rPr>
-              <a:t>.</a:t>
-            </a:r>
-            <a:endParaRPr sz="2400" dirty="0">
+              <a:t>This is the device like laptop or smart phones to view web or app of our idea.</a:t>
+            </a:r>
+            <a:endParaRPr lang="en-IN" sz="2400" b="1" dirty="0">
               <a:latin typeface="Times New Roman"/>
               <a:cs typeface="Times New Roman"/>
             </a:endParaRPr>
@@ -6679,7 +6721,7 @@
           <p:cNvPr id="3" name="object 10">
             <a:extLst>
               <a:ext uri="{FF2B5EF4-FFF2-40B4-BE49-F238E27FC236}">
-                <a16:creationId xmlns="" xmlns:a16="http://schemas.microsoft.com/office/drawing/2014/main" id="{728180B7-B6A7-4485-A654-D1F584FFE729}"/>
+                <a16:creationId xmlns:a16="http://schemas.microsoft.com/office/drawing/2014/main" xmlns="" id="{804B5F74-A0E8-4CBF-809F-A4EE89CC1398}"/>
               </a:ext>
             </a:extLst>
           </p:cNvPr>
@@ -6688,8 +6730,8 @@
         </p:nvSpPr>
         <p:spPr>
           <a:xfrm>
-            <a:off x="8172400" y="4437112"/>
-            <a:ext cx="971981" cy="2421062"/>
+            <a:off x="8244408" y="4365104"/>
+            <a:ext cx="899973" cy="2493070"/>
           </a:xfrm>
           <a:custGeom>
             <a:avLst/>
@@ -6728,80 +6770,6 @@
           <a:lstStyle/>
           <a:p>
             <a:endParaRPr dirty="0"/>
-          </a:p>
-        </p:txBody>
-      </p:sp>
-      <p:sp>
-        <p:nvSpPr>
-          <p:cNvPr id="4" name="object 2"/>
-          <p:cNvSpPr txBox="1">
-            <a:spLocks/>
-          </p:cNvSpPr>
-          <p:nvPr/>
-        </p:nvSpPr>
-        <p:spPr>
-          <a:xfrm>
-            <a:off x="1857356" y="372372"/>
-            <a:ext cx="4271594" cy="535403"/>
-          </a:xfrm>
-          <a:prstGeom prst="rect">
-            <a:avLst/>
-          </a:prstGeom>
-        </p:spPr>
-        <p:txBody>
-          <a:bodyPr vert="horz" wrap="square" lIns="0" tIns="12065" rIns="0" bIns="0" rtlCol="0">
-            <a:spAutoFit/>
-          </a:bodyPr>
-          <a:lstStyle/>
-          <a:p>
-            <a:pPr marL="12700" marR="0" lvl="0" indent="0" algn="ctr" defTabSz="914400" eaLnBrk="1" fontAlgn="auto" latinLnBrk="0" hangingPunct="1">
-              <a:lnSpc>
-                <a:spcPct val="100000"/>
-              </a:lnSpc>
-              <a:spcBef>
-                <a:spcPts val="95"/>
-              </a:spcBef>
-              <a:spcAft>
-                <a:spcPts val="0"/>
-              </a:spcAft>
-              <a:buClrTx/>
-              <a:buSzTx/>
-              <a:buFontTx/>
-              <a:buNone/>
-              <a:tabLst/>
-              <a:defRPr/>
-            </a:pPr>
-            <a:r>
-              <a:rPr kumimoji="0" lang="en-IN" sz="3400" b="1" i="0" u="none" strike="noStrike" kern="0" cap="none" spc="-5" normalizeH="0" baseline="0" noProof="0" dirty="0" smtClean="0">
-                <a:ln>
-                  <a:noFill/>
-                </a:ln>
-                <a:solidFill>
-                  <a:srgbClr val="000000"/>
-                </a:solidFill>
-                <a:effectLst/>
-                <a:uLnTx/>
-                <a:uFillTx/>
-                <a:latin typeface="Times New Roman" pitchFamily="18" charset="0"/>
-                <a:ea typeface="+mj-ea"/>
-                <a:cs typeface="Times New Roman" pitchFamily="18" charset="0"/>
-              </a:rPr>
-              <a:t>Elements</a:t>
-            </a:r>
-            <a:endParaRPr kumimoji="0" lang="en-IN" sz="3400" b="1" i="0" u="none" strike="noStrike" kern="0" cap="none" spc="-10" normalizeH="0" baseline="0" noProof="0" dirty="0">
-              <a:ln>
-                <a:noFill/>
-              </a:ln>
-              <a:solidFill>
-                <a:srgbClr val="000000"/>
-              </a:solidFill>
-              <a:effectLst/>
-              <a:uLnTx/>
-              <a:uFillTx/>
-              <a:latin typeface="Times New Roman" pitchFamily="18" charset="0"/>
-              <a:ea typeface="+mj-ea"/>
-              <a:cs typeface="Times New Roman" pitchFamily="18" charset="0"/>
-            </a:endParaRPr>
           </a:p>
         </p:txBody>
       </p:sp>
@@ -6873,166 +6841,10 @@
       </p:grpSpPr>
       <p:sp>
         <p:nvSpPr>
-          <p:cNvPr id="2" name="Rectangle 1"/>
-          <p:cNvSpPr/>
-          <p:nvPr/>
-        </p:nvSpPr>
-        <p:spPr>
-          <a:xfrm>
-            <a:off x="285720" y="1142984"/>
-            <a:ext cx="6929486" cy="2990562"/>
-          </a:xfrm>
-          <a:prstGeom prst="rect">
-            <a:avLst/>
-          </a:prstGeom>
-        </p:spPr>
-        <p:txBody>
-          <a:bodyPr wrap="square">
-            <a:spAutoFit/>
-          </a:bodyPr>
-          <a:lstStyle/>
-          <a:p>
-            <a:pPr marL="355600" marR="251460" indent="-342900">
-              <a:lnSpc>
-                <a:spcPct val="150000"/>
-              </a:lnSpc>
-              <a:spcBef>
-                <a:spcPts val="994"/>
-              </a:spcBef>
-              <a:buClr>
-                <a:srgbClr val="90C225"/>
-              </a:buClr>
-              <a:buSzPct val="79166"/>
-              <a:buFont typeface="Arial"/>
-              <a:buChar char="•"/>
-              <a:tabLst>
-                <a:tab pos="354965" algn="l"/>
-                <a:tab pos="355600" algn="l"/>
-              </a:tabLst>
-            </a:pPr>
-            <a:r>
-              <a:rPr lang="en-IN" sz="2400" b="1" spc="-5" dirty="0" smtClean="0">
-                <a:solidFill>
-                  <a:srgbClr val="404040"/>
-                </a:solidFill>
-                <a:latin typeface="Times New Roman"/>
-                <a:cs typeface="Times New Roman"/>
-              </a:rPr>
-              <a:t>Database </a:t>
-            </a:r>
-            <a:r>
-              <a:rPr lang="en-IN" sz="2400" dirty="0">
-                <a:solidFill>
-                  <a:srgbClr val="404040"/>
-                </a:solidFill>
-                <a:latin typeface="Times New Roman"/>
-                <a:cs typeface="Times New Roman"/>
-              </a:rPr>
-              <a:t>- The </a:t>
-            </a:r>
-            <a:r>
-              <a:rPr lang="en-IN" sz="2400" dirty="0" smtClean="0">
-                <a:solidFill>
-                  <a:srgbClr val="404040"/>
-                </a:solidFill>
-                <a:latin typeface="Times New Roman"/>
-                <a:cs typeface="Times New Roman"/>
-              </a:rPr>
-              <a:t>data </a:t>
-            </a:r>
-            <a:r>
-              <a:rPr lang="en-IN" sz="2400" smtClean="0">
-                <a:solidFill>
-                  <a:srgbClr val="404040"/>
-                </a:solidFill>
-                <a:latin typeface="Times New Roman"/>
-                <a:cs typeface="Times New Roman"/>
-              </a:rPr>
-              <a:t>stored here. The </a:t>
-            </a:r>
-            <a:r>
-              <a:rPr lang="en-IN" sz="2400" dirty="0">
-                <a:solidFill>
-                  <a:srgbClr val="404040"/>
-                </a:solidFill>
-                <a:latin typeface="Times New Roman"/>
-                <a:cs typeface="Times New Roman"/>
-              </a:rPr>
-              <a:t>data includes the  recognition results and (optionally) the vehicle or</a:t>
-            </a:r>
-            <a:r>
-              <a:rPr lang="en-IN" sz="2400" spc="-175" dirty="0">
-                <a:solidFill>
-                  <a:srgbClr val="404040"/>
-                </a:solidFill>
-                <a:latin typeface="Times New Roman"/>
-                <a:cs typeface="Times New Roman"/>
-              </a:rPr>
-              <a:t> </a:t>
-            </a:r>
-            <a:r>
-              <a:rPr lang="en-IN" sz="2400" spc="-5" dirty="0" smtClean="0">
-                <a:solidFill>
-                  <a:srgbClr val="404040"/>
-                </a:solidFill>
-                <a:latin typeface="Times New Roman"/>
-                <a:cs typeface="Times New Roman"/>
-              </a:rPr>
-              <a:t>driver-face.</a:t>
-            </a:r>
-          </a:p>
-          <a:p>
-            <a:pPr marL="355600" marR="251460" indent="-342900">
-              <a:lnSpc>
-                <a:spcPct val="150000"/>
-              </a:lnSpc>
-              <a:spcBef>
-                <a:spcPts val="994"/>
-              </a:spcBef>
-              <a:buClr>
-                <a:srgbClr val="90C225"/>
-              </a:buClr>
-              <a:buSzPct val="79166"/>
-              <a:buFont typeface="Arial"/>
-              <a:buChar char="•"/>
-              <a:tabLst>
-                <a:tab pos="354965" algn="l"/>
-                <a:tab pos="355600" algn="l"/>
-              </a:tabLst>
-            </a:pPr>
-            <a:r>
-              <a:rPr lang="en-US" sz="2400" b="1" spc="-5" dirty="0" smtClean="0">
-                <a:solidFill>
-                  <a:srgbClr val="404040"/>
-                </a:solidFill>
-                <a:latin typeface="Times New Roman"/>
-                <a:cs typeface="Times New Roman"/>
-              </a:rPr>
-              <a:t>Device – </a:t>
-            </a:r>
-            <a:r>
-              <a:rPr lang="en-US" sz="2400" spc="-5" dirty="0" smtClean="0">
-                <a:solidFill>
-                  <a:srgbClr val="404040"/>
-                </a:solidFill>
-                <a:latin typeface="Times New Roman"/>
-                <a:cs typeface="Times New Roman"/>
-              </a:rPr>
-              <a:t>This is the device like laptop or smart phones to view web or app of our idea.</a:t>
-            </a:r>
-            <a:endParaRPr lang="en-IN" sz="2400" b="1" dirty="0">
-              <a:latin typeface="Times New Roman"/>
-              <a:cs typeface="Times New Roman"/>
-            </a:endParaRPr>
-          </a:p>
-        </p:txBody>
-      </p:sp>
-      <p:sp>
-        <p:nvSpPr>
           <p:cNvPr id="3" name="object 10">
             <a:extLst>
               <a:ext uri="{FF2B5EF4-FFF2-40B4-BE49-F238E27FC236}">
-                <a16:creationId xmlns="" xmlns:a16="http://schemas.microsoft.com/office/drawing/2014/main" id="{804B5F74-A0E8-4CBF-809F-A4EE89CC1398}"/>
+                <a16:creationId xmlns:a16="http://schemas.microsoft.com/office/drawing/2014/main" xmlns="" id="{804B5F74-A0E8-4CBF-809F-A4EE89CC1398}"/>
               </a:ext>
             </a:extLst>
           </p:cNvPr>
@@ -7084,6 +6896,97 @@
           </a:p>
         </p:txBody>
       </p:sp>
+      <p:sp>
+        <p:nvSpPr>
+          <p:cNvPr id="4" name="Title 3"/>
+          <p:cNvSpPr>
+            <a:spLocks noGrp="1"/>
+          </p:cNvSpPr>
+          <p:nvPr>
+            <p:ph type="title"/>
+          </p:nvPr>
+        </p:nvSpPr>
+        <p:spPr>
+          <a:xfrm>
+            <a:off x="2036190" y="503936"/>
+            <a:ext cx="5071618" cy="430887"/>
+          </a:xfrm>
+        </p:spPr>
+        <p:txBody>
+          <a:bodyPr/>
+          <a:lstStyle/>
+          <a:p>
+            <a:pPr algn="ctr"/>
+            <a:r>
+              <a:rPr lang="en-US" dirty="0" smtClean="0">
+                <a:solidFill>
+                  <a:schemeClr val="tx1"/>
+                </a:solidFill>
+              </a:rPr>
+              <a:t>Prototype</a:t>
+            </a:r>
+            <a:endParaRPr lang="en-IN" dirty="0">
+              <a:solidFill>
+                <a:schemeClr val="tx1"/>
+              </a:solidFill>
+            </a:endParaRPr>
+          </a:p>
+        </p:txBody>
+      </p:sp>
+      <p:sp>
+        <p:nvSpPr>
+          <p:cNvPr id="5" name="Text Placeholder 4"/>
+          <p:cNvSpPr>
+            <a:spLocks noGrp="1"/>
+          </p:cNvSpPr>
+          <p:nvPr>
+            <p:ph type="body" idx="1"/>
+          </p:nvPr>
+        </p:nvSpPr>
+        <p:spPr>
+          <a:xfrm>
+            <a:off x="4322155" y="2082407"/>
+            <a:ext cx="4393249" cy="1846659"/>
+          </a:xfrm>
+        </p:spPr>
+        <p:txBody>
+          <a:bodyPr/>
+          <a:lstStyle/>
+          <a:p>
+            <a:r>
+              <a:rPr lang="en-IN" dirty="0" smtClean="0"/>
+              <a:t>Fig shows the original picture of the object which will be processed and from that we will found the number plate .</a:t>
+            </a:r>
+          </a:p>
+          <a:p>
+            <a:endParaRPr lang="en-IN" dirty="0"/>
+          </a:p>
+        </p:txBody>
+      </p:sp>
+      <p:pic>
+        <p:nvPicPr>
+          <p:cNvPr id="6" name="Picture 5" descr="7.png"/>
+          <p:cNvPicPr>
+            <a:picLocks noChangeAspect="1"/>
+          </p:cNvPicPr>
+          <p:nvPr/>
+        </p:nvPicPr>
+        <p:blipFill>
+          <a:blip r:embed="rId2"/>
+          <a:stretch>
+            <a:fillRect/>
+          </a:stretch>
+        </p:blipFill>
+        <p:spPr>
+          <a:xfrm>
+            <a:off x="500034" y="1357298"/>
+            <a:ext cx="3429006" cy="4572008"/>
+          </a:xfrm>
+          <a:prstGeom prst="rect">
+            <a:avLst/>
+          </a:prstGeom>
+        </p:spPr>
+      </p:pic>
     </p:spTree>
   </p:cSld>
   <p:clrMapOvr>
@@ -7219,7 +7122,7 @@
         <p:spPr>
           <a:xfrm>
             <a:off x="764540" y="1374534"/>
-            <a:ext cx="5483860" cy="3252814"/>
+            <a:ext cx="5483860" cy="2780889"/>
           </a:xfrm>
           <a:prstGeom prst="rect">
             <a:avLst/>
@@ -7249,7 +7152,7 @@
               </a:tabLst>
             </a:pPr>
             <a:r>
-              <a:rPr sz="2400" dirty="0">
+              <a:rPr sz="2400" smtClean="0">
                 <a:solidFill>
                   <a:srgbClr val="404040"/>
                 </a:solidFill>
@@ -7257,39 +7160,6 @@
                 <a:cs typeface="Times New Roman"/>
               </a:rPr>
               <a:t>Introduction</a:t>
-            </a:r>
-            <a:endParaRPr lang="en-US" sz="2400" dirty="0">
-              <a:solidFill>
-                <a:srgbClr val="404040"/>
-              </a:solidFill>
-              <a:latin typeface="Times New Roman"/>
-              <a:cs typeface="Times New Roman"/>
-            </a:endParaRPr>
-          </a:p>
-          <a:p>
-            <a:pPr marL="355600" indent="-342900">
-              <a:spcBef>
-                <a:spcPts val="805"/>
-              </a:spcBef>
-              <a:buClr>
-                <a:srgbClr val="90C225"/>
-              </a:buClr>
-              <a:buSzPct val="79166"/>
-              <a:buFont typeface="Wingdings"/>
-              <a:buChar char=""/>
-              <a:tabLst>
-                <a:tab pos="356235" algn="l"/>
-              </a:tabLst>
-            </a:pPr>
-            <a:r>
-              <a:rPr lang="en-US" sz="2400" dirty="0" smtClean="0">
-                <a:solidFill>
-                  <a:srgbClr val="404040"/>
-                </a:solidFill>
-                <a:latin typeface="Times New Roman"/>
-                <a:cs typeface="Times New Roman"/>
-              </a:rPr>
-              <a:t>Flow</a:t>
             </a:r>
             <a:endParaRPr lang="en-US" sz="2400" dirty="0" smtClean="0">
               <a:solidFill>
@@ -7472,7 +7342,7 @@
           <p:cNvPr id="4" name="object 10">
             <a:extLst>
               <a:ext uri="{FF2B5EF4-FFF2-40B4-BE49-F238E27FC236}">
-                <a16:creationId xmlns="" xmlns:a16="http://schemas.microsoft.com/office/drawing/2014/main" id="{35D8B650-AF43-4B77-83B2-05690A4CDCB9}"/>
+                <a16:creationId xmlns:a16="http://schemas.microsoft.com/office/drawing/2014/main" xmlns="" id="{35D8B650-AF43-4B77-83B2-05690A4CDCB9}"/>
               </a:ext>
             </a:extLst>
           </p:cNvPr>
@@ -7595,7 +7465,7 @@
           <p:cNvPr id="3" name="object 10">
             <a:extLst>
               <a:ext uri="{FF2B5EF4-FFF2-40B4-BE49-F238E27FC236}">
-                <a16:creationId xmlns="" xmlns:a16="http://schemas.microsoft.com/office/drawing/2014/main" id="{804B5F74-A0E8-4CBF-809F-A4EE89CC1398}"/>
+                <a16:creationId xmlns:a16="http://schemas.microsoft.com/office/drawing/2014/main" xmlns="" id="{804B5F74-A0E8-4CBF-809F-A4EE89CC1398}"/>
               </a:ext>
             </a:extLst>
           </p:cNvPr>
@@ -7649,43 +7519,6 @@
       </p:sp>
       <p:sp>
         <p:nvSpPr>
-          <p:cNvPr id="4" name="Title 3"/>
-          <p:cNvSpPr>
-            <a:spLocks noGrp="1"/>
-          </p:cNvSpPr>
-          <p:nvPr>
-            <p:ph type="title"/>
-          </p:nvPr>
-        </p:nvSpPr>
-        <p:spPr>
-          <a:xfrm>
-            <a:off x="2036190" y="503936"/>
-            <a:ext cx="5071618" cy="430887"/>
-          </a:xfrm>
-        </p:spPr>
-        <p:txBody>
-          <a:bodyPr/>
-          <a:lstStyle/>
-          <a:p>
-            <a:pPr algn="ctr"/>
-            <a:r>
-              <a:rPr lang="en-US" dirty="0" smtClean="0">
-                <a:solidFill>
-                  <a:schemeClr val="tx1"/>
-                </a:solidFill>
-              </a:rPr>
-              <a:t>Prototype</a:t>
-            </a:r>
-            <a:endParaRPr lang="en-IN" dirty="0">
-              <a:solidFill>
-                <a:schemeClr val="tx1"/>
-              </a:solidFill>
-            </a:endParaRPr>
-          </a:p>
-        </p:txBody>
-      </p:sp>
-      <p:sp>
-        <p:nvSpPr>
           <p:cNvPr id="5" name="Text Placeholder 4"/>
           <p:cNvSpPr>
             <a:spLocks noGrp="1"/>
@@ -7697,7 +7530,7 @@
         <p:spPr>
           <a:xfrm>
             <a:off x="4322155" y="2082407"/>
-            <a:ext cx="4393249" cy="1846659"/>
+            <a:ext cx="4393249" cy="2215991"/>
           </a:xfrm>
         </p:spPr>
         <p:txBody>
@@ -7706,22 +7539,17 @@
           <a:p>
             <a:r>
               <a:rPr lang="en-IN" dirty="0" smtClean="0"/>
-              <a:t>Fig </a:t>
-            </a:r>
+              <a:t>Picture shows the processed image of given frame (photo). </a:t>
+            </a:r>
+          </a:p>
+          <a:p>
+            <a:endParaRPr lang="en-IN" dirty="0" smtClean="0"/>
+          </a:p>
+          <a:p>
             <a:r>
               <a:rPr lang="en-IN" dirty="0" smtClean="0"/>
-              <a:t>shows the </a:t>
-            </a:r>
-            <a:r>
-              <a:rPr lang="en-IN" dirty="0" smtClean="0"/>
-              <a:t>original </a:t>
-            </a:r>
-            <a:r>
-              <a:rPr lang="en-IN" dirty="0" smtClean="0"/>
-              <a:t>picture of the object which will be processed and from that we will found the number plate .</a:t>
-            </a:r>
-          </a:p>
-          <a:p>
+              <a:t>In the photo we can see the red box which will be drawn on number plate.</a:t>
+            </a:r>
             <a:endParaRPr lang="en-IN" dirty="0"/>
           </a:p>
         </p:txBody>
@@ -7821,7 +7649,7 @@
           <p:cNvPr id="3" name="object 10">
             <a:extLst>
               <a:ext uri="{FF2B5EF4-FFF2-40B4-BE49-F238E27FC236}">
-                <a16:creationId xmlns="" xmlns:a16="http://schemas.microsoft.com/office/drawing/2014/main" id="{804B5F74-A0E8-4CBF-809F-A4EE89CC1398}"/>
+                <a16:creationId xmlns:a16="http://schemas.microsoft.com/office/drawing/2014/main" xmlns="" id="{804B5F74-A0E8-4CBF-809F-A4EE89CC1398}"/>
               </a:ext>
             </a:extLst>
           </p:cNvPr>
@@ -7886,7 +7714,7 @@
         <p:spPr>
           <a:xfrm>
             <a:off x="4322155" y="2082407"/>
-            <a:ext cx="4393249" cy="2215991"/>
+            <a:ext cx="4393249" cy="1477328"/>
           </a:xfrm>
         </p:spPr>
         <p:txBody>
@@ -7895,25 +7723,7 @@
           <a:p>
             <a:r>
               <a:rPr lang="en-IN" dirty="0" smtClean="0"/>
-              <a:t>Picture </a:t>
-            </a:r>
-            <a:r>
-              <a:rPr lang="en-IN" dirty="0" smtClean="0"/>
-              <a:t>shows the processed image of given frame (photo). </a:t>
-            </a:r>
-            <a:endParaRPr lang="en-IN" dirty="0" smtClean="0"/>
-          </a:p>
-          <a:p>
-            <a:endParaRPr lang="en-IN" dirty="0" smtClean="0"/>
-          </a:p>
-          <a:p>
-            <a:r>
-              <a:rPr lang="en-IN" dirty="0" smtClean="0"/>
-              <a:t>In </a:t>
-            </a:r>
-            <a:r>
-              <a:rPr lang="en-IN" dirty="0" smtClean="0"/>
-              <a:t>the photo we can see the red box which will be drawn on number plate.</a:t>
+              <a:t>Picture shows the extracted number plate from the image which will be further used for number plate recognition.</a:t>
             </a:r>
             <a:endParaRPr lang="en-IN" dirty="0"/>
           </a:p>
@@ -7935,8 +7745,8 @@
         </p:blipFill>
         <p:spPr>
           <a:xfrm>
-            <a:off x="500034" y="1357298"/>
-            <a:ext cx="3429006" cy="4572008"/>
+            <a:off x="500034" y="2243011"/>
+            <a:ext cx="3429006" cy="2800582"/>
           </a:xfrm>
           <a:prstGeom prst="rect">
             <a:avLst/>
@@ -8014,7 +7824,7 @@
           <p:cNvPr id="3" name="object 10">
             <a:extLst>
               <a:ext uri="{FF2B5EF4-FFF2-40B4-BE49-F238E27FC236}">
-                <a16:creationId xmlns="" xmlns:a16="http://schemas.microsoft.com/office/drawing/2014/main" id="{804B5F74-A0E8-4CBF-809F-A4EE89CC1398}"/>
+                <a16:creationId xmlns:a16="http://schemas.microsoft.com/office/drawing/2014/main" xmlns="" id="{804B5F74-A0E8-4CBF-809F-A4EE89CC1398}"/>
               </a:ext>
             </a:extLst>
           </p:cNvPr>
@@ -8078,8 +7888,8 @@
         </p:nvSpPr>
         <p:spPr>
           <a:xfrm>
-            <a:off x="4322155" y="2082407"/>
-            <a:ext cx="4393249" cy="1477328"/>
+            <a:off x="785786" y="3857628"/>
+            <a:ext cx="8072494" cy="2000264"/>
           </a:xfrm>
         </p:spPr>
         <p:txBody>
@@ -8088,11 +7898,7 @@
           <a:p>
             <a:r>
               <a:rPr lang="en-IN" dirty="0" smtClean="0"/>
-              <a:t>Picture </a:t>
-            </a:r>
-            <a:r>
-              <a:rPr lang="en-IN" dirty="0" smtClean="0"/>
-              <a:t>shows the extracted number plate from the image which will be further used for number plate recognition.</a:t>
+              <a:t>After completing process it will give total number of possible number plates that would be found in picture and from that which would optimal that will be extracted</a:t>
             </a:r>
             <a:endParaRPr lang="en-IN" dirty="0"/>
           </a:p>
@@ -8114,8 +7920,8 @@
         </p:blipFill>
         <p:spPr>
           <a:xfrm>
-            <a:off x="500034" y="2243011"/>
-            <a:ext cx="3429006" cy="2800582"/>
+            <a:off x="1571604" y="1643050"/>
+            <a:ext cx="6312523" cy="1285884"/>
           </a:xfrm>
           <a:prstGeom prst="rect">
             <a:avLst/>
@@ -8127,13 +7933,6 @@
   <p:clrMapOvr>
     <a:masterClrMapping/>
   </p:clrMapOvr>
-  <p:timing>
-    <p:tnLst>
-      <p:par>
-        <p:cTn id="1" dur="indefinite" restart="never" nodeType="tmRoot"/>
-      </p:par>
-    </p:tnLst>
-  </p:timing>
 </p:sld>
 </file>
 
@@ -8190,178 +7989,10 @@
       </p:grpSpPr>
       <p:sp>
         <p:nvSpPr>
-          <p:cNvPr id="3" name="object 10">
-            <a:extLst>
-              <a:ext uri="{FF2B5EF4-FFF2-40B4-BE49-F238E27FC236}">
-                <a16:creationId xmlns="" xmlns:a16="http://schemas.microsoft.com/office/drawing/2014/main" id="{804B5F74-A0E8-4CBF-809F-A4EE89CC1398}"/>
-              </a:ext>
-            </a:extLst>
-          </p:cNvPr>
-          <p:cNvSpPr/>
-          <p:nvPr/>
-        </p:nvSpPr>
-        <p:spPr>
-          <a:xfrm>
-            <a:off x="8244408" y="4365104"/>
-            <a:ext cx="899973" cy="2493070"/>
-          </a:xfrm>
-          <a:custGeom>
-            <a:avLst/>
-            <a:gdLst/>
-            <a:ahLst/>
-            <a:cxnLst/>
-            <a:rect l="l" t="t" r="r" b="b"/>
-            <a:pathLst>
-              <a:path w="1083945" h="1954529">
-                <a:moveTo>
-                  <a:pt x="1083562" y="0"/>
-                </a:moveTo>
-                <a:lnTo>
-                  <a:pt x="0" y="1954354"/>
-                </a:lnTo>
-                <a:lnTo>
-                  <a:pt x="1083562" y="1949315"/>
-                </a:lnTo>
-                <a:lnTo>
-                  <a:pt x="1083562" y="0"/>
-                </a:lnTo>
-                <a:close/>
-              </a:path>
-            </a:pathLst>
-          </a:custGeom>
-          <a:solidFill>
-            <a:schemeClr val="tx2">
-              <a:lumMod val="60000"/>
-              <a:lumOff val="40000"/>
-              <a:alpha val="79998"/>
-            </a:schemeClr>
-          </a:solidFill>
-        </p:spPr>
-        <p:txBody>
-          <a:bodyPr wrap="square" lIns="0" tIns="0" rIns="0" bIns="0" rtlCol="0"/>
-          <a:lstStyle/>
-          <a:p>
-            <a:endParaRPr dirty="0"/>
-          </a:p>
-        </p:txBody>
-      </p:sp>
-      <p:sp>
-        <p:nvSpPr>
-          <p:cNvPr id="5" name="Text Placeholder 4"/>
-          <p:cNvSpPr>
-            <a:spLocks noGrp="1"/>
-          </p:cNvSpPr>
-          <p:nvPr>
-            <p:ph type="body" idx="1"/>
-          </p:nvPr>
-        </p:nvSpPr>
-        <p:spPr>
-          <a:xfrm>
-            <a:off x="785786" y="3857628"/>
-            <a:ext cx="8072494" cy="2000264"/>
-          </a:xfrm>
-        </p:spPr>
-        <p:txBody>
-          <a:bodyPr/>
-          <a:lstStyle/>
-          <a:p>
-            <a:r>
-              <a:rPr lang="en-IN" dirty="0" smtClean="0"/>
-              <a:t>After completing process it will give total number of possible number plates that would be found in picture and from that which would optimal that will be extracted</a:t>
-            </a:r>
-            <a:endParaRPr lang="en-IN" dirty="0"/>
-          </a:p>
-        </p:txBody>
-      </p:sp>
-      <p:pic>
-        <p:nvPicPr>
-          <p:cNvPr id="6" name="Picture 5" descr="7.png"/>
-          <p:cNvPicPr>
-            <a:picLocks noChangeAspect="1"/>
-          </p:cNvPicPr>
-          <p:nvPr/>
-        </p:nvPicPr>
-        <p:blipFill>
-          <a:blip r:embed="rId2"/>
-          <a:stretch>
-            <a:fillRect/>
-          </a:stretch>
-        </p:blipFill>
-        <p:spPr>
-          <a:xfrm>
-            <a:off x="1571604" y="1643050"/>
-            <a:ext cx="6312523" cy="1285884"/>
-          </a:xfrm>
-          <a:prstGeom prst="rect">
-            <a:avLst/>
-          </a:prstGeom>
-        </p:spPr>
-      </p:pic>
-    </p:spTree>
-  </p:cSld>
-  <p:clrMapOvr>
-    <a:masterClrMapping/>
-  </p:clrMapOvr>
-</p:sld>
-</file>
-
-<file path=ppt/slides/slide24.xml><?xml version="1.0" encoding="utf-8"?>
-<p:sld xmlns:a="http://schemas.openxmlformats.org/drawingml/2006/main" xmlns:r="http://schemas.openxmlformats.org/officeDocument/2006/relationships" xmlns:p="http://schemas.openxmlformats.org/presentationml/2006/main" showMasterSp="0">
-  <p:cSld>
-    <p:bg>
-      <p:bgPr>
-        <a:gradFill>
-          <a:gsLst>
-            <a:gs pos="0">
-              <a:schemeClr val="accent1">
-                <a:lumMod val="5000"/>
-                <a:lumOff val="95000"/>
-              </a:schemeClr>
-            </a:gs>
-            <a:gs pos="74000">
-              <a:schemeClr val="accent1">
-                <a:lumMod val="45000"/>
-                <a:lumOff val="55000"/>
-              </a:schemeClr>
-            </a:gs>
-            <a:gs pos="83000">
-              <a:schemeClr val="accent1">
-                <a:lumMod val="45000"/>
-                <a:lumOff val="55000"/>
-              </a:schemeClr>
-            </a:gs>
-            <a:gs pos="100000">
-              <a:schemeClr val="accent1">
-                <a:lumMod val="30000"/>
-                <a:lumOff val="70000"/>
-              </a:schemeClr>
-            </a:gs>
-          </a:gsLst>
-          <a:lin ang="5400000" scaled="1"/>
-        </a:gradFill>
-        <a:effectLst/>
-      </p:bgPr>
-    </p:bg>
-    <p:spTree>
-      <p:nvGrpSpPr>
-        <p:cNvPr id="1" name=""/>
-        <p:cNvGrpSpPr/>
-        <p:nvPr/>
-      </p:nvGrpSpPr>
-      <p:grpSpPr>
-        <a:xfrm>
-          <a:off x="0" y="0"/>
-          <a:ext cx="0" cy="0"/>
-          <a:chOff x="0" y="0"/>
-          <a:chExt cx="0" cy="0"/>
-        </a:xfrm>
-      </p:grpSpPr>
-      <p:sp>
-        <p:nvSpPr>
           <p:cNvPr id="4" name="Title 1">
             <a:extLst>
               <a:ext uri="{FF2B5EF4-FFF2-40B4-BE49-F238E27FC236}">
-                <a16:creationId xmlns="" xmlns:a16="http://schemas.microsoft.com/office/drawing/2014/main" id="{35C0D60C-6BD3-4CF5-945C-599C4B5EA2EA}"/>
+                <a16:creationId xmlns:a16="http://schemas.microsoft.com/office/drawing/2014/main" xmlns="" id="{35C0D60C-6BD3-4CF5-945C-599C4B5EA2EA}"/>
               </a:ext>
             </a:extLst>
           </p:cNvPr>
@@ -8441,7 +8072,7 @@
           <p:cNvPr id="5" name="Content Placeholder 2">
             <a:extLst>
               <a:ext uri="{FF2B5EF4-FFF2-40B4-BE49-F238E27FC236}">
-                <a16:creationId xmlns="" xmlns:a16="http://schemas.microsoft.com/office/drawing/2014/main" id="{8517FA06-ADCF-41B1-BBB6-39FC95F3D35E}"/>
+                <a16:creationId xmlns:a16="http://schemas.microsoft.com/office/drawing/2014/main" xmlns="" id="{8517FA06-ADCF-41B1-BBB6-39FC95F3D35E}"/>
               </a:ext>
             </a:extLst>
           </p:cNvPr>
@@ -8744,7 +8375,7 @@
           <p:cNvPr id="6" name="object 10">
             <a:extLst>
               <a:ext uri="{FF2B5EF4-FFF2-40B4-BE49-F238E27FC236}">
-                <a16:creationId xmlns="" xmlns:a16="http://schemas.microsoft.com/office/drawing/2014/main" id="{D1C0BCD1-BFC9-43AC-9361-FCBE872DD6AB}"/>
+                <a16:creationId xmlns:a16="http://schemas.microsoft.com/office/drawing/2014/main" xmlns="" id="{D1C0BCD1-BFC9-43AC-9361-FCBE872DD6AB}"/>
               </a:ext>
             </a:extLst>
           </p:cNvPr>
@@ -8804,7 +8435,7 @@
 </p:sld>
 </file>
 
-<file path=ppt/slides/slide25.xml><?xml version="1.0" encoding="utf-8"?>
+<file path=ppt/slides/slide24.xml><?xml version="1.0" encoding="utf-8"?>
 <p:sld xmlns:a="http://schemas.openxmlformats.org/drawingml/2006/main" xmlns:r="http://schemas.openxmlformats.org/officeDocument/2006/relationships" xmlns:p="http://schemas.openxmlformats.org/presentationml/2006/main" showMasterSp="0">
   <p:cSld>
     <p:bg>
@@ -8886,7 +8517,7 @@
           <p:cNvPr id="3" name="object 10">
             <a:extLst>
               <a:ext uri="{FF2B5EF4-FFF2-40B4-BE49-F238E27FC236}">
-                <a16:creationId xmlns="" xmlns:a16="http://schemas.microsoft.com/office/drawing/2014/main" id="{C83C325A-92A4-4E82-AA62-74F1A3CD0B79}"/>
+                <a16:creationId xmlns:a16="http://schemas.microsoft.com/office/drawing/2014/main" xmlns="" id="{C83C325A-92A4-4E82-AA62-74F1A3CD0B79}"/>
               </a:ext>
             </a:extLst>
           </p:cNvPr>
@@ -9002,7 +8633,7 @@
           <p:cNvPr id="4" name="Title 1">
             <a:extLst>
               <a:ext uri="{FF2B5EF4-FFF2-40B4-BE49-F238E27FC236}">
-                <a16:creationId xmlns="" xmlns:a16="http://schemas.microsoft.com/office/drawing/2014/main" id="{5CBA8746-1379-4016-A262-8F7CCCA9E8D0}"/>
+                <a16:creationId xmlns:a16="http://schemas.microsoft.com/office/drawing/2014/main" xmlns="" id="{5CBA8746-1379-4016-A262-8F7CCCA9E8D0}"/>
               </a:ext>
             </a:extLst>
           </p:cNvPr>
@@ -9065,7 +8696,7 @@
           <p:cNvPr id="5" name="Content Placeholder 2">
             <a:extLst>
               <a:ext uri="{FF2B5EF4-FFF2-40B4-BE49-F238E27FC236}">
-                <a16:creationId xmlns="" xmlns:a16="http://schemas.microsoft.com/office/drawing/2014/main" id="{26DA4B40-B253-4E3E-A40C-2BCE932353C9}"/>
+                <a16:creationId xmlns:a16="http://schemas.microsoft.com/office/drawing/2014/main" xmlns="" id="{26DA4B40-B253-4E3E-A40C-2BCE932353C9}"/>
               </a:ext>
             </a:extLst>
           </p:cNvPr>
@@ -9263,7 +8894,7 @@
           <p:cNvPr id="6" name="object 10">
             <a:extLst>
               <a:ext uri="{FF2B5EF4-FFF2-40B4-BE49-F238E27FC236}">
-                <a16:creationId xmlns="" xmlns:a16="http://schemas.microsoft.com/office/drawing/2014/main" id="{9B221D63-A18E-4B8A-A45C-D01F9BCFE9C1}"/>
+                <a16:creationId xmlns:a16="http://schemas.microsoft.com/office/drawing/2014/main" xmlns="" id="{9B221D63-A18E-4B8A-A45C-D01F9BCFE9C1}"/>
               </a:ext>
             </a:extLst>
           </p:cNvPr>
@@ -9386,7 +9017,7 @@
           <p:cNvPr id="6" name="object 10">
             <a:extLst>
               <a:ext uri="{FF2B5EF4-FFF2-40B4-BE49-F238E27FC236}">
-                <a16:creationId xmlns="" xmlns:a16="http://schemas.microsoft.com/office/drawing/2014/main" id="{9B221D63-A18E-4B8A-A45C-D01F9BCFE9C1}"/>
+                <a16:creationId xmlns:a16="http://schemas.microsoft.com/office/drawing/2014/main" xmlns="" id="{9B221D63-A18E-4B8A-A45C-D01F9BCFE9C1}"/>
               </a:ext>
             </a:extLst>
           </p:cNvPr>
@@ -9678,7 +9309,7 @@
           <p:cNvPr id="4" name="object 10">
             <a:extLst>
               <a:ext uri="{FF2B5EF4-FFF2-40B4-BE49-F238E27FC236}">
-                <a16:creationId xmlns="" xmlns:a16="http://schemas.microsoft.com/office/drawing/2014/main" id="{8BD74011-1C72-47BB-9FB8-5D4BDC366DE0}"/>
+                <a16:creationId xmlns:a16="http://schemas.microsoft.com/office/drawing/2014/main" xmlns="" id="{8BD74011-1C72-47BB-9FB8-5D4BDC366DE0}"/>
               </a:ext>
             </a:extLst>
           </p:cNvPr>
@@ -9922,7 +9553,7 @@
           <p:cNvPr id="4" name="object 10">
             <a:extLst>
               <a:ext uri="{FF2B5EF4-FFF2-40B4-BE49-F238E27FC236}">
-                <a16:creationId xmlns="" xmlns:a16="http://schemas.microsoft.com/office/drawing/2014/main" id="{8BD74011-1C72-47BB-9FB8-5D4BDC366DE0}"/>
+                <a16:creationId xmlns:a16="http://schemas.microsoft.com/office/drawing/2014/main" xmlns="" id="{8BD74011-1C72-47BB-9FB8-5D4BDC366DE0}"/>
               </a:ext>
             </a:extLst>
           </p:cNvPr>
@@ -10044,7 +9675,7 @@
           <p:cNvPr id="4" name="Title 1">
             <a:extLst>
               <a:ext uri="{FF2B5EF4-FFF2-40B4-BE49-F238E27FC236}">
-                <a16:creationId xmlns="" xmlns:a16="http://schemas.microsoft.com/office/drawing/2014/main" id="{E00CD9BE-594C-4C53-AA44-45D734647F56}"/>
+                <a16:creationId xmlns:a16="http://schemas.microsoft.com/office/drawing/2014/main" xmlns="" id="{E00CD9BE-594C-4C53-AA44-45D734647F56}"/>
               </a:ext>
             </a:extLst>
           </p:cNvPr>
@@ -10057,8 +9688,8 @@
         </p:nvSpPr>
         <p:spPr>
           <a:xfrm>
-            <a:off x="1500166" y="0"/>
-            <a:ext cx="6200756" cy="733188"/>
+            <a:off x="360871" y="624110"/>
+            <a:ext cx="8911687" cy="1280890"/>
           </a:xfrm>
         </p:spPr>
         <p:txBody>
@@ -10069,20 +9700,399 @@
           <a:p>
             <a:pPr algn="ctr"/>
             <a:r>
-              <a:rPr lang="en-IN" sz="4400" b="0" dirty="0" smtClean="0">
+              <a:rPr lang="en-IN" sz="4400" b="0" dirty="0">
                 <a:solidFill>
                   <a:schemeClr val="tx1"/>
                 </a:solidFill>
                 <a:latin typeface="Arial" panose="020B0604020202020204" pitchFamily="34" charset="0"/>
                 <a:cs typeface="Arial" panose="020B0604020202020204" pitchFamily="34" charset="0"/>
               </a:rPr>
-              <a:t>Flow</a:t>
-            </a:r>
-            <a:endParaRPr lang="en-IN" sz="4400" b="0" dirty="0">
+              <a:t>Features</a:t>
+            </a:r>
+          </a:p>
+        </p:txBody>
+      </p:sp>
+      <p:sp>
+        <p:nvSpPr>
+          <p:cNvPr id="5" name="Content Placeholder 2">
+            <a:extLst>
+              <a:ext uri="{FF2B5EF4-FFF2-40B4-BE49-F238E27FC236}">
+                <a16:creationId xmlns:a16="http://schemas.microsoft.com/office/drawing/2014/main" xmlns="" id="{7C495674-73F9-44D9-A786-F358054F7591}"/>
+              </a:ext>
+            </a:extLst>
+          </p:cNvPr>
+          <p:cNvSpPr txBox="1">
+            <a:spLocks/>
+          </p:cNvSpPr>
+          <p:nvPr/>
+        </p:nvSpPr>
+        <p:spPr>
+          <a:xfrm>
+            <a:off x="357158" y="1905000"/>
+            <a:ext cx="8915400" cy="4238644"/>
+          </a:xfrm>
+          <a:prstGeom prst="rect">
+            <a:avLst/>
+          </a:prstGeom>
+        </p:spPr>
+        <p:txBody>
+          <a:bodyPr wrap="square" lIns="0" tIns="0" rIns="0" bIns="0">
+            <a:noAutofit/>
+          </a:bodyPr>
+          <a:lstStyle/>
+          <a:p>
+            <a:pPr marL="565200" marR="0" lvl="0" indent="-457200" algn="just" defTabSz="914400" eaLnBrk="1" fontAlgn="auto" latinLnBrk="0" hangingPunct="1">
+              <a:lnSpc>
+                <a:spcPct val="100000"/>
+              </a:lnSpc>
+              <a:spcBef>
+                <a:spcPts val="1417"/>
+              </a:spcBef>
+              <a:spcAft>
+                <a:spcPts val="0"/>
+              </a:spcAft>
+              <a:buClr>
+                <a:srgbClr val="000000"/>
+              </a:buClr>
+              <a:buSzPct val="45000"/>
+              <a:buFont typeface="Wingdings" panose="05000000000000000000" pitchFamily="2" charset="2"/>
+              <a:buChar char="Ø"/>
+              <a:tabLst/>
+              <a:defRPr/>
+            </a:pPr>
+            <a:r>
+              <a:rPr kumimoji="0" lang="en-US" sz="2400" b="0" i="0" u="none" strike="noStrike" kern="0" cap="none" spc="-1" normalizeH="0" baseline="0" noProof="0" dirty="0">
+                <a:ln>
+                  <a:noFill/>
+                </a:ln>
+                <a:solidFill>
+                  <a:srgbClr val="000000"/>
+                </a:solidFill>
+                <a:effectLst/>
+                <a:uLnTx/>
+                <a:uFillTx/>
+                <a:latin typeface="Calibri"/>
+                <a:ea typeface="+mn-ea"/>
+                <a:cs typeface="Times New Roman"/>
+              </a:rPr>
+              <a:t>There are mainly four features of this Smart </a:t>
+            </a:r>
+            <a:r>
+              <a:rPr kumimoji="0" lang="en-US" sz="2400" b="0" i="0" u="none" strike="noStrike" kern="0" cap="none" spc="-1" normalizeH="0" baseline="0" noProof="0" dirty="0" smtClean="0">
+                <a:ln>
+                  <a:noFill/>
+                </a:ln>
+                <a:solidFill>
+                  <a:srgbClr val="000000"/>
+                </a:solidFill>
+                <a:effectLst/>
+                <a:uLnTx/>
+                <a:uFillTx/>
+                <a:latin typeface="Calibri"/>
+                <a:ea typeface="+mn-ea"/>
+                <a:cs typeface="Times New Roman"/>
+              </a:rPr>
+              <a:t>Tracker</a:t>
+            </a:r>
+            <a:endParaRPr kumimoji="0" lang="en-US" sz="2400" b="0" i="0" u="none" strike="noStrike" kern="0" cap="none" spc="-1" normalizeH="0" baseline="0" noProof="0" dirty="0" smtClean="0">
+              <a:ln>
+                <a:noFill/>
+              </a:ln>
               <a:solidFill>
-                <a:schemeClr val="tx1"/>
+                <a:srgbClr val="000000"/>
               </a:solidFill>
+              <a:effectLst/>
+              <a:uLnTx/>
+              <a:uFillTx/>
+              <a:latin typeface="Calibri"/>
+              <a:ea typeface="+mn-ea"/>
+              <a:cs typeface="+mn-cs"/>
+            </a:endParaRPr>
+          </a:p>
+          <a:p>
+            <a:pPr marL="882900" marR="0" lvl="1" indent="-342900" algn="just" defTabSz="914400" eaLnBrk="1" fontAlgn="auto" latinLnBrk="0" hangingPunct="1">
+              <a:lnSpc>
+                <a:spcPct val="100000"/>
+              </a:lnSpc>
+              <a:spcBef>
+                <a:spcPts val="1134"/>
+              </a:spcBef>
+              <a:spcAft>
+                <a:spcPts val="0"/>
+              </a:spcAft>
+              <a:buClr>
+                <a:srgbClr val="000000"/>
+              </a:buClr>
+              <a:buSzPct val="75000"/>
+              <a:buFont typeface="Wingdings" panose="05000000000000000000" pitchFamily="2" charset="2"/>
+              <a:buChar char="v"/>
+              <a:tabLst/>
+              <a:defRPr/>
+            </a:pPr>
+            <a:r>
+              <a:rPr lang="en-US" sz="2400" kern="0" spc="-1" dirty="0" smtClean="0">
+                <a:solidFill>
+                  <a:srgbClr val="000000"/>
+                </a:solidFill>
+                <a:latin typeface="Calibri"/>
+              </a:rPr>
+              <a:t>Object Detection (Vehicle Recognition)</a:t>
+            </a:r>
+            <a:endParaRPr kumimoji="0" lang="en-US" sz="2400" b="0" i="0" u="none" strike="noStrike" kern="0" cap="none" spc="-1" normalizeH="0" baseline="0" noProof="0" dirty="0">
+              <a:ln>
+                <a:noFill/>
+              </a:ln>
+              <a:solidFill>
+                <a:srgbClr val="000000"/>
+              </a:solidFill>
+              <a:effectLst/>
+              <a:uLnTx/>
+              <a:uFillTx/>
+              <a:latin typeface="Calibri"/>
+              <a:ea typeface="+mn-ea"/>
+              <a:cs typeface="+mn-cs"/>
+            </a:endParaRPr>
+          </a:p>
+          <a:p>
+            <a:pPr marL="882900" marR="0" lvl="1" indent="-342900" algn="just" defTabSz="914400" eaLnBrk="1" fontAlgn="auto" latinLnBrk="0" hangingPunct="1">
+              <a:lnSpc>
+                <a:spcPct val="100000"/>
+              </a:lnSpc>
+              <a:spcBef>
+                <a:spcPts val="1134"/>
+              </a:spcBef>
+              <a:spcAft>
+                <a:spcPts val="0"/>
+              </a:spcAft>
+              <a:buClr>
+                <a:srgbClr val="000000"/>
+              </a:buClr>
+              <a:buSzPct val="75000"/>
+              <a:buFont typeface="Wingdings" panose="05000000000000000000" pitchFamily="2" charset="2"/>
+              <a:buChar char="v"/>
+              <a:tabLst/>
+              <a:defRPr/>
+            </a:pPr>
+            <a:r>
+              <a:rPr kumimoji="0" lang="en-US" sz="2400" b="0" i="0" u="none" strike="noStrike" kern="0" cap="none" spc="-1" normalizeH="0" baseline="0" noProof="0" dirty="0" smtClean="0">
+                <a:ln>
+                  <a:noFill/>
+                </a:ln>
+                <a:solidFill>
+                  <a:srgbClr val="000000"/>
+                </a:solidFill>
+                <a:effectLst/>
+                <a:uLnTx/>
+                <a:uFillTx/>
+                <a:latin typeface="Calibri"/>
+                <a:ea typeface="+mn-ea"/>
+                <a:cs typeface="+mn-cs"/>
+              </a:rPr>
+              <a:t>Number-Plate </a:t>
+            </a:r>
+            <a:r>
+              <a:rPr kumimoji="0" lang="en-US" sz="2400" b="0" i="0" u="none" strike="noStrike" kern="0" cap="none" spc="-1" normalizeH="0" baseline="0" noProof="0" dirty="0">
+                <a:ln>
+                  <a:noFill/>
+                </a:ln>
+                <a:solidFill>
+                  <a:srgbClr val="000000"/>
+                </a:solidFill>
+                <a:effectLst/>
+                <a:uLnTx/>
+                <a:uFillTx/>
+                <a:latin typeface="Calibri"/>
+                <a:ea typeface="+mn-ea"/>
+                <a:cs typeface="+mn-cs"/>
+              </a:rPr>
+              <a:t>Recognition </a:t>
+            </a:r>
+          </a:p>
+          <a:p>
+            <a:pPr marL="882900" marR="0" lvl="1" indent="-342900" algn="just" defTabSz="914400" eaLnBrk="1" fontAlgn="auto" latinLnBrk="0" hangingPunct="1">
+              <a:lnSpc>
+                <a:spcPct val="100000"/>
+              </a:lnSpc>
+              <a:spcBef>
+                <a:spcPts val="1134"/>
+              </a:spcBef>
+              <a:spcAft>
+                <a:spcPts val="0"/>
+              </a:spcAft>
+              <a:buClr>
+                <a:srgbClr val="000000"/>
+              </a:buClr>
+              <a:buSzPct val="75000"/>
+              <a:buFont typeface="Wingdings" panose="05000000000000000000" pitchFamily="2" charset="2"/>
+              <a:buChar char="v"/>
+              <a:tabLst/>
+              <a:defRPr/>
+            </a:pPr>
+            <a:r>
+              <a:rPr lang="en-US" sz="2400" kern="0" spc="-1" dirty="0" smtClean="0">
+                <a:solidFill>
+                  <a:srgbClr val="000000"/>
+                </a:solidFill>
+                <a:latin typeface="Calibri"/>
+              </a:rPr>
+              <a:t>Store </a:t>
+            </a:r>
+            <a:r>
+              <a:rPr lang="en-US" sz="2400" kern="0" spc="-1" dirty="0">
+                <a:solidFill>
+                  <a:srgbClr val="000000"/>
+                </a:solidFill>
+                <a:latin typeface="Calibri"/>
+              </a:rPr>
+              <a:t>Vehicle </a:t>
+            </a:r>
+            <a:r>
+              <a:rPr lang="en-US" sz="2400" kern="0" spc="-1" dirty="0" smtClean="0">
+                <a:solidFill>
+                  <a:srgbClr val="000000"/>
+                </a:solidFill>
+                <a:latin typeface="Calibri"/>
+              </a:rPr>
+              <a:t>Details In Database</a:t>
+            </a:r>
+          </a:p>
+          <a:p>
+            <a:pPr marL="882900" marR="0" lvl="1" indent="-342900" algn="just" defTabSz="914400" eaLnBrk="1" fontAlgn="auto" latinLnBrk="0" hangingPunct="1">
+              <a:lnSpc>
+                <a:spcPct val="100000"/>
+              </a:lnSpc>
+              <a:spcBef>
+                <a:spcPts val="1134"/>
+              </a:spcBef>
+              <a:spcAft>
+                <a:spcPts val="0"/>
+              </a:spcAft>
+              <a:buClr>
+                <a:srgbClr val="000000"/>
+              </a:buClr>
+              <a:buSzPct val="75000"/>
+              <a:buFont typeface="Wingdings" panose="05000000000000000000" pitchFamily="2" charset="2"/>
+              <a:buChar char="v"/>
+              <a:tabLst/>
+              <a:defRPr/>
+            </a:pPr>
+            <a:r>
+              <a:rPr kumimoji="0" lang="en-US" sz="2400" b="0" i="0" u="none" strike="noStrike" kern="0" cap="none" spc="-1" normalizeH="0" baseline="0" noProof="0" dirty="0" smtClean="0">
+                <a:ln>
+                  <a:noFill/>
+                </a:ln>
+                <a:solidFill>
+                  <a:srgbClr val="000000"/>
+                </a:solidFill>
+                <a:effectLst/>
+                <a:uLnTx/>
+                <a:uFillTx/>
+                <a:latin typeface="Calibri"/>
+                <a:ea typeface="+mn-ea"/>
+                <a:cs typeface="+mn-cs"/>
+              </a:rPr>
+              <a:t>Search given number</a:t>
+            </a:r>
+            <a:r>
+              <a:rPr kumimoji="0" lang="en-US" sz="2400" b="0" i="0" u="none" strike="noStrike" kern="0" cap="none" spc="-1" normalizeH="0" noProof="0" dirty="0" smtClean="0">
+                <a:ln>
+                  <a:noFill/>
+                </a:ln>
+                <a:solidFill>
+                  <a:srgbClr val="000000"/>
+                </a:solidFill>
+                <a:effectLst/>
+                <a:uLnTx/>
+                <a:uFillTx/>
+                <a:latin typeface="Calibri"/>
+                <a:ea typeface="+mn-ea"/>
+                <a:cs typeface="+mn-cs"/>
+              </a:rPr>
+              <a:t> plate in database</a:t>
+            </a:r>
+            <a:endParaRPr kumimoji="0" lang="en-US" sz="2400" b="0" i="0" u="none" strike="noStrike" kern="0" cap="none" spc="-1" normalizeH="0" baseline="0" noProof="0" dirty="0">
+              <a:ln>
+                <a:noFill/>
+              </a:ln>
+              <a:solidFill>
+                <a:srgbClr val="000000"/>
+              </a:solidFill>
+              <a:effectLst/>
+              <a:uLnTx/>
+              <a:uFillTx/>
+              <a:latin typeface="Calibri"/>
+              <a:ea typeface="+mn-ea"/>
+              <a:cs typeface="+mn-cs"/>
+            </a:endParaRPr>
+          </a:p>
+          <a:p>
+            <a:pPr marL="565200" marR="0" lvl="0" indent="-457200" algn="just" defTabSz="914400" eaLnBrk="1" fontAlgn="auto" latinLnBrk="0" hangingPunct="1">
+              <a:lnSpc>
+                <a:spcPct val="100000"/>
+              </a:lnSpc>
+              <a:spcBef>
+                <a:spcPts val="1417"/>
+              </a:spcBef>
+              <a:spcAft>
+                <a:spcPts val="0"/>
+              </a:spcAft>
+              <a:buClr>
+                <a:srgbClr val="000000"/>
+              </a:buClr>
+              <a:buSzPct val="45000"/>
+              <a:buFont typeface="Wingdings" panose="05000000000000000000" pitchFamily="2" charset="2"/>
+              <a:buChar char="Ø"/>
+              <a:tabLst/>
+              <a:defRPr/>
+            </a:pPr>
+            <a:r>
+              <a:rPr kumimoji="0" lang="en-US" sz="2400" b="0" i="0" u="none" strike="noStrike" kern="0" cap="none" spc="-1" normalizeH="0" baseline="0" noProof="0" dirty="0">
+                <a:ln>
+                  <a:noFill/>
+                </a:ln>
+                <a:solidFill>
+                  <a:srgbClr val="000000"/>
+                </a:solidFill>
+                <a:effectLst/>
+                <a:uLnTx/>
+                <a:uFillTx/>
+                <a:latin typeface="Calibri"/>
+                <a:ea typeface="+mn-ea"/>
+                <a:cs typeface="Times New Roman"/>
+              </a:rPr>
+              <a:t>It can be implemented using Image Processing. </a:t>
+            </a:r>
+          </a:p>
+          <a:p>
+            <a:pPr marL="0" marR="0" lvl="0" indent="0" algn="just" defTabSz="914400" eaLnBrk="1" fontAlgn="auto" latinLnBrk="0" hangingPunct="1">
+              <a:lnSpc>
+                <a:spcPct val="100000"/>
+              </a:lnSpc>
+              <a:spcBef>
+                <a:spcPts val="0"/>
+              </a:spcBef>
+              <a:spcAft>
+                <a:spcPts val="0"/>
+              </a:spcAft>
+              <a:buClrTx/>
+              <a:buSzTx/>
+              <a:buFont typeface="Wingdings" panose="05000000000000000000" pitchFamily="2" charset="2"/>
+              <a:buChar char="Ø"/>
+              <a:tabLst/>
+              <a:defRPr/>
+            </a:pPr>
+            <a:endParaRPr kumimoji="0" lang="en-US" sz="2400" b="0" i="0" u="none" strike="noStrike" kern="0" cap="none" spc="0" normalizeH="0" baseline="0" noProof="0" dirty="0">
+              <a:ln>
+                <a:noFill/>
+              </a:ln>
+              <a:solidFill>
+                <a:srgbClr val="404040"/>
+              </a:solidFill>
+              <a:effectLst/>
+              <a:uLnTx/>
+              <a:uFillTx/>
               <a:latin typeface="Arial" panose="020B0604020202020204" pitchFamily="34" charset="0"/>
+              <a:ea typeface="+mn-ea"/>
               <a:cs typeface="Arial" panose="020B0604020202020204" pitchFamily="34" charset="0"/>
             </a:endParaRPr>
           </a:p>
@@ -10093,7 +10103,7 @@
           <p:cNvPr id="6" name="object 10">
             <a:extLst>
               <a:ext uri="{FF2B5EF4-FFF2-40B4-BE49-F238E27FC236}">
-                <a16:creationId xmlns="" xmlns:a16="http://schemas.microsoft.com/office/drawing/2014/main" id="{690EC972-EBED-4D80-A606-FD3C22CABAB3}"/>
+                <a16:creationId xmlns:a16="http://schemas.microsoft.com/office/drawing/2014/main" xmlns="" id="{690EC972-EBED-4D80-A606-FD3C22CABAB3}"/>
               </a:ext>
             </a:extLst>
           </p:cNvPr>
@@ -10145,30 +10155,6 @@
           </a:p>
         </p:txBody>
       </p:sp>
-      <p:pic>
-        <p:nvPicPr>
-          <p:cNvPr id="7" name="Picture 6" descr="steps.png"/>
-          <p:cNvPicPr>
-            <a:picLocks noChangeAspect="1"/>
-          </p:cNvPicPr>
-          <p:nvPr/>
-        </p:nvPicPr>
-        <p:blipFill>
-          <a:blip r:embed="rId2"/>
-          <a:stretch>
-            <a:fillRect/>
-          </a:stretch>
-        </p:blipFill>
-        <p:spPr>
-          <a:xfrm>
-            <a:off x="928662" y="857232"/>
-            <a:ext cx="7269784" cy="5649728"/>
-          </a:xfrm>
-          <a:prstGeom prst="rect">
-            <a:avLst/>
-          </a:prstGeom>
-        </p:spPr>
-      </p:pic>
     </p:spTree>
   </p:cSld>
   <p:clrMapOvr>
@@ -10240,22 +10226,23 @@
           <p:cNvPr id="4" name="Title 1">
             <a:extLst>
               <a:ext uri="{FF2B5EF4-FFF2-40B4-BE49-F238E27FC236}">
-                <a16:creationId xmlns="" xmlns:a16="http://schemas.microsoft.com/office/drawing/2014/main" id="{E00CD9BE-594C-4C53-AA44-45D734647F56}"/>
+                <a16:creationId xmlns:a16="http://schemas.microsoft.com/office/drawing/2014/main" xmlns="" id="{C4DD8909-2E69-4F0C-AB8C-B26F21F61C8F}"/>
               </a:ext>
             </a:extLst>
           </p:cNvPr>
-          <p:cNvSpPr>
-            <a:spLocks noGrp="1"/>
+          <p:cNvSpPr txBox="1">
+            <a:spLocks/>
           </p:cNvSpPr>
-          <p:nvPr>
-            <p:ph type="title"/>
-          </p:nvPr>
+          <p:nvPr/>
         </p:nvSpPr>
         <p:spPr>
           <a:xfrm>
             <a:off x="360871" y="624110"/>
             <a:ext cx="8911687" cy="1280890"/>
           </a:xfrm>
+          <a:prstGeom prst="rect">
+            <a:avLst/>
+          </a:prstGeom>
         </p:spPr>
         <p:txBody>
           <a:bodyPr>
@@ -10263,17 +10250,70 @@
           </a:bodyPr>
           <a:lstStyle/>
           <a:p>
-            <a:pPr algn="ctr"/>
-            <a:r>
-              <a:rPr lang="en-IN" sz="4400" b="0" dirty="0">
-                <a:solidFill>
-                  <a:schemeClr val="tx1"/>
-                </a:solidFill>
+            <a:pPr marL="0" marR="0" lvl="0" indent="0" algn="ctr" defTabSz="914400" eaLnBrk="1" fontAlgn="auto" latinLnBrk="0" hangingPunct="1">
+              <a:lnSpc>
+                <a:spcPct val="100000"/>
+              </a:lnSpc>
+              <a:spcBef>
+                <a:spcPts val="0"/>
+              </a:spcBef>
+              <a:spcAft>
+                <a:spcPts val="0"/>
+              </a:spcAft>
+              <a:buClrTx/>
+              <a:buSzTx/>
+              <a:buFontTx/>
+              <a:buNone/>
+              <a:tabLst/>
+              <a:defRPr/>
+            </a:pPr>
+            <a:r>
+              <a:rPr kumimoji="0" lang="en-IN" sz="4400" b="0" i="0" u="none" strike="noStrike" kern="0" cap="none" spc="0" normalizeH="0" baseline="0" noProof="0" dirty="0">
+                <a:ln>
+                  <a:noFill/>
+                </a:ln>
+                <a:solidFill>
+                  <a:sysClr val="windowText" lastClr="000000"/>
+                </a:solidFill>
+                <a:effectLst/>
+                <a:uLnTx/>
+                <a:uFillTx/>
                 <a:latin typeface="Arial" panose="020B0604020202020204" pitchFamily="34" charset="0"/>
+                <a:ea typeface="+mj-ea"/>
                 <a:cs typeface="Arial" panose="020B0604020202020204" pitchFamily="34" charset="0"/>
               </a:rPr>
-              <a:t>Features</a:t>
-            </a:r>
+              <a:t>Vehicle Recognition</a:t>
+            </a:r>
+            <a:br>
+              <a:rPr kumimoji="0" lang="en-IN" sz="4400" b="0" i="0" u="none" strike="noStrike" kern="0" cap="none" spc="0" normalizeH="0" baseline="0" noProof="0" dirty="0">
+                <a:ln>
+                  <a:noFill/>
+                </a:ln>
+                <a:solidFill>
+                  <a:sysClr val="windowText" lastClr="000000"/>
+                </a:solidFill>
+                <a:effectLst/>
+                <a:uLnTx/>
+                <a:uFillTx/>
+                <a:latin typeface="Arial" panose="020B0604020202020204" pitchFamily="34" charset="0"/>
+                <a:ea typeface="+mj-ea"/>
+                <a:cs typeface="Arial" panose="020B0604020202020204" pitchFamily="34" charset="0"/>
+              </a:rPr>
+            </a:br>
+            <a:endParaRPr kumimoji="0" lang="en-IN" sz="4400" b="0" i="0" u="none" strike="noStrike" kern="0" cap="none" spc="0" normalizeH="0" baseline="0" noProof="0" dirty="0">
+              <a:ln>
+                <a:noFill/>
+              </a:ln>
+              <a:solidFill>
+                <a:sysClr val="windowText" lastClr="000000"/>
+              </a:solidFill>
+              <a:effectLst/>
+              <a:uLnTx/>
+              <a:uFillTx/>
+              <a:latin typeface="Arial" panose="020B0604020202020204" pitchFamily="34" charset="0"/>
+              <a:ea typeface="+mj-ea"/>
+              <a:cs typeface="Arial" panose="020B0604020202020204" pitchFamily="34" charset="0"/>
+            </a:endParaRPr>
           </a:p>
         </p:txBody>
       </p:sp>
@@ -10282,7 +10322,7 @@
           <p:cNvPr id="5" name="Content Placeholder 2">
             <a:extLst>
               <a:ext uri="{FF2B5EF4-FFF2-40B4-BE49-F238E27FC236}">
-                <a16:creationId xmlns="" xmlns:a16="http://schemas.microsoft.com/office/drawing/2014/main" id="{7C495674-73F9-44D9-A786-F358054F7591}"/>
+                <a16:creationId xmlns:a16="http://schemas.microsoft.com/office/drawing/2014/main" xmlns="" id="{96087CC3-9EF8-4CCF-9DD2-1522D95FF935}"/>
               </a:ext>
             </a:extLst>
           </p:cNvPr>
@@ -10294,340 +10334,17 @@
         <p:spPr>
           <a:xfrm>
             <a:off x="357158" y="1905000"/>
-            <a:ext cx="8915400" cy="4238644"/>
+            <a:ext cx="8535322" cy="4122576"/>
           </a:xfrm>
           <a:prstGeom prst="rect">
             <a:avLst/>
           </a:prstGeom>
         </p:spPr>
         <p:txBody>
-          <a:bodyPr wrap="square" lIns="0" tIns="0" rIns="0" bIns="0">
+          <a:bodyPr>
             <a:noAutofit/>
           </a:bodyPr>
           <a:lstStyle/>
-          <a:p>
-            <a:pPr marL="565200" marR="0" lvl="0" indent="-457200" algn="just" defTabSz="914400" eaLnBrk="1" fontAlgn="auto" latinLnBrk="0" hangingPunct="1">
-              <a:lnSpc>
-                <a:spcPct val="100000"/>
-              </a:lnSpc>
-              <a:spcBef>
-                <a:spcPts val="1417"/>
-              </a:spcBef>
-              <a:spcAft>
-                <a:spcPts val="0"/>
-              </a:spcAft>
-              <a:buClr>
-                <a:srgbClr val="000000"/>
-              </a:buClr>
-              <a:buSzPct val="45000"/>
-              <a:buFont typeface="Wingdings" panose="05000000000000000000" pitchFamily="2" charset="2"/>
-              <a:buChar char="Ø"/>
-              <a:tabLst/>
-              <a:defRPr/>
-            </a:pPr>
-            <a:r>
-              <a:rPr kumimoji="0" lang="en-US" sz="2400" b="0" i="0" u="none" strike="noStrike" kern="0" cap="none" spc="-1" normalizeH="0" baseline="0" noProof="0" dirty="0">
-                <a:ln>
-                  <a:noFill/>
-                </a:ln>
-                <a:solidFill>
-                  <a:srgbClr val="000000"/>
-                </a:solidFill>
-                <a:effectLst/>
-                <a:uLnTx/>
-                <a:uFillTx/>
-                <a:latin typeface="Calibri"/>
-                <a:ea typeface="+mn-ea"/>
-                <a:cs typeface="Times New Roman"/>
-              </a:rPr>
-              <a:t>There are mainly four features of this Smart </a:t>
-            </a:r>
-            <a:r>
-              <a:rPr kumimoji="0" lang="en-US" sz="2400" b="0" i="0" u="none" strike="noStrike" kern="0" cap="none" spc="-1" normalizeH="0" baseline="0" noProof="0" dirty="0" smtClean="0">
-                <a:ln>
-                  <a:noFill/>
-                </a:ln>
-                <a:solidFill>
-                  <a:srgbClr val="000000"/>
-                </a:solidFill>
-                <a:effectLst/>
-                <a:uLnTx/>
-                <a:uFillTx/>
-                <a:latin typeface="Calibri"/>
-                <a:ea typeface="+mn-ea"/>
-                <a:cs typeface="Times New Roman"/>
-              </a:rPr>
-              <a:t>Tracker</a:t>
-            </a:r>
-            <a:endParaRPr kumimoji="0" lang="en-US" sz="2400" b="0" i="0" u="none" strike="noStrike" kern="0" cap="none" spc="-1" normalizeH="0" baseline="0" noProof="0" dirty="0" smtClean="0">
-              <a:ln>
-                <a:noFill/>
-              </a:ln>
-              <a:solidFill>
-                <a:srgbClr val="000000"/>
-              </a:solidFill>
-              <a:effectLst/>
-              <a:uLnTx/>
-              <a:uFillTx/>
-              <a:latin typeface="Calibri"/>
-              <a:ea typeface="+mn-ea"/>
-              <a:cs typeface="+mn-cs"/>
-            </a:endParaRPr>
-          </a:p>
-          <a:p>
-            <a:pPr marL="882900" marR="0" lvl="1" indent="-342900" algn="just" defTabSz="914400" eaLnBrk="1" fontAlgn="auto" latinLnBrk="0" hangingPunct="1">
-              <a:lnSpc>
-                <a:spcPct val="100000"/>
-              </a:lnSpc>
-              <a:spcBef>
-                <a:spcPts val="1134"/>
-              </a:spcBef>
-              <a:spcAft>
-                <a:spcPts val="0"/>
-              </a:spcAft>
-              <a:buClr>
-                <a:srgbClr val="000000"/>
-              </a:buClr>
-              <a:buSzPct val="75000"/>
-              <a:buFont typeface="Wingdings" panose="05000000000000000000" pitchFamily="2" charset="2"/>
-              <a:buChar char="v"/>
-              <a:tabLst/>
-              <a:defRPr/>
-            </a:pPr>
-            <a:r>
-              <a:rPr lang="en-US" sz="2400" kern="0" spc="-1" dirty="0" smtClean="0">
-                <a:solidFill>
-                  <a:srgbClr val="000000"/>
-                </a:solidFill>
-                <a:latin typeface="Calibri"/>
-              </a:rPr>
-              <a:t>Object Detection (Vehicle Recognition)</a:t>
-            </a:r>
-            <a:endParaRPr kumimoji="0" lang="en-US" sz="2400" b="0" i="0" u="none" strike="noStrike" kern="0" cap="none" spc="-1" normalizeH="0" baseline="0" noProof="0" dirty="0">
-              <a:ln>
-                <a:noFill/>
-              </a:ln>
-              <a:solidFill>
-                <a:srgbClr val="000000"/>
-              </a:solidFill>
-              <a:effectLst/>
-              <a:uLnTx/>
-              <a:uFillTx/>
-              <a:latin typeface="Calibri"/>
-              <a:ea typeface="+mn-ea"/>
-              <a:cs typeface="+mn-cs"/>
-            </a:endParaRPr>
-          </a:p>
-          <a:p>
-            <a:pPr marL="882900" marR="0" lvl="1" indent="-342900" algn="just" defTabSz="914400" eaLnBrk="1" fontAlgn="auto" latinLnBrk="0" hangingPunct="1">
-              <a:lnSpc>
-                <a:spcPct val="100000"/>
-              </a:lnSpc>
-              <a:spcBef>
-                <a:spcPts val="1134"/>
-              </a:spcBef>
-              <a:spcAft>
-                <a:spcPts val="0"/>
-              </a:spcAft>
-              <a:buClr>
-                <a:srgbClr val="000000"/>
-              </a:buClr>
-              <a:buSzPct val="75000"/>
-              <a:buFont typeface="Wingdings" panose="05000000000000000000" pitchFamily="2" charset="2"/>
-              <a:buChar char="v"/>
-              <a:tabLst/>
-              <a:defRPr/>
-            </a:pPr>
-            <a:r>
-              <a:rPr kumimoji="0" lang="en-US" sz="2400" b="0" i="0" u="none" strike="noStrike" kern="0" cap="none" spc="-1" normalizeH="0" baseline="0" noProof="0" dirty="0" smtClean="0">
-                <a:ln>
-                  <a:noFill/>
-                </a:ln>
-                <a:solidFill>
-                  <a:srgbClr val="000000"/>
-                </a:solidFill>
-                <a:effectLst/>
-                <a:uLnTx/>
-                <a:uFillTx/>
-                <a:latin typeface="Calibri"/>
-                <a:ea typeface="+mn-ea"/>
-                <a:cs typeface="+mn-cs"/>
-              </a:rPr>
-              <a:t>Number-Plate </a:t>
-            </a:r>
-            <a:r>
-              <a:rPr kumimoji="0" lang="en-US" sz="2400" b="0" i="0" u="none" strike="noStrike" kern="0" cap="none" spc="-1" normalizeH="0" baseline="0" noProof="0" dirty="0">
-                <a:ln>
-                  <a:noFill/>
-                </a:ln>
-                <a:solidFill>
-                  <a:srgbClr val="000000"/>
-                </a:solidFill>
-                <a:effectLst/>
-                <a:uLnTx/>
-                <a:uFillTx/>
-                <a:latin typeface="Calibri"/>
-                <a:ea typeface="+mn-ea"/>
-                <a:cs typeface="+mn-cs"/>
-              </a:rPr>
-              <a:t>Recognition </a:t>
-            </a:r>
-          </a:p>
-          <a:p>
-            <a:pPr marL="882900" marR="0" lvl="1" indent="-342900" algn="just" defTabSz="914400" eaLnBrk="1" fontAlgn="auto" latinLnBrk="0" hangingPunct="1">
-              <a:lnSpc>
-                <a:spcPct val="100000"/>
-              </a:lnSpc>
-              <a:spcBef>
-                <a:spcPts val="1134"/>
-              </a:spcBef>
-              <a:spcAft>
-                <a:spcPts val="0"/>
-              </a:spcAft>
-              <a:buClr>
-                <a:srgbClr val="000000"/>
-              </a:buClr>
-              <a:buSzPct val="75000"/>
-              <a:buFont typeface="Wingdings" panose="05000000000000000000" pitchFamily="2" charset="2"/>
-              <a:buChar char="v"/>
-              <a:tabLst/>
-              <a:defRPr/>
-            </a:pPr>
-            <a:r>
-              <a:rPr lang="en-US" sz="2400" kern="0" spc="-1" dirty="0" smtClean="0">
-                <a:solidFill>
-                  <a:srgbClr val="000000"/>
-                </a:solidFill>
-                <a:latin typeface="Calibri"/>
-              </a:rPr>
-              <a:t>Store </a:t>
-            </a:r>
-            <a:r>
-              <a:rPr lang="en-US" sz="2400" kern="0" spc="-1" dirty="0">
-                <a:solidFill>
-                  <a:srgbClr val="000000"/>
-                </a:solidFill>
-                <a:latin typeface="Calibri"/>
-              </a:rPr>
-              <a:t>Vehicle </a:t>
-            </a:r>
-            <a:r>
-              <a:rPr lang="en-US" sz="2400" kern="0" spc="-1" dirty="0" smtClean="0">
-                <a:solidFill>
-                  <a:srgbClr val="000000"/>
-                </a:solidFill>
-                <a:latin typeface="Calibri"/>
-              </a:rPr>
-              <a:t>Details In Database</a:t>
-            </a:r>
-          </a:p>
-          <a:p>
-            <a:pPr marL="882900" marR="0" lvl="1" indent="-342900" algn="just" defTabSz="914400" eaLnBrk="1" fontAlgn="auto" latinLnBrk="0" hangingPunct="1">
-              <a:lnSpc>
-                <a:spcPct val="100000"/>
-              </a:lnSpc>
-              <a:spcBef>
-                <a:spcPts val="1134"/>
-              </a:spcBef>
-              <a:spcAft>
-                <a:spcPts val="0"/>
-              </a:spcAft>
-              <a:buClr>
-                <a:srgbClr val="000000"/>
-              </a:buClr>
-              <a:buSzPct val="75000"/>
-              <a:buFont typeface="Wingdings" panose="05000000000000000000" pitchFamily="2" charset="2"/>
-              <a:buChar char="v"/>
-              <a:tabLst/>
-              <a:defRPr/>
-            </a:pPr>
-            <a:r>
-              <a:rPr kumimoji="0" lang="en-US" sz="2400" b="0" i="0" u="none" strike="noStrike" kern="0" cap="none" spc="-1" normalizeH="0" baseline="0" noProof="0" dirty="0" smtClean="0">
-                <a:ln>
-                  <a:noFill/>
-                </a:ln>
-                <a:solidFill>
-                  <a:srgbClr val="000000"/>
-                </a:solidFill>
-                <a:effectLst/>
-                <a:uLnTx/>
-                <a:uFillTx/>
-                <a:latin typeface="Calibri"/>
-                <a:ea typeface="+mn-ea"/>
-                <a:cs typeface="+mn-cs"/>
-              </a:rPr>
-              <a:t>Search given number</a:t>
-            </a:r>
-            <a:r>
-              <a:rPr kumimoji="0" lang="en-US" sz="2400" b="0" i="0" u="none" strike="noStrike" kern="0" cap="none" spc="-1" normalizeH="0" noProof="0" dirty="0" smtClean="0">
-                <a:ln>
-                  <a:noFill/>
-                </a:ln>
-                <a:solidFill>
-                  <a:srgbClr val="000000"/>
-                </a:solidFill>
-                <a:effectLst/>
-                <a:uLnTx/>
-                <a:uFillTx/>
-                <a:latin typeface="Calibri"/>
-                <a:ea typeface="+mn-ea"/>
-                <a:cs typeface="+mn-cs"/>
-              </a:rPr>
-              <a:t> plate in database</a:t>
-            </a:r>
-            <a:endParaRPr kumimoji="0" lang="en-US" sz="2400" b="0" i="0" u="none" strike="noStrike" kern="0" cap="none" spc="-1" normalizeH="0" baseline="0" noProof="0" dirty="0">
-              <a:ln>
-                <a:noFill/>
-              </a:ln>
-              <a:solidFill>
-                <a:srgbClr val="000000"/>
-              </a:solidFill>
-              <a:effectLst/>
-              <a:uLnTx/>
-              <a:uFillTx/>
-              <a:latin typeface="Calibri"/>
-              <a:ea typeface="+mn-ea"/>
-              <a:cs typeface="+mn-cs"/>
-            </a:endParaRPr>
-          </a:p>
-          <a:p>
-            <a:pPr marL="565200" marR="0" lvl="0" indent="-457200" algn="just" defTabSz="914400" eaLnBrk="1" fontAlgn="auto" latinLnBrk="0" hangingPunct="1">
-              <a:lnSpc>
-                <a:spcPct val="100000"/>
-              </a:lnSpc>
-              <a:spcBef>
-                <a:spcPts val="1417"/>
-              </a:spcBef>
-              <a:spcAft>
-                <a:spcPts val="0"/>
-              </a:spcAft>
-              <a:buClr>
-                <a:srgbClr val="000000"/>
-              </a:buClr>
-              <a:buSzPct val="45000"/>
-              <a:buFont typeface="Wingdings" panose="05000000000000000000" pitchFamily="2" charset="2"/>
-              <a:buChar char="Ø"/>
-              <a:tabLst/>
-              <a:defRPr/>
-            </a:pPr>
-            <a:r>
-              <a:rPr kumimoji="0" lang="en-US" sz="2400" b="0" i="0" u="none" strike="noStrike" kern="0" cap="none" spc="-1" normalizeH="0" baseline="0" noProof="0" dirty="0">
-                <a:ln>
-                  <a:noFill/>
-                </a:ln>
-                <a:solidFill>
-                  <a:srgbClr val="000000"/>
-                </a:solidFill>
-                <a:effectLst/>
-                <a:uLnTx/>
-                <a:uFillTx/>
-                <a:latin typeface="Calibri"/>
-                <a:ea typeface="+mn-ea"/>
-                <a:cs typeface="Times New Roman"/>
-              </a:rPr>
-              <a:t>It can be implemented using Image Processing. </a:t>
-            </a:r>
-          </a:p>
           <a:p>
             <a:pPr marL="0" marR="0" lvl="0" indent="0" algn="just" defTabSz="914400" eaLnBrk="1" fontAlgn="auto" latinLnBrk="0" hangingPunct="1">
               <a:lnSpc>
@@ -10646,12 +10363,272 @@
               <a:tabLst/>
               <a:defRPr/>
             </a:pPr>
-            <a:endParaRPr kumimoji="0" lang="en-US" sz="2400" b="0" i="0" u="none" strike="noStrike" kern="0" cap="none" spc="0" normalizeH="0" baseline="0" noProof="0" dirty="0">
+            <a:r>
+              <a:rPr lang="en-IN" sz="2400" kern="0" dirty="0" smtClean="0">
+                <a:solidFill>
+                  <a:sysClr val="windowText" lastClr="000000"/>
+                </a:solidFill>
+                <a:latin typeface="Arial" panose="020B0604020202020204" pitchFamily="34" charset="0"/>
+                <a:cs typeface="Arial" panose="020B0604020202020204" pitchFamily="34" charset="0"/>
+              </a:rPr>
+              <a:t>V</a:t>
+            </a:r>
+            <a:r>
+              <a:rPr kumimoji="0" lang="en-IN" sz="2400" b="0" i="0" u="none" strike="noStrike" kern="0" cap="none" spc="0" normalizeH="0" baseline="0" noProof="0" dirty="0" err="1" smtClean="0">
+                <a:ln>
+                  <a:noFill/>
+                </a:ln>
+                <a:solidFill>
+                  <a:sysClr val="windowText" lastClr="000000"/>
+                </a:solidFill>
+                <a:effectLst/>
+                <a:uLnTx/>
+                <a:uFillTx/>
+                <a:latin typeface="Arial" panose="020B0604020202020204" pitchFamily="34" charset="0"/>
+                <a:ea typeface="+mn-ea"/>
+                <a:cs typeface="Arial" panose="020B0604020202020204" pitchFamily="34" charset="0"/>
+              </a:rPr>
+              <a:t>ehicle</a:t>
+            </a:r>
+            <a:r>
+              <a:rPr kumimoji="0" lang="en-IN" sz="2400" b="0" i="0" u="none" strike="noStrike" kern="0" cap="none" spc="0" normalizeH="0" baseline="0" noProof="0" dirty="0" smtClean="0">
+                <a:ln>
+                  <a:noFill/>
+                </a:ln>
+                <a:solidFill>
+                  <a:sysClr val="windowText" lastClr="000000"/>
+                </a:solidFill>
+                <a:effectLst/>
+                <a:uLnTx/>
+                <a:uFillTx/>
+                <a:latin typeface="Arial" panose="020B0604020202020204" pitchFamily="34" charset="0"/>
+                <a:ea typeface="+mn-ea"/>
+                <a:cs typeface="Arial" panose="020B0604020202020204" pitchFamily="34" charset="0"/>
+              </a:rPr>
+              <a:t> </a:t>
+            </a:r>
+            <a:r>
+              <a:rPr kumimoji="0" lang="en-IN" sz="2400" b="0" i="0" u="none" strike="noStrike" kern="0" cap="none" spc="0" normalizeH="0" baseline="0" noProof="0" dirty="0">
+                <a:ln>
+                  <a:noFill/>
+                </a:ln>
+                <a:solidFill>
+                  <a:sysClr val="windowText" lastClr="000000"/>
+                </a:solidFill>
+                <a:effectLst/>
+                <a:uLnTx/>
+                <a:uFillTx/>
+                <a:latin typeface="Arial" panose="020B0604020202020204" pitchFamily="34" charset="0"/>
+                <a:ea typeface="+mn-ea"/>
+                <a:cs typeface="Arial" panose="020B0604020202020204" pitchFamily="34" charset="0"/>
+              </a:rPr>
+              <a:t>recognition system in which the basic components of road vehicles are first located in the </a:t>
+            </a:r>
+            <a:r>
+              <a:rPr lang="en-IN" sz="2400" kern="0" dirty="0" smtClean="0">
+                <a:solidFill>
+                  <a:sysClr val="windowText" lastClr="000000"/>
+                </a:solidFill>
+                <a:latin typeface="Arial" panose="020B0604020202020204" pitchFamily="34" charset="0"/>
+                <a:cs typeface="Arial" panose="020B0604020202020204" pitchFamily="34" charset="0"/>
+              </a:rPr>
+              <a:t>frames</a:t>
+            </a:r>
+            <a:r>
+              <a:rPr kumimoji="0" lang="en-IN" sz="2400" b="0" i="0" u="none" strike="noStrike" kern="0" cap="none" spc="0" normalizeH="0" baseline="0" noProof="0" dirty="0" smtClean="0">
+                <a:ln>
+                  <a:noFill/>
+                </a:ln>
+                <a:solidFill>
+                  <a:sysClr val="windowText" lastClr="000000"/>
+                </a:solidFill>
+                <a:effectLst/>
+                <a:uLnTx/>
+                <a:uFillTx/>
+                <a:latin typeface="Arial" panose="020B0604020202020204" pitchFamily="34" charset="0"/>
+                <a:ea typeface="+mn-ea"/>
+                <a:cs typeface="Arial" panose="020B0604020202020204" pitchFamily="34" charset="0"/>
+              </a:rPr>
+              <a:t> based </a:t>
+            </a:r>
+            <a:r>
+              <a:rPr kumimoji="0" lang="en-IN" sz="2400" b="0" i="0" u="none" strike="noStrike" kern="0" cap="none" spc="0" normalizeH="0" baseline="0" noProof="0" dirty="0">
+                <a:ln>
+                  <a:noFill/>
+                </a:ln>
+                <a:solidFill>
+                  <a:sysClr val="windowText" lastClr="000000"/>
+                </a:solidFill>
+                <a:effectLst/>
+                <a:uLnTx/>
+                <a:uFillTx/>
+                <a:latin typeface="Arial" panose="020B0604020202020204" pitchFamily="34" charset="0"/>
+                <a:ea typeface="+mn-ea"/>
+                <a:cs typeface="Arial" panose="020B0604020202020204" pitchFamily="34" charset="0"/>
+              </a:rPr>
+              <a:t>on background subtraction and then Harris corner(Algorithm) of moving vehicles are abstracted.</a:t>
+            </a:r>
+          </a:p>
+          <a:p>
+            <a:pPr marL="0" marR="0" lvl="0" indent="0" algn="just" defTabSz="914400" eaLnBrk="1" fontAlgn="auto" latinLnBrk="0" hangingPunct="1">
+              <a:lnSpc>
+                <a:spcPct val="100000"/>
+              </a:lnSpc>
+              <a:spcBef>
+                <a:spcPts val="0"/>
+              </a:spcBef>
+              <a:spcAft>
+                <a:spcPts val="0"/>
+              </a:spcAft>
+              <a:buClrTx/>
+              <a:buSzTx/>
+              <a:buFont typeface="Wingdings" panose="05000000000000000000" pitchFamily="2" charset="2"/>
+              <a:buChar char="Ø"/>
+              <a:tabLst/>
+              <a:defRPr/>
+            </a:pPr>
+            <a:r>
+              <a:rPr kumimoji="0" lang="en-IN" sz="2400" b="0" i="0" u="none" strike="noStrike" kern="0" cap="none" spc="0" normalizeH="0" baseline="0" noProof="0" dirty="0">
+                <a:ln>
+                  <a:noFill/>
+                </a:ln>
+                <a:solidFill>
+                  <a:sysClr val="windowText" lastClr="000000"/>
+                </a:solidFill>
+                <a:effectLst/>
+                <a:uLnTx/>
+                <a:uFillTx/>
+                <a:latin typeface="Arial" panose="020B0604020202020204" pitchFamily="34" charset="0"/>
+                <a:ea typeface="+mn-ea"/>
+                <a:cs typeface="Arial" panose="020B0604020202020204" pitchFamily="34" charset="0"/>
+              </a:rPr>
+              <a:t>At last, we calculate the </a:t>
+            </a:r>
+            <a:r>
+              <a:rPr kumimoji="0" lang="en-IN" sz="2400" b="0" i="0" u="none" strike="noStrike" kern="0" cap="none" spc="0" normalizeH="0" baseline="0" noProof="0" dirty="0" err="1">
+                <a:ln>
+                  <a:noFill/>
+                </a:ln>
+                <a:solidFill>
+                  <a:sysClr val="windowText" lastClr="000000"/>
+                </a:solidFill>
+                <a:effectLst/>
+                <a:uLnTx/>
+                <a:uFillTx/>
+                <a:latin typeface="Arial" panose="020B0604020202020204" pitchFamily="34" charset="0"/>
+                <a:ea typeface="+mn-ea"/>
+                <a:cs typeface="Arial" panose="020B0604020202020204" pitchFamily="34" charset="0"/>
+              </a:rPr>
+              <a:t>Hausdorff</a:t>
+            </a:r>
+            <a:r>
+              <a:rPr kumimoji="0" lang="en-IN" sz="2400" b="0" i="0" u="none" strike="noStrike" kern="0" cap="none" spc="0" normalizeH="0" baseline="0" noProof="0" dirty="0">
+                <a:ln>
+                  <a:noFill/>
+                </a:ln>
+                <a:solidFill>
+                  <a:sysClr val="windowText" lastClr="000000"/>
+                </a:solidFill>
+                <a:effectLst/>
+                <a:uLnTx/>
+                <a:uFillTx/>
+                <a:latin typeface="Arial" panose="020B0604020202020204" pitchFamily="34" charset="0"/>
+                <a:ea typeface="+mn-ea"/>
+                <a:cs typeface="Arial" panose="020B0604020202020204" pitchFamily="34" charset="0"/>
+              </a:rPr>
+              <a:t> distance(Algorithm) between the Harris corner of which need to be recognized and that of standard samples of car, </a:t>
+            </a:r>
+            <a:r>
+              <a:rPr kumimoji="0" lang="en-IN" sz="2400" b="0" i="0" u="none" strike="noStrike" kern="0" cap="none" spc="0" normalizeH="0" baseline="0" noProof="0" dirty="0" smtClean="0">
+                <a:ln>
+                  <a:noFill/>
+                </a:ln>
+                <a:solidFill>
+                  <a:sysClr val="windowText" lastClr="000000"/>
+                </a:solidFill>
+                <a:effectLst/>
+                <a:uLnTx/>
+                <a:uFillTx/>
+                <a:latin typeface="Arial" panose="020B0604020202020204" pitchFamily="34" charset="0"/>
+                <a:ea typeface="+mn-ea"/>
+                <a:cs typeface="Arial" panose="020B0604020202020204" pitchFamily="34" charset="0"/>
+              </a:rPr>
+              <a:t>bus,</a:t>
+            </a:r>
+            <a:r>
+              <a:rPr kumimoji="0" lang="en-IN" sz="2400" b="0" i="0" u="none" strike="noStrike" kern="0" cap="none" spc="0" normalizeH="0" noProof="0" dirty="0" smtClean="0">
+                <a:ln>
+                  <a:noFill/>
+                </a:ln>
+                <a:solidFill>
+                  <a:sysClr val="windowText" lastClr="000000"/>
+                </a:solidFill>
+                <a:effectLst/>
+                <a:uLnTx/>
+                <a:uFillTx/>
+                <a:latin typeface="Arial" panose="020B0604020202020204" pitchFamily="34" charset="0"/>
+                <a:ea typeface="+mn-ea"/>
+                <a:cs typeface="Arial" panose="020B0604020202020204" pitchFamily="34" charset="0"/>
+              </a:rPr>
+              <a:t> </a:t>
+            </a:r>
+            <a:r>
+              <a:rPr kumimoji="0" lang="en-IN" sz="2400" b="0" i="0" u="none" strike="noStrike" kern="0" cap="none" spc="0" normalizeH="0" baseline="0" noProof="0" dirty="0" smtClean="0">
+                <a:ln>
+                  <a:noFill/>
+                </a:ln>
+                <a:solidFill>
+                  <a:sysClr val="windowText" lastClr="000000"/>
+                </a:solidFill>
+                <a:effectLst/>
+                <a:uLnTx/>
+                <a:uFillTx/>
+                <a:latin typeface="Arial" panose="020B0604020202020204" pitchFamily="34" charset="0"/>
+                <a:ea typeface="+mn-ea"/>
+                <a:cs typeface="Arial" panose="020B0604020202020204" pitchFamily="34" charset="0"/>
+              </a:rPr>
+              <a:t>truck and</a:t>
+            </a:r>
+            <a:r>
+              <a:rPr kumimoji="0" lang="en-IN" sz="2400" b="0" i="0" u="none" strike="noStrike" kern="0" cap="none" spc="0" normalizeH="0" noProof="0" dirty="0" smtClean="0">
+                <a:ln>
+                  <a:noFill/>
+                </a:ln>
+                <a:solidFill>
+                  <a:sysClr val="windowText" lastClr="000000"/>
+                </a:solidFill>
+                <a:effectLst/>
+                <a:uLnTx/>
+                <a:uFillTx/>
+                <a:latin typeface="Arial" panose="020B0604020202020204" pitchFamily="34" charset="0"/>
+                <a:ea typeface="+mn-ea"/>
+                <a:cs typeface="Arial" panose="020B0604020202020204" pitchFamily="34" charset="0"/>
+              </a:rPr>
+              <a:t> other vehicle</a:t>
+            </a:r>
+            <a:r>
+              <a:rPr kumimoji="0" lang="en-IN" sz="2400" b="0" i="0" u="none" strike="noStrike" kern="0" cap="none" spc="0" normalizeH="0" baseline="0" noProof="0" dirty="0" smtClean="0">
+                <a:ln>
+                  <a:noFill/>
+                </a:ln>
+                <a:solidFill>
+                  <a:sysClr val="windowText" lastClr="000000"/>
+                </a:solidFill>
+                <a:effectLst/>
+                <a:uLnTx/>
+                <a:uFillTx/>
+                <a:latin typeface="Arial" panose="020B0604020202020204" pitchFamily="34" charset="0"/>
+                <a:ea typeface="+mn-ea"/>
+                <a:cs typeface="Arial" panose="020B0604020202020204" pitchFamily="34" charset="0"/>
+              </a:rPr>
+              <a:t>.</a:t>
+            </a:r>
+            <a:endParaRPr kumimoji="0" lang="en-IN" sz="2400" b="0" i="0" u="none" strike="noStrike" kern="0" cap="none" spc="0" normalizeH="0" baseline="0" noProof="0" dirty="0">
               <a:ln>
                 <a:noFill/>
               </a:ln>
               <a:solidFill>
-                <a:srgbClr val="404040"/>
+                <a:sysClr val="windowText" lastClr="000000"/>
               </a:solidFill>
               <a:effectLst/>
               <a:uLnTx/>
@@ -10661,6 +10638,76 @@
               <a:cs typeface="Arial" panose="020B0604020202020204" pitchFamily="34" charset="0"/>
             </a:endParaRPr>
           </a:p>
+          <a:p>
+            <a:pPr marL="0" marR="0" lvl="0" indent="0" algn="just" defTabSz="914400" eaLnBrk="1" fontAlgn="auto" latinLnBrk="0" hangingPunct="1">
+              <a:lnSpc>
+                <a:spcPct val="100000"/>
+              </a:lnSpc>
+              <a:spcBef>
+                <a:spcPts val="0"/>
+              </a:spcBef>
+              <a:spcAft>
+                <a:spcPts val="0"/>
+              </a:spcAft>
+              <a:buClrTx/>
+              <a:buSzTx/>
+              <a:buFont typeface="Wingdings" panose="05000000000000000000" pitchFamily="2" charset="2"/>
+              <a:buChar char="Ø"/>
+              <a:tabLst/>
+              <a:defRPr/>
+            </a:pPr>
+            <a:r>
+              <a:rPr kumimoji="0" lang="en-IN" sz="2400" b="0" i="0" u="none" strike="noStrike" kern="0" cap="none" spc="0" normalizeH="0" baseline="0" noProof="0" dirty="0">
+                <a:ln>
+                  <a:noFill/>
+                </a:ln>
+                <a:solidFill>
+                  <a:sysClr val="windowText" lastClr="000000"/>
+                </a:solidFill>
+                <a:effectLst/>
+                <a:uLnTx/>
+                <a:uFillTx/>
+                <a:latin typeface="Arial" panose="020B0604020202020204" pitchFamily="34" charset="0"/>
+                <a:ea typeface="+mn-ea"/>
+                <a:cs typeface="Arial" panose="020B0604020202020204" pitchFamily="34" charset="0"/>
+              </a:rPr>
+              <a:t>The two whose </a:t>
+            </a:r>
+            <a:r>
+              <a:rPr kumimoji="0" lang="en-IN" sz="2400" b="0" i="0" u="none" strike="noStrike" kern="0" cap="none" spc="0" normalizeH="0" baseline="0" noProof="0" dirty="0" err="1">
+                <a:ln>
+                  <a:noFill/>
+                </a:ln>
+                <a:solidFill>
+                  <a:sysClr val="windowText" lastClr="000000"/>
+                </a:solidFill>
+                <a:effectLst/>
+                <a:uLnTx/>
+                <a:uFillTx/>
+                <a:latin typeface="Arial" panose="020B0604020202020204" pitchFamily="34" charset="0"/>
+                <a:ea typeface="+mn-ea"/>
+                <a:cs typeface="Arial" panose="020B0604020202020204" pitchFamily="34" charset="0"/>
+              </a:rPr>
+              <a:t>Hausdorff</a:t>
+            </a:r>
+            <a:r>
+              <a:rPr kumimoji="0" lang="en-IN" sz="2400" b="0" i="0" u="none" strike="noStrike" kern="0" cap="none" spc="0" normalizeH="0" baseline="0" noProof="0" dirty="0">
+                <a:ln>
+                  <a:noFill/>
+                </a:ln>
+                <a:solidFill>
+                  <a:sysClr val="windowText" lastClr="000000"/>
+                </a:solidFill>
+                <a:effectLst/>
+                <a:uLnTx/>
+                <a:uFillTx/>
+                <a:latin typeface="Arial" panose="020B0604020202020204" pitchFamily="34" charset="0"/>
+                <a:ea typeface="+mn-ea"/>
+                <a:cs typeface="Arial" panose="020B0604020202020204" pitchFamily="34" charset="0"/>
+              </a:rPr>
+              <a:t> distance is the smallest could be judged as the same type.</a:t>
+            </a:r>
+          </a:p>
         </p:txBody>
       </p:sp>
       <p:sp>
@@ -10668,7 +10715,7 @@
           <p:cNvPr id="6" name="object 10">
             <a:extLst>
               <a:ext uri="{FF2B5EF4-FFF2-40B4-BE49-F238E27FC236}">
-                <a16:creationId xmlns="" xmlns:a16="http://schemas.microsoft.com/office/drawing/2014/main" id="{690EC972-EBED-4D80-A606-FD3C22CABAB3}"/>
+                <a16:creationId xmlns:a16="http://schemas.microsoft.com/office/drawing/2014/main" xmlns="" id="{0901F60C-548A-4595-A03F-1035069D6AEC}"/>
               </a:ext>
             </a:extLst>
           </p:cNvPr>
@@ -10677,8 +10724,8 @@
         </p:nvSpPr>
         <p:spPr>
           <a:xfrm>
-            <a:off x="8244408" y="4221088"/>
-            <a:ext cx="899973" cy="2637086"/>
+            <a:off x="8172400" y="4509120"/>
+            <a:ext cx="971981" cy="2349054"/>
           </a:xfrm>
           <a:custGeom>
             <a:avLst/>
@@ -10788,10 +10835,10 @@
       </p:grpSpPr>
       <p:sp>
         <p:nvSpPr>
-          <p:cNvPr id="4" name="Title 1">
+          <p:cNvPr id="2" name="Content Placeholder 2">
             <a:extLst>
               <a:ext uri="{FF2B5EF4-FFF2-40B4-BE49-F238E27FC236}">
-                <a16:creationId xmlns="" xmlns:a16="http://schemas.microsoft.com/office/drawing/2014/main" id="{C4DD8909-2E69-4F0C-AB8C-B26F21F61C8F}"/>
+                <a16:creationId xmlns:a16="http://schemas.microsoft.com/office/drawing/2014/main" xmlns="" id="{C8292770-AC20-41A6-B967-6282AA3B4C76}"/>
               </a:ext>
             </a:extLst>
           </p:cNvPr>
@@ -10802,8 +10849,8 @@
         </p:nvSpPr>
         <p:spPr>
           <a:xfrm>
-            <a:off x="360871" y="624110"/>
-            <a:ext cx="8911687" cy="1280890"/>
+            <a:off x="142844" y="1052736"/>
+            <a:ext cx="8821644" cy="4176464"/>
           </a:xfrm>
           <a:prstGeom prst="rect">
             <a:avLst/>
@@ -10811,103 +10858,7 @@
         </p:spPr>
         <p:txBody>
           <a:bodyPr>
-            <a:noAutofit/>
-          </a:bodyPr>
-          <a:lstStyle/>
-          <a:p>
-            <a:pPr marL="0" marR="0" lvl="0" indent="0" algn="ctr" defTabSz="914400" eaLnBrk="1" fontAlgn="auto" latinLnBrk="0" hangingPunct="1">
-              <a:lnSpc>
-                <a:spcPct val="100000"/>
-              </a:lnSpc>
-              <a:spcBef>
-                <a:spcPts val="0"/>
-              </a:spcBef>
-              <a:spcAft>
-                <a:spcPts val="0"/>
-              </a:spcAft>
-              <a:buClrTx/>
-              <a:buSzTx/>
-              <a:buFontTx/>
-              <a:buNone/>
-              <a:tabLst/>
-              <a:defRPr/>
-            </a:pPr>
-            <a:r>
-              <a:rPr kumimoji="0" lang="en-IN" sz="4400" b="0" i="0" u="none" strike="noStrike" kern="0" cap="none" spc="0" normalizeH="0" baseline="0" noProof="0" dirty="0">
-                <a:ln>
-                  <a:noFill/>
-                </a:ln>
-                <a:solidFill>
-                  <a:sysClr val="windowText" lastClr="000000"/>
-                </a:solidFill>
-                <a:effectLst/>
-                <a:uLnTx/>
-                <a:uFillTx/>
-                <a:latin typeface="Arial" panose="020B0604020202020204" pitchFamily="34" charset="0"/>
-                <a:ea typeface="+mj-ea"/>
-                <a:cs typeface="Arial" panose="020B0604020202020204" pitchFamily="34" charset="0"/>
-              </a:rPr>
-              <a:t>Vehicle Recognition</a:t>
-            </a:r>
-            <a:br>
-              <a:rPr kumimoji="0" lang="en-IN" sz="4400" b="0" i="0" u="none" strike="noStrike" kern="0" cap="none" spc="0" normalizeH="0" baseline="0" noProof="0" dirty="0">
-                <a:ln>
-                  <a:noFill/>
-                </a:ln>
-                <a:solidFill>
-                  <a:sysClr val="windowText" lastClr="000000"/>
-                </a:solidFill>
-                <a:effectLst/>
-                <a:uLnTx/>
-                <a:uFillTx/>
-                <a:latin typeface="Arial" panose="020B0604020202020204" pitchFamily="34" charset="0"/>
-                <a:ea typeface="+mj-ea"/>
-                <a:cs typeface="Arial" panose="020B0604020202020204" pitchFamily="34" charset="0"/>
-              </a:rPr>
-            </a:br>
-            <a:endParaRPr kumimoji="0" lang="en-IN" sz="4400" b="0" i="0" u="none" strike="noStrike" kern="0" cap="none" spc="0" normalizeH="0" baseline="0" noProof="0" dirty="0">
-              <a:ln>
-                <a:noFill/>
-              </a:ln>
-              <a:solidFill>
-                <a:sysClr val="windowText" lastClr="000000"/>
-              </a:solidFill>
-              <a:effectLst/>
-              <a:uLnTx/>
-              <a:uFillTx/>
-              <a:latin typeface="Arial" panose="020B0604020202020204" pitchFamily="34" charset="0"/>
-              <a:ea typeface="+mj-ea"/>
-              <a:cs typeface="Arial" panose="020B0604020202020204" pitchFamily="34" charset="0"/>
-            </a:endParaRPr>
-          </a:p>
-        </p:txBody>
-      </p:sp>
-      <p:sp>
-        <p:nvSpPr>
-          <p:cNvPr id="5" name="Content Placeholder 2">
-            <a:extLst>
-              <a:ext uri="{FF2B5EF4-FFF2-40B4-BE49-F238E27FC236}">
-                <a16:creationId xmlns="" xmlns:a16="http://schemas.microsoft.com/office/drawing/2014/main" id="{96087CC3-9EF8-4CCF-9DD2-1522D95FF935}"/>
-              </a:ext>
-            </a:extLst>
-          </p:cNvPr>
-          <p:cNvSpPr txBox="1">
-            <a:spLocks/>
-          </p:cNvSpPr>
-          <p:nvPr/>
-        </p:nvSpPr>
-        <p:spPr>
-          <a:xfrm>
-            <a:off x="357158" y="1905000"/>
-            <a:ext cx="8535322" cy="4122576"/>
-          </a:xfrm>
-          <a:prstGeom prst="rect">
-            <a:avLst/>
-          </a:prstGeom>
-        </p:spPr>
-        <p:txBody>
-          <a:bodyPr>
-            <a:noAutofit/>
+            <a:normAutofit/>
           </a:bodyPr>
           <a:lstStyle/>
           <a:p>
@@ -10929,17 +10880,7 @@
               <a:defRPr/>
             </a:pPr>
             <a:r>
-              <a:rPr lang="en-IN" sz="2400" kern="0" dirty="0" smtClean="0">
-                <a:solidFill>
-                  <a:sysClr val="windowText" lastClr="000000"/>
-                </a:solidFill>
-                <a:latin typeface="Arial" panose="020B0604020202020204" pitchFamily="34" charset="0"/>
-                <a:cs typeface="Arial" panose="020B0604020202020204" pitchFamily="34" charset="0"/>
-              </a:rPr>
-              <a:t>V</a:t>
-            </a:r>
-            <a:r>
-              <a:rPr kumimoji="0" lang="en-IN" sz="2400" b="0" i="0" u="none" strike="noStrike" kern="0" cap="none" spc="0" normalizeH="0" baseline="0" noProof="0" dirty="0" err="1" smtClean="0">
+              <a:rPr kumimoji="0" lang="en-IN" sz="2400" b="0" i="0" u="none" strike="noStrike" kern="0" cap="none" spc="0" normalizeH="0" baseline="0" noProof="0" dirty="0">
                 <a:ln>
                   <a:noFill/>
                 </a:ln>
@@ -10953,7 +10894,17 @@
                 <a:ea typeface="+mn-ea"/>
                 <a:cs typeface="Arial" panose="020B0604020202020204" pitchFamily="34" charset="0"/>
               </a:rPr>
-              <a:t>ehicle</a:t>
+              <a:t>Because of vehicle detection and recognition in </a:t>
+            </a:r>
+            <a:r>
+              <a:rPr lang="en-IN" sz="2400" kern="0" dirty="0" smtClean="0">
+                <a:solidFill>
+                  <a:sysClr val="windowText" lastClr="000000"/>
+                </a:solidFill>
+                <a:latin typeface="Arial" panose="020B0604020202020204" pitchFamily="34" charset="0"/>
+                <a:cs typeface="Arial" panose="020B0604020202020204" pitchFamily="34" charset="0"/>
+              </a:rPr>
+              <a:t>frames</a:t>
             </a:r>
             <a:r>
               <a:rPr kumimoji="0" lang="en-IN" sz="2400" b="0" i="0" u="none" strike="noStrike" kern="0" cap="none" spc="0" normalizeH="0" baseline="0" noProof="0" dirty="0" smtClean="0">
@@ -10970,7 +10921,7 @@
                 <a:ea typeface="+mn-ea"/>
                 <a:cs typeface="Arial" panose="020B0604020202020204" pitchFamily="34" charset="0"/>
               </a:rPr>
-              <a:t> </a:t>
+              <a:t>, </a:t>
             </a:r>
             <a:r>
               <a:rPr kumimoji="0" lang="en-IN" sz="2400" b="0" i="0" u="none" strike="noStrike" kern="0" cap="none" spc="0" normalizeH="0" baseline="0" noProof="0" dirty="0">
@@ -10987,51 +10938,7 @@
                 <a:ea typeface="+mn-ea"/>
                 <a:cs typeface="Arial" panose="020B0604020202020204" pitchFamily="34" charset="0"/>
               </a:rPr>
-              <a:t>recognition system in which the basic components of road vehicles are first located in the </a:t>
-            </a:r>
-            <a:r>
-              <a:rPr lang="en-IN" sz="2400" kern="0" dirty="0" smtClean="0">
-                <a:solidFill>
-                  <a:sysClr val="windowText" lastClr="000000"/>
-                </a:solidFill>
-                <a:latin typeface="Arial" panose="020B0604020202020204" pitchFamily="34" charset="0"/>
-                <a:cs typeface="Arial" panose="020B0604020202020204" pitchFamily="34" charset="0"/>
-              </a:rPr>
-              <a:t>frames</a:t>
-            </a:r>
-            <a:r>
-              <a:rPr kumimoji="0" lang="en-IN" sz="2400" b="0" i="0" u="none" strike="noStrike" kern="0" cap="none" spc="0" normalizeH="0" baseline="0" noProof="0" dirty="0" smtClean="0">
-                <a:ln>
-                  <a:noFill/>
-                </a:ln>
-                <a:solidFill>
-                  <a:sysClr val="windowText" lastClr="000000"/>
-                </a:solidFill>
-                <a:effectLst/>
-                <a:uLnTx/>
-                <a:uFillTx/>
-                <a:latin typeface="Arial" panose="020B0604020202020204" pitchFamily="34" charset="0"/>
-                <a:ea typeface="+mn-ea"/>
-                <a:cs typeface="Arial" panose="020B0604020202020204" pitchFamily="34" charset="0"/>
-              </a:rPr>
-              <a:t> based </a:t>
-            </a:r>
-            <a:r>
-              <a:rPr kumimoji="0" lang="en-IN" sz="2400" b="0" i="0" u="none" strike="noStrike" kern="0" cap="none" spc="0" normalizeH="0" baseline="0" noProof="0" dirty="0">
-                <a:ln>
-                  <a:noFill/>
-                </a:ln>
-                <a:solidFill>
-                  <a:sysClr val="windowText" lastClr="000000"/>
-                </a:solidFill>
-                <a:effectLst/>
-                <a:uLnTx/>
-                <a:uFillTx/>
-                <a:latin typeface="Arial" panose="020B0604020202020204" pitchFamily="34" charset="0"/>
-                <a:ea typeface="+mn-ea"/>
-                <a:cs typeface="Arial" panose="020B0604020202020204" pitchFamily="34" charset="0"/>
-              </a:rPr>
-              <a:t>on background subtraction and then Harris corner(Algorithm) of moving vehicles are abstracted.</a:t>
+              <a:t>cluttered road images, a new vehicle recognition approach is proposed in order to better deal with vehicle variability, illumination conditions, partial occlusions and rotations.</a:t>
             </a:r>
           </a:p>
           <a:p>
@@ -11067,109 +10974,7 @@
                 <a:ea typeface="+mn-ea"/>
                 <a:cs typeface="Arial" panose="020B0604020202020204" pitchFamily="34" charset="0"/>
               </a:rPr>
-              <a:t>At last, we calculate the </a:t>
-            </a:r>
-            <a:r>
-              <a:rPr kumimoji="0" lang="en-IN" sz="2400" b="0" i="0" u="none" strike="noStrike" kern="0" cap="none" spc="0" normalizeH="0" baseline="0" noProof="0" dirty="0" err="1">
-                <a:ln>
-                  <a:noFill/>
-                </a:ln>
-                <a:solidFill>
-                  <a:sysClr val="windowText" lastClr="000000"/>
-                </a:solidFill>
-                <a:effectLst/>
-                <a:uLnTx/>
-                <a:uFillTx/>
-                <a:latin typeface="Arial" panose="020B0604020202020204" pitchFamily="34" charset="0"/>
-                <a:ea typeface="+mn-ea"/>
-                <a:cs typeface="Arial" panose="020B0604020202020204" pitchFamily="34" charset="0"/>
-              </a:rPr>
-              <a:t>Hausdorff</a:t>
-            </a:r>
-            <a:r>
-              <a:rPr kumimoji="0" lang="en-IN" sz="2400" b="0" i="0" u="none" strike="noStrike" kern="0" cap="none" spc="0" normalizeH="0" baseline="0" noProof="0" dirty="0">
-                <a:ln>
-                  <a:noFill/>
-                </a:ln>
-                <a:solidFill>
-                  <a:sysClr val="windowText" lastClr="000000"/>
-                </a:solidFill>
-                <a:effectLst/>
-                <a:uLnTx/>
-                <a:uFillTx/>
-                <a:latin typeface="Arial" panose="020B0604020202020204" pitchFamily="34" charset="0"/>
-                <a:ea typeface="+mn-ea"/>
-                <a:cs typeface="Arial" panose="020B0604020202020204" pitchFamily="34" charset="0"/>
-              </a:rPr>
-              <a:t> distance(Algorithm) between the Harris corner of which need to be recognized and that of standard samples of car, </a:t>
-            </a:r>
-            <a:r>
-              <a:rPr kumimoji="0" lang="en-IN" sz="2400" b="0" i="0" u="none" strike="noStrike" kern="0" cap="none" spc="0" normalizeH="0" baseline="0" noProof="0" dirty="0" smtClean="0">
-                <a:ln>
-                  <a:noFill/>
-                </a:ln>
-                <a:solidFill>
-                  <a:sysClr val="windowText" lastClr="000000"/>
-                </a:solidFill>
-                <a:effectLst/>
-                <a:uLnTx/>
-                <a:uFillTx/>
-                <a:latin typeface="Arial" panose="020B0604020202020204" pitchFamily="34" charset="0"/>
-                <a:ea typeface="+mn-ea"/>
-                <a:cs typeface="Arial" panose="020B0604020202020204" pitchFamily="34" charset="0"/>
-              </a:rPr>
-              <a:t>bus,</a:t>
-            </a:r>
-            <a:r>
-              <a:rPr kumimoji="0" lang="en-IN" sz="2400" b="0" i="0" u="none" strike="noStrike" kern="0" cap="none" spc="0" normalizeH="0" noProof="0" dirty="0" smtClean="0">
-                <a:ln>
-                  <a:noFill/>
-                </a:ln>
-                <a:solidFill>
-                  <a:sysClr val="windowText" lastClr="000000"/>
-                </a:solidFill>
-                <a:effectLst/>
-                <a:uLnTx/>
-                <a:uFillTx/>
-                <a:latin typeface="Arial" panose="020B0604020202020204" pitchFamily="34" charset="0"/>
-                <a:ea typeface="+mn-ea"/>
-                <a:cs typeface="Arial" panose="020B0604020202020204" pitchFamily="34" charset="0"/>
-              </a:rPr>
-              <a:t> </a:t>
-            </a:r>
-            <a:r>
-              <a:rPr kumimoji="0" lang="en-IN" sz="2400" b="0" i="0" u="none" strike="noStrike" kern="0" cap="none" spc="0" normalizeH="0" baseline="0" noProof="0" dirty="0" smtClean="0">
-                <a:ln>
-                  <a:noFill/>
-                </a:ln>
-                <a:solidFill>
-                  <a:sysClr val="windowText" lastClr="000000"/>
-                </a:solidFill>
-                <a:effectLst/>
-                <a:uLnTx/>
-                <a:uFillTx/>
-                <a:latin typeface="Arial" panose="020B0604020202020204" pitchFamily="34" charset="0"/>
-                <a:ea typeface="+mn-ea"/>
-                <a:cs typeface="Arial" panose="020B0604020202020204" pitchFamily="34" charset="0"/>
-              </a:rPr>
-              <a:t>truck and</a:t>
-            </a:r>
-            <a:r>
-              <a:rPr kumimoji="0" lang="en-IN" sz="2400" b="0" i="0" u="none" strike="noStrike" kern="0" cap="none" spc="0" normalizeH="0" noProof="0" dirty="0" smtClean="0">
-                <a:ln>
-                  <a:noFill/>
-                </a:ln>
-                <a:solidFill>
-                  <a:sysClr val="windowText" lastClr="000000"/>
-                </a:solidFill>
-                <a:effectLst/>
-                <a:uLnTx/>
-                <a:uFillTx/>
-                <a:latin typeface="Arial" panose="020B0604020202020204" pitchFamily="34" charset="0"/>
-                <a:ea typeface="+mn-ea"/>
-                <a:cs typeface="Arial" panose="020B0604020202020204" pitchFamily="34" charset="0"/>
-              </a:rPr>
-              <a:t> other vehicle</a:t>
+              <a:t>The experimental results show that the system can accurately detect and recognize the vehicles on the urban multi-traffic road, while satisfying the real-time requirement</a:t>
             </a:r>
             <a:r>
               <a:rPr kumimoji="0" lang="en-IN" sz="2400" b="0" i="0" u="none" strike="noStrike" kern="0" cap="none" spc="0" normalizeH="0" baseline="0" noProof="0" dirty="0" smtClean="0">
@@ -11203,84 +11008,14 @@
               <a:cs typeface="Arial" panose="020B0604020202020204" pitchFamily="34" charset="0"/>
             </a:endParaRPr>
           </a:p>
-          <a:p>
-            <a:pPr marL="0" marR="0" lvl="0" indent="0" algn="just" defTabSz="914400" eaLnBrk="1" fontAlgn="auto" latinLnBrk="0" hangingPunct="1">
-              <a:lnSpc>
-                <a:spcPct val="100000"/>
-              </a:lnSpc>
-              <a:spcBef>
-                <a:spcPts val="0"/>
-              </a:spcBef>
-              <a:spcAft>
-                <a:spcPts val="0"/>
-              </a:spcAft>
-              <a:buClrTx/>
-              <a:buSzTx/>
-              <a:buFont typeface="Wingdings" panose="05000000000000000000" pitchFamily="2" charset="2"/>
-              <a:buChar char="Ø"/>
-              <a:tabLst/>
-              <a:defRPr/>
-            </a:pPr>
-            <a:r>
-              <a:rPr kumimoji="0" lang="en-IN" sz="2400" b="0" i="0" u="none" strike="noStrike" kern="0" cap="none" spc="0" normalizeH="0" baseline="0" noProof="0" dirty="0">
-                <a:ln>
-                  <a:noFill/>
-                </a:ln>
-                <a:solidFill>
-                  <a:sysClr val="windowText" lastClr="000000"/>
-                </a:solidFill>
-                <a:effectLst/>
-                <a:uLnTx/>
-                <a:uFillTx/>
-                <a:latin typeface="Arial" panose="020B0604020202020204" pitchFamily="34" charset="0"/>
-                <a:ea typeface="+mn-ea"/>
-                <a:cs typeface="Arial" panose="020B0604020202020204" pitchFamily="34" charset="0"/>
-              </a:rPr>
-              <a:t>The two whose </a:t>
-            </a:r>
-            <a:r>
-              <a:rPr kumimoji="0" lang="en-IN" sz="2400" b="0" i="0" u="none" strike="noStrike" kern="0" cap="none" spc="0" normalizeH="0" baseline="0" noProof="0" dirty="0" err="1">
-                <a:ln>
-                  <a:noFill/>
-                </a:ln>
-                <a:solidFill>
-                  <a:sysClr val="windowText" lastClr="000000"/>
-                </a:solidFill>
-                <a:effectLst/>
-                <a:uLnTx/>
-                <a:uFillTx/>
-                <a:latin typeface="Arial" panose="020B0604020202020204" pitchFamily="34" charset="0"/>
-                <a:ea typeface="+mn-ea"/>
-                <a:cs typeface="Arial" panose="020B0604020202020204" pitchFamily="34" charset="0"/>
-              </a:rPr>
-              <a:t>Hausdorff</a:t>
-            </a:r>
-            <a:r>
-              <a:rPr kumimoji="0" lang="en-IN" sz="2400" b="0" i="0" u="none" strike="noStrike" kern="0" cap="none" spc="0" normalizeH="0" baseline="0" noProof="0" dirty="0">
-                <a:ln>
-                  <a:noFill/>
-                </a:ln>
-                <a:solidFill>
-                  <a:sysClr val="windowText" lastClr="000000"/>
-                </a:solidFill>
-                <a:effectLst/>
-                <a:uLnTx/>
-                <a:uFillTx/>
-                <a:latin typeface="Arial" panose="020B0604020202020204" pitchFamily="34" charset="0"/>
-                <a:ea typeface="+mn-ea"/>
-                <a:cs typeface="Arial" panose="020B0604020202020204" pitchFamily="34" charset="0"/>
-              </a:rPr>
-              <a:t> distance is the smallest could be judged as the same type.</a:t>
-            </a:r>
-          </a:p>
         </p:txBody>
       </p:sp>
       <p:sp>
         <p:nvSpPr>
-          <p:cNvPr id="6" name="object 10">
+          <p:cNvPr id="3" name="object 10">
             <a:extLst>
               <a:ext uri="{FF2B5EF4-FFF2-40B4-BE49-F238E27FC236}">
-                <a16:creationId xmlns="" xmlns:a16="http://schemas.microsoft.com/office/drawing/2014/main" id="{0901F60C-548A-4595-A03F-1035069D6AEC}"/>
+                <a16:creationId xmlns:a16="http://schemas.microsoft.com/office/drawing/2014/main" xmlns="" id="{349D94DE-7EC2-4018-A2F8-1F172F1F36F1}"/>
               </a:ext>
             </a:extLst>
           </p:cNvPr>
@@ -11289,8 +11024,8 @@
         </p:nvSpPr>
         <p:spPr>
           <a:xfrm>
-            <a:off x="8172400" y="4509120"/>
-            <a:ext cx="971981" cy="2349054"/>
+            <a:off x="8100392" y="4221088"/>
+            <a:ext cx="1043989" cy="2637086"/>
           </a:xfrm>
           <a:custGeom>
             <a:avLst/>
@@ -11919,7 +11654,7 @@
   <a:extraClrSchemeLst/>
   <a:extLst>
     <a:ext uri="{05A4C25C-085E-4340-85A3-A5531E510DB2}">
-      <thm15:themeFamily xmlns="" xmlns:thm15="http://schemas.microsoft.com/office/thememl/2012/main" name="Office Theme" id="{62F939B6-93AF-4DB8-9C6B-D6C7DFDC589F}" vid="{4A3C46E8-61CC-4603-A589-7422A47A8E4A}"/>
+      <thm15:themeFamily xmlns:thm15="http://schemas.microsoft.com/office/thememl/2012/main" xmlns="" name="Office Theme" id="{62F939B6-93AF-4DB8-9C6B-D6C7DFDC589F}" vid="{4A3C46E8-61CC-4603-A589-7422A47A8E4A}"/>
     </a:ext>
   </a:extLst>
 </a:theme>
